--- a/architecture-diagram.pptx
+++ b/architecture-diagram.pptx
@@ -5196,7 +5196,7 @@
         </p:nvSpPr>
         <p:spPr bwMode="auto">
           <a:xfrm>
-            <a:off x="8989838" y="5806372"/>
+            <a:off x="8993634" y="4425879"/>
             <a:ext cx="1244022" cy="397032"/>
           </a:xfrm>
           <a:prstGeom prst="rect">
@@ -5381,7 +5381,7 @@
         </p:blipFill>
         <p:spPr bwMode="auto">
           <a:xfrm>
-            <a:off x="9411177" y="5380744"/>
+            <a:off x="9390538" y="3957360"/>
             <a:ext cx="411341" cy="411341"/>
           </a:xfrm>
           <a:prstGeom prst="rect">
@@ -6367,7 +6367,7 @@
         <p:spPr>
           <a:xfrm>
             <a:off x="8762405" y="707769"/>
-            <a:ext cx="1706480" cy="6090962"/>
+            <a:ext cx="1706480" cy="4115142"/>
           </a:xfrm>
           <a:prstGeom prst="rect">
             <a:avLst/>
@@ -6496,12 +6496,14 @@
           <p:nvPr/>
         </p:nvCxnSpPr>
         <p:spPr>
-          <a:xfrm>
-            <a:off x="5513736" y="5583184"/>
-            <a:ext cx="3897441" cy="3231"/>
-          </a:xfrm>
-          <a:prstGeom prst="straightConnector1">
-            <a:avLst/>
+          <a:xfrm flipV="1">
+            <a:off x="5513736" y="4163031"/>
+            <a:ext cx="3876802" cy="1420153"/>
+          </a:xfrm>
+          <a:prstGeom prst="bentConnector3">
+            <a:avLst>
+              <a:gd name="adj1" fmla="val 75922"/>
+            </a:avLst>
           </a:prstGeom>
           <a:ln w="22225">
             <a:solidFill>
@@ -7687,6 +7689,263 @@
           </a:xfrm>
           <a:prstGeom prst="straightConnector1">
             <a:avLst/>
+          </a:prstGeom>
+          <a:ln w="22225">
+            <a:solidFill>
+              <a:srgbClr val="545B64"/>
+            </a:solidFill>
+            <a:headEnd type="none" w="med" len="sm"/>
+            <a:tailEnd type="arrow" w="med" len="sm"/>
+          </a:ln>
+        </p:spPr>
+        <p:style>
+          <a:lnRef idx="1">
+            <a:schemeClr val="accent1"/>
+          </a:lnRef>
+          <a:fillRef idx="0">
+            <a:schemeClr val="accent1"/>
+          </a:fillRef>
+          <a:effectRef idx="0">
+            <a:schemeClr val="accent1"/>
+          </a:effectRef>
+          <a:fontRef idx="minor">
+            <a:schemeClr val="tx1"/>
+          </a:fontRef>
+        </p:style>
+      </p:cxnSp>
+      <p:sp>
+        <p:nvSpPr>
+          <p:cNvPr id="80" name="Rectangle 79">
+            <a:extLst>
+              <a:ext uri="{FF2B5EF4-FFF2-40B4-BE49-F238E27FC236}">
+                <a16:creationId xmlns:a16="http://schemas.microsoft.com/office/drawing/2014/main" id="{97C08657-4001-4F40-A40F-219D82091005}"/>
+              </a:ext>
+            </a:extLst>
+          </p:cNvPr>
+          <p:cNvSpPr/>
+          <p:nvPr/>
+        </p:nvSpPr>
+        <p:spPr>
+          <a:xfrm>
+            <a:off x="8762404" y="4890411"/>
+            <a:ext cx="1706480" cy="1908320"/>
+          </a:xfrm>
+          <a:prstGeom prst="rect">
+            <a:avLst/>
+          </a:prstGeom>
+          <a:noFill/>
+          <a:ln w="12700">
+            <a:solidFill>
+              <a:srgbClr val="3F8624"/>
+            </a:solidFill>
+          </a:ln>
+        </p:spPr>
+        <p:style>
+          <a:lnRef idx="2">
+            <a:schemeClr val="accent1">
+              <a:shade val="50000"/>
+            </a:schemeClr>
+          </a:lnRef>
+          <a:fillRef idx="1">
+            <a:schemeClr val="accent1"/>
+          </a:fillRef>
+          <a:effectRef idx="0">
+            <a:schemeClr val="accent1"/>
+          </a:effectRef>
+          <a:fontRef idx="minor">
+            <a:schemeClr val="lt1"/>
+          </a:fontRef>
+        </p:style>
+        <p:txBody>
+          <a:bodyPr lIns="421058" tIns="82268"/>
+          <a:lstStyle/>
+          <a:p>
+            <a:pPr>
+              <a:defRPr/>
+            </a:pPr>
+            <a:r>
+              <a:rPr lang="en-US" sz="1080" dirty="0">
+                <a:ln w="0"/>
+                <a:solidFill>
+                  <a:srgbClr val="3F8624"/>
+                </a:solidFill>
+                <a:latin typeface="Arial" panose="020B0604020202020204" pitchFamily="34" charset="0"/>
+                <a:cs typeface="Arial" panose="020B0604020202020204" pitchFamily="34" charset="0"/>
+              </a:rPr>
+              <a:t>Amazon Elastic File System (Amazon EFS)</a:t>
+            </a:r>
+          </a:p>
+        </p:txBody>
+      </p:sp>
+      <p:pic>
+        <p:nvPicPr>
+          <p:cNvPr id="17" name="Picture 16">
+            <a:extLst>
+              <a:ext uri="{FF2B5EF4-FFF2-40B4-BE49-F238E27FC236}">
+                <a16:creationId xmlns:a16="http://schemas.microsoft.com/office/drawing/2014/main" id="{7ABB00BB-7EC7-4F22-9982-1FA513B6FFF3}"/>
+              </a:ext>
+            </a:extLst>
+          </p:cNvPr>
+          <p:cNvPicPr>
+            <a:picLocks noChangeAspect="1"/>
+          </p:cNvPicPr>
+          <p:nvPr/>
+        </p:nvPicPr>
+        <p:blipFill>
+          <a:blip r:embed="rId27"/>
+          <a:stretch>
+            <a:fillRect/>
+          </a:stretch>
+        </p:blipFill>
+        <p:spPr>
+          <a:xfrm>
+            <a:off x="8771069" y="4893708"/>
+            <a:ext cx="331449" cy="334902"/>
+          </a:xfrm>
+          <a:prstGeom prst="rect">
+            <a:avLst/>
+          </a:prstGeom>
+        </p:spPr>
+      </p:pic>
+      <p:pic>
+        <p:nvPicPr>
+          <p:cNvPr id="22" name="Picture 21">
+            <a:extLst>
+              <a:ext uri="{FF2B5EF4-FFF2-40B4-BE49-F238E27FC236}">
+                <a16:creationId xmlns:a16="http://schemas.microsoft.com/office/drawing/2014/main" id="{0E8558EB-FA29-4AE2-9768-5CB741E87DA8}"/>
+              </a:ext>
+            </a:extLst>
+          </p:cNvPr>
+          <p:cNvPicPr>
+            <a:picLocks noChangeAspect="1"/>
+          </p:cNvPicPr>
+          <p:nvPr/>
+        </p:nvPicPr>
+        <p:blipFill>
+          <a:blip r:embed="rId28"/>
+          <a:stretch>
+            <a:fillRect/>
+          </a:stretch>
+        </p:blipFill>
+        <p:spPr>
+          <a:xfrm>
+            <a:off x="9273643" y="5618019"/>
+            <a:ext cx="657225" cy="581025"/>
+          </a:xfrm>
+          <a:prstGeom prst="rect">
+            <a:avLst/>
+          </a:prstGeom>
+        </p:spPr>
+      </p:pic>
+      <p:sp>
+        <p:nvSpPr>
+          <p:cNvPr id="26" name="TextBox 25">
+            <a:extLst>
+              <a:ext uri="{FF2B5EF4-FFF2-40B4-BE49-F238E27FC236}">
+                <a16:creationId xmlns:a16="http://schemas.microsoft.com/office/drawing/2014/main" id="{3C673CF6-75ED-4618-978C-98C4BB0D60BC}"/>
+              </a:ext>
+            </a:extLst>
+          </p:cNvPr>
+          <p:cNvSpPr txBox="1"/>
+          <p:nvPr/>
+        </p:nvSpPr>
+        <p:spPr>
+          <a:xfrm>
+            <a:off x="9201106" y="6195410"/>
+            <a:ext cx="829073" cy="244682"/>
+          </a:xfrm>
+          <a:prstGeom prst="rect">
+            <a:avLst/>
+          </a:prstGeom>
+          <a:noFill/>
+        </p:spPr>
+        <p:txBody>
+          <a:bodyPr wrap="none" rtlCol="0">
+            <a:spAutoFit/>
+          </a:bodyPr>
+          <a:lstStyle/>
+          <a:p>
+            <a:r>
+              <a:rPr lang="en-US" sz="990" dirty="0">
+                <a:latin typeface="Arial" panose="020B0604020202020204" pitchFamily="34" charset="0"/>
+                <a:cs typeface="Arial" panose="020B0604020202020204" pitchFamily="34" charset="0"/>
+              </a:rPr>
+              <a:t>File system</a:t>
+            </a:r>
+          </a:p>
+        </p:txBody>
+      </p:sp>
+      <p:cxnSp>
+        <p:nvCxnSpPr>
+          <p:cNvPr id="83" name="Straight Arrow Connector 39">
+            <a:extLst>
+              <a:ext uri="{FF2B5EF4-FFF2-40B4-BE49-F238E27FC236}">
+                <a16:creationId xmlns:a16="http://schemas.microsoft.com/office/drawing/2014/main" id="{7A2CAB87-B593-46EA-BA69-9A0F641C7B14}"/>
+              </a:ext>
+            </a:extLst>
+          </p:cNvPr>
+          <p:cNvCxnSpPr>
+            <a:cxnSpLocks/>
+          </p:cNvCxnSpPr>
+          <p:nvPr/>
+        </p:nvCxnSpPr>
+        <p:spPr>
+          <a:xfrm>
+            <a:off x="6082379" y="4513849"/>
+            <a:ext cx="3190402" cy="1618459"/>
+          </a:xfrm>
+          <a:prstGeom prst="bentConnector3">
+            <a:avLst>
+              <a:gd name="adj1" fmla="val 8569"/>
+            </a:avLst>
+          </a:prstGeom>
+          <a:ln w="22225">
+            <a:solidFill>
+              <a:srgbClr val="545B64"/>
+            </a:solidFill>
+            <a:headEnd type="none" w="med" len="sm"/>
+            <a:tailEnd type="arrow" w="med" len="sm"/>
+          </a:ln>
+        </p:spPr>
+        <p:style>
+          <a:lnRef idx="1">
+            <a:schemeClr val="accent1"/>
+          </a:lnRef>
+          <a:fillRef idx="0">
+            <a:schemeClr val="accent1"/>
+          </a:fillRef>
+          <a:effectRef idx="0">
+            <a:schemeClr val="accent1"/>
+          </a:effectRef>
+          <a:fontRef idx="minor">
+            <a:schemeClr val="tx1"/>
+          </a:fontRef>
+        </p:style>
+      </p:cxnSp>
+      <p:cxnSp>
+        <p:nvCxnSpPr>
+          <p:cNvPr id="84" name="Straight Arrow Connector 39">
+            <a:extLst>
+              <a:ext uri="{FF2B5EF4-FFF2-40B4-BE49-F238E27FC236}">
+                <a16:creationId xmlns:a16="http://schemas.microsoft.com/office/drawing/2014/main" id="{587912E3-CA74-4546-A5B5-20A7668127A7}"/>
+              </a:ext>
+            </a:extLst>
+          </p:cNvPr>
+          <p:cNvCxnSpPr>
+            <a:cxnSpLocks/>
+            <a:endCxn id="22" idx="1"/>
+          </p:cNvCxnSpPr>
+          <p:nvPr/>
+        </p:nvCxnSpPr>
+        <p:spPr>
+          <a:xfrm>
+            <a:off x="6108255" y="3468281"/>
+            <a:ext cx="3165388" cy="2440251"/>
+          </a:xfrm>
+          <a:prstGeom prst="bentConnector3">
+            <a:avLst>
+              <a:gd name="adj1" fmla="val 11102"/>
+            </a:avLst>
           </a:prstGeom>
           <a:ln w="22225">
             <a:solidFill>

--- a/architecture-diagram.pptx
+++ b/architecture-diagram.pptx
@@ -243,7 +243,7 @@
           <a:p>
             <a:fld id="{1A118ADA-5B78-4A85-B206-8676330FD0AF}" type="datetimeFigureOut">
               <a:rPr lang="de-DE" smtClean="0"/>
-              <a:t>05.06.2023</a:t>
+              <a:t>06.06.2023</a:t>
             </a:fld>
             <a:endParaRPr lang="de-DE"/>
           </a:p>
@@ -413,7 +413,7 @@
           <a:p>
             <a:fld id="{1A118ADA-5B78-4A85-B206-8676330FD0AF}" type="datetimeFigureOut">
               <a:rPr lang="de-DE" smtClean="0"/>
-              <a:t>05.06.2023</a:t>
+              <a:t>06.06.2023</a:t>
             </a:fld>
             <a:endParaRPr lang="de-DE"/>
           </a:p>
@@ -593,7 +593,7 @@
           <a:p>
             <a:fld id="{1A118ADA-5B78-4A85-B206-8676330FD0AF}" type="datetimeFigureOut">
               <a:rPr lang="de-DE" smtClean="0"/>
-              <a:t>05.06.2023</a:t>
+              <a:t>06.06.2023</a:t>
             </a:fld>
             <a:endParaRPr lang="de-DE"/>
           </a:p>
@@ -763,7 +763,7 @@
           <a:p>
             <a:fld id="{1A118ADA-5B78-4A85-B206-8676330FD0AF}" type="datetimeFigureOut">
               <a:rPr lang="de-DE" smtClean="0"/>
-              <a:t>05.06.2023</a:t>
+              <a:t>06.06.2023</a:t>
             </a:fld>
             <a:endParaRPr lang="de-DE"/>
           </a:p>
@@ -1007,7 +1007,7 @@
           <a:p>
             <a:fld id="{1A118ADA-5B78-4A85-B206-8676330FD0AF}" type="datetimeFigureOut">
               <a:rPr lang="de-DE" smtClean="0"/>
-              <a:t>05.06.2023</a:t>
+              <a:t>06.06.2023</a:t>
             </a:fld>
             <a:endParaRPr lang="de-DE"/>
           </a:p>
@@ -1239,7 +1239,7 @@
           <a:p>
             <a:fld id="{1A118ADA-5B78-4A85-B206-8676330FD0AF}" type="datetimeFigureOut">
               <a:rPr lang="de-DE" smtClean="0"/>
-              <a:t>05.06.2023</a:t>
+              <a:t>06.06.2023</a:t>
             </a:fld>
             <a:endParaRPr lang="de-DE"/>
           </a:p>
@@ -1606,7 +1606,7 @@
           <a:p>
             <a:fld id="{1A118ADA-5B78-4A85-B206-8676330FD0AF}" type="datetimeFigureOut">
               <a:rPr lang="de-DE" smtClean="0"/>
-              <a:t>05.06.2023</a:t>
+              <a:t>06.06.2023</a:t>
             </a:fld>
             <a:endParaRPr lang="de-DE"/>
           </a:p>
@@ -1724,7 +1724,7 @@
           <a:p>
             <a:fld id="{1A118ADA-5B78-4A85-B206-8676330FD0AF}" type="datetimeFigureOut">
               <a:rPr lang="de-DE" smtClean="0"/>
-              <a:t>05.06.2023</a:t>
+              <a:t>06.06.2023</a:t>
             </a:fld>
             <a:endParaRPr lang="de-DE"/>
           </a:p>
@@ -1819,7 +1819,7 @@
           <a:p>
             <a:fld id="{1A118ADA-5B78-4A85-B206-8676330FD0AF}" type="datetimeFigureOut">
               <a:rPr lang="de-DE" smtClean="0"/>
-              <a:t>05.06.2023</a:t>
+              <a:t>06.06.2023</a:t>
             </a:fld>
             <a:endParaRPr lang="de-DE"/>
           </a:p>
@@ -2096,7 +2096,7 @@
           <a:p>
             <a:fld id="{1A118ADA-5B78-4A85-B206-8676330FD0AF}" type="datetimeFigureOut">
               <a:rPr lang="de-DE" smtClean="0"/>
-              <a:t>05.06.2023</a:t>
+              <a:t>06.06.2023</a:t>
             </a:fld>
             <a:endParaRPr lang="de-DE"/>
           </a:p>
@@ -2353,7 +2353,7 @@
           <a:p>
             <a:fld id="{1A118ADA-5B78-4A85-B206-8676330FD0AF}" type="datetimeFigureOut">
               <a:rPr lang="de-DE" smtClean="0"/>
-              <a:t>05.06.2023</a:t>
+              <a:t>06.06.2023</a:t>
             </a:fld>
             <a:endParaRPr lang="de-DE"/>
           </a:p>
@@ -2566,7 +2566,7 @@
           <a:p>
             <a:fld id="{1A118ADA-5B78-4A85-B206-8676330FD0AF}" type="datetimeFigureOut">
               <a:rPr lang="de-DE" smtClean="0"/>
-              <a:t>05.06.2023</a:t>
+              <a:t>06.06.2023</a:t>
             </a:fld>
             <a:endParaRPr lang="de-DE"/>
           </a:p>
@@ -7763,115 +7763,14 @@
             <a:pPr>
               <a:defRPr/>
             </a:pPr>
-            <a:r>
-              <a:rPr lang="en-US" sz="1080" dirty="0">
-                <a:ln w="0"/>
-                <a:solidFill>
-                  <a:srgbClr val="3F8624"/>
-                </a:solidFill>
-                <a:latin typeface="Arial" panose="020B0604020202020204" pitchFamily="34" charset="0"/>
-                <a:cs typeface="Arial" panose="020B0604020202020204" pitchFamily="34" charset="0"/>
-              </a:rPr>
-              <a:t>Amazon Elastic File System (Amazon EFS)</a:t>
-            </a:r>
-          </a:p>
-        </p:txBody>
-      </p:sp>
-      <p:pic>
-        <p:nvPicPr>
-          <p:cNvPr id="17" name="Picture 16">
-            <a:extLst>
-              <a:ext uri="{FF2B5EF4-FFF2-40B4-BE49-F238E27FC236}">
-                <a16:creationId xmlns:a16="http://schemas.microsoft.com/office/drawing/2014/main" id="{7ABB00BB-7EC7-4F22-9982-1FA513B6FFF3}"/>
-              </a:ext>
-            </a:extLst>
-          </p:cNvPr>
-          <p:cNvPicPr>
-            <a:picLocks noChangeAspect="1"/>
-          </p:cNvPicPr>
-          <p:nvPr/>
-        </p:nvPicPr>
-        <p:blipFill>
-          <a:blip r:embed="rId27"/>
-          <a:stretch>
-            <a:fillRect/>
-          </a:stretch>
-        </p:blipFill>
-        <p:spPr>
-          <a:xfrm>
-            <a:off x="8771069" y="4893708"/>
-            <a:ext cx="331449" cy="334902"/>
-          </a:xfrm>
-          <a:prstGeom prst="rect">
-            <a:avLst/>
-          </a:prstGeom>
-        </p:spPr>
-      </p:pic>
-      <p:pic>
-        <p:nvPicPr>
-          <p:cNvPr id="22" name="Picture 21">
-            <a:extLst>
-              <a:ext uri="{FF2B5EF4-FFF2-40B4-BE49-F238E27FC236}">
-                <a16:creationId xmlns:a16="http://schemas.microsoft.com/office/drawing/2014/main" id="{0E8558EB-FA29-4AE2-9768-5CB741E87DA8}"/>
-              </a:ext>
-            </a:extLst>
-          </p:cNvPr>
-          <p:cNvPicPr>
-            <a:picLocks noChangeAspect="1"/>
-          </p:cNvPicPr>
-          <p:nvPr/>
-        </p:nvPicPr>
-        <p:blipFill>
-          <a:blip r:embed="rId28"/>
-          <a:stretch>
-            <a:fillRect/>
-          </a:stretch>
-        </p:blipFill>
-        <p:spPr>
-          <a:xfrm>
-            <a:off x="9273643" y="5618019"/>
-            <a:ext cx="657225" cy="581025"/>
-          </a:xfrm>
-          <a:prstGeom prst="rect">
-            <a:avLst/>
-          </a:prstGeom>
-        </p:spPr>
-      </p:pic>
-      <p:sp>
-        <p:nvSpPr>
-          <p:cNvPr id="26" name="TextBox 25">
-            <a:extLst>
-              <a:ext uri="{FF2B5EF4-FFF2-40B4-BE49-F238E27FC236}">
-                <a16:creationId xmlns:a16="http://schemas.microsoft.com/office/drawing/2014/main" id="{3C673CF6-75ED-4618-978C-98C4BB0D60BC}"/>
-              </a:ext>
-            </a:extLst>
-          </p:cNvPr>
-          <p:cNvSpPr txBox="1"/>
-          <p:nvPr/>
-        </p:nvSpPr>
-        <p:spPr>
-          <a:xfrm>
-            <a:off x="9201106" y="6195410"/>
-            <a:ext cx="829073" cy="244682"/>
-          </a:xfrm>
-          <a:prstGeom prst="rect">
-            <a:avLst/>
-          </a:prstGeom>
-          <a:noFill/>
-        </p:spPr>
-        <p:txBody>
-          <a:bodyPr wrap="none" rtlCol="0">
-            <a:spAutoFit/>
-          </a:bodyPr>
-          <a:lstStyle/>
-          <a:p>
-            <a:r>
-              <a:rPr lang="en-US" sz="990" dirty="0">
-                <a:latin typeface="Arial" panose="020B0604020202020204" pitchFamily="34" charset="0"/>
-                <a:cs typeface="Arial" panose="020B0604020202020204" pitchFamily="34" charset="0"/>
-              </a:rPr>
-              <a:t>File system</a:t>
-            </a:r>
+            <a:endParaRPr lang="en-US" sz="1080" dirty="0">
+              <a:ln w="0"/>
+              <a:solidFill>
+                <a:srgbClr val="3F8624"/>
+              </a:solidFill>
+              <a:latin typeface="Arial" panose="020B0604020202020204" pitchFamily="34" charset="0"/>
+              <a:cs typeface="Arial" panose="020B0604020202020204" pitchFamily="34" charset="0"/>
+            </a:endParaRPr>
           </a:p>
         </p:txBody>
       </p:sp>
@@ -7933,7 +7832,6 @@
           </p:cNvPr>
           <p:cNvCxnSpPr>
             <a:cxnSpLocks/>
-            <a:endCxn id="22" idx="1"/>
           </p:cNvCxnSpPr>
           <p:nvPr/>
         </p:nvCxnSpPr>
@@ -7970,6 +7868,487 @@
           </a:fontRef>
         </p:style>
       </p:cxnSp>
+      <p:pic>
+        <p:nvPicPr>
+          <p:cNvPr id="1026" name="Picture 2">
+            <a:extLst>
+              <a:ext uri="{FF2B5EF4-FFF2-40B4-BE49-F238E27FC236}">
+                <a16:creationId xmlns:a16="http://schemas.microsoft.com/office/drawing/2014/main" id="{B207DAF5-D511-44E6-8296-9122B383EE07}"/>
+              </a:ext>
+            </a:extLst>
+          </p:cNvPr>
+          <p:cNvPicPr>
+            <a:picLocks noChangeAspect="1" noChangeArrowheads="1"/>
+          </p:cNvPicPr>
+          <p:nvPr/>
+        </p:nvPicPr>
+        <p:blipFill>
+          <a:blip r:embed="rId27">
+            <a:extLst>
+              <a:ext uri="{28A0092B-C50C-407E-A947-70E740481C1C}">
+                <a14:useLocalDpi xmlns:a14="http://schemas.microsoft.com/office/drawing/2010/main" val="0"/>
+              </a:ext>
+            </a:extLst>
+          </a:blip>
+          <a:srcRect/>
+          <a:stretch>
+            <a:fillRect/>
+          </a:stretch>
+        </p:blipFill>
+        <p:spPr bwMode="auto">
+          <a:xfrm>
+            <a:off x="8762404" y="4890964"/>
+            <a:ext cx="342785" cy="342785"/>
+          </a:xfrm>
+          <a:prstGeom prst="rect">
+            <a:avLst/>
+          </a:prstGeom>
+          <a:noFill/>
+          <a:extLst>
+            <a:ext uri="{909E8E84-426E-40DD-AFC4-6F175D3DCCD1}">
+              <a14:hiddenFill xmlns:a14="http://schemas.microsoft.com/office/drawing/2010/main">
+                <a:solidFill>
+                  <a:srgbClr val="FFFFFF"/>
+                </a:solidFill>
+              </a14:hiddenFill>
+            </a:ext>
+          </a:extLst>
+        </p:spPr>
+      </p:pic>
+      <p:sp>
+        <p:nvSpPr>
+          <p:cNvPr id="85" name="TextBox 11">
+            <a:extLst>
+              <a:ext uri="{FF2B5EF4-FFF2-40B4-BE49-F238E27FC236}">
+                <a16:creationId xmlns:a16="http://schemas.microsoft.com/office/drawing/2014/main" id="{0355EC56-8BE5-9F4E-BD29-5DC1160E4BC4}"/>
+              </a:ext>
+            </a:extLst>
+          </p:cNvPr>
+          <p:cNvSpPr txBox="1">
+            <a:spLocks noChangeArrowheads="1"/>
+          </p:cNvSpPr>
+          <p:nvPr/>
+        </p:nvSpPr>
+        <p:spPr bwMode="auto">
+          <a:xfrm>
+            <a:off x="9097145" y="4944191"/>
+            <a:ext cx="1146175" cy="549381"/>
+          </a:xfrm>
+          <a:prstGeom prst="rect">
+            <a:avLst/>
+          </a:prstGeom>
+          <a:noFill/>
+          <a:ln>
+            <a:noFill/>
+          </a:ln>
+          <a:extLst>
+            <a:ext uri="{909E8E84-426E-40DD-AFC4-6F175D3DCCD1}">
+              <a14:hiddenFill xmlns:a14="http://schemas.microsoft.com/office/drawing/2010/main">
+                <a:solidFill>
+                  <a:srgbClr val="FFFFFF"/>
+                </a:solidFill>
+              </a14:hiddenFill>
+            </a:ext>
+            <a:ext uri="{91240B29-F687-4F45-9708-019B960494DF}">
+              <a14:hiddenLine xmlns:a14="http://schemas.microsoft.com/office/drawing/2010/main" w="9525">
+                <a:solidFill>
+                  <a:srgbClr val="000000"/>
+                </a:solidFill>
+                <a:miter lim="800000"/>
+                <a:headEnd/>
+                <a:tailEnd/>
+              </a14:hiddenLine>
+            </a:ext>
+          </a:extLst>
+        </p:spPr>
+        <p:txBody>
+          <a:bodyPr wrap="square">
+            <a:spAutoFit/>
+          </a:bodyPr>
+          <a:lstStyle>
+            <a:defPPr>
+              <a:defRPr lang="en-US"/>
+            </a:defPPr>
+            <a:lvl1pPr algn="l" rtl="0" eaLnBrk="0" fontAlgn="base" hangingPunct="0">
+              <a:spcBef>
+                <a:spcPct val="0"/>
+              </a:spcBef>
+              <a:spcAft>
+                <a:spcPct val="0"/>
+              </a:spcAft>
+              <a:defRPr kern="1200">
+                <a:solidFill>
+                  <a:schemeClr val="tx1"/>
+                </a:solidFill>
+                <a:latin typeface="Calibri" panose="020F0502020204030204" pitchFamily="34" charset="0"/>
+                <a:ea typeface="+mn-ea"/>
+                <a:cs typeface="+mn-cs"/>
+              </a:defRPr>
+            </a:lvl1pPr>
+            <a:lvl2pPr marL="457200" algn="l" rtl="0" eaLnBrk="0" fontAlgn="base" hangingPunct="0">
+              <a:spcBef>
+                <a:spcPct val="0"/>
+              </a:spcBef>
+              <a:spcAft>
+                <a:spcPct val="0"/>
+              </a:spcAft>
+              <a:defRPr kern="1200">
+                <a:solidFill>
+                  <a:schemeClr val="tx1"/>
+                </a:solidFill>
+                <a:latin typeface="Calibri" panose="020F0502020204030204" pitchFamily="34" charset="0"/>
+                <a:ea typeface="+mn-ea"/>
+                <a:cs typeface="+mn-cs"/>
+              </a:defRPr>
+            </a:lvl2pPr>
+            <a:lvl3pPr marL="914400" algn="l" rtl="0" eaLnBrk="0" fontAlgn="base" hangingPunct="0">
+              <a:spcBef>
+                <a:spcPct val="0"/>
+              </a:spcBef>
+              <a:spcAft>
+                <a:spcPct val="0"/>
+              </a:spcAft>
+              <a:defRPr kern="1200">
+                <a:solidFill>
+                  <a:schemeClr val="tx1"/>
+                </a:solidFill>
+                <a:latin typeface="Calibri" panose="020F0502020204030204" pitchFamily="34" charset="0"/>
+                <a:ea typeface="+mn-ea"/>
+                <a:cs typeface="+mn-cs"/>
+              </a:defRPr>
+            </a:lvl3pPr>
+            <a:lvl4pPr marL="1371600" algn="l" rtl="0" eaLnBrk="0" fontAlgn="base" hangingPunct="0">
+              <a:spcBef>
+                <a:spcPct val="0"/>
+              </a:spcBef>
+              <a:spcAft>
+                <a:spcPct val="0"/>
+              </a:spcAft>
+              <a:defRPr kern="1200">
+                <a:solidFill>
+                  <a:schemeClr val="tx1"/>
+                </a:solidFill>
+                <a:latin typeface="Calibri" panose="020F0502020204030204" pitchFamily="34" charset="0"/>
+                <a:ea typeface="+mn-ea"/>
+                <a:cs typeface="+mn-cs"/>
+              </a:defRPr>
+            </a:lvl4pPr>
+            <a:lvl5pPr marL="1828800" algn="l" rtl="0" eaLnBrk="0" fontAlgn="base" hangingPunct="0">
+              <a:spcBef>
+                <a:spcPct val="0"/>
+              </a:spcBef>
+              <a:spcAft>
+                <a:spcPct val="0"/>
+              </a:spcAft>
+              <a:defRPr kern="1200">
+                <a:solidFill>
+                  <a:schemeClr val="tx1"/>
+                </a:solidFill>
+                <a:latin typeface="Calibri" panose="020F0502020204030204" pitchFamily="34" charset="0"/>
+                <a:ea typeface="+mn-ea"/>
+                <a:cs typeface="+mn-cs"/>
+              </a:defRPr>
+            </a:lvl5pPr>
+            <a:lvl6pPr marL="2286000" algn="l" defTabSz="914400" rtl="0" eaLnBrk="1" latinLnBrk="0" hangingPunct="1">
+              <a:defRPr kern="1200">
+                <a:solidFill>
+                  <a:schemeClr val="tx1"/>
+                </a:solidFill>
+                <a:latin typeface="Calibri" panose="020F0502020204030204" pitchFamily="34" charset="0"/>
+                <a:ea typeface="+mn-ea"/>
+                <a:cs typeface="+mn-cs"/>
+              </a:defRPr>
+            </a:lvl6pPr>
+            <a:lvl7pPr marL="2743200" algn="l" defTabSz="914400" rtl="0" eaLnBrk="1" latinLnBrk="0" hangingPunct="1">
+              <a:defRPr kern="1200">
+                <a:solidFill>
+                  <a:schemeClr val="tx1"/>
+                </a:solidFill>
+                <a:latin typeface="Calibri" panose="020F0502020204030204" pitchFamily="34" charset="0"/>
+                <a:ea typeface="+mn-ea"/>
+                <a:cs typeface="+mn-cs"/>
+              </a:defRPr>
+            </a:lvl7pPr>
+            <a:lvl8pPr marL="3200400" algn="l" defTabSz="914400" rtl="0" eaLnBrk="1" latinLnBrk="0" hangingPunct="1">
+              <a:defRPr kern="1200">
+                <a:solidFill>
+                  <a:schemeClr val="tx1"/>
+                </a:solidFill>
+                <a:latin typeface="Calibri" panose="020F0502020204030204" pitchFamily="34" charset="0"/>
+                <a:ea typeface="+mn-ea"/>
+                <a:cs typeface="+mn-cs"/>
+              </a:defRPr>
+            </a:lvl8pPr>
+            <a:lvl9pPr marL="3657600" algn="l" defTabSz="914400" rtl="0" eaLnBrk="1" latinLnBrk="0" hangingPunct="1">
+              <a:defRPr kern="1200">
+                <a:solidFill>
+                  <a:schemeClr val="tx1"/>
+                </a:solidFill>
+                <a:latin typeface="Calibri" panose="020F0502020204030204" pitchFamily="34" charset="0"/>
+                <a:ea typeface="+mn-ea"/>
+                <a:cs typeface="+mn-cs"/>
+              </a:defRPr>
+            </a:lvl9pPr>
+          </a:lstStyle>
+          <a:p>
+            <a:pPr algn="ctr" eaLnBrk="1" hangingPunct="1"/>
+            <a:r>
+              <a:rPr lang="en-US" altLang="en-US" sz="990" dirty="0">
+                <a:latin typeface="Arial" panose="020B0604020202020204" pitchFamily="34" charset="0"/>
+                <a:ea typeface="Amazon Ember" panose="020B0603020204020204" pitchFamily="34" charset="0"/>
+                <a:cs typeface="Arial" panose="020B0604020202020204" pitchFamily="34" charset="0"/>
+              </a:rPr>
+              <a:t>Amazon Elastic File System (Amazon EFS)</a:t>
+            </a:r>
+          </a:p>
+        </p:txBody>
+      </p:sp>
+      <p:pic>
+        <p:nvPicPr>
+          <p:cNvPr id="87" name="Graphic 27">
+            <a:extLst>
+              <a:ext uri="{FF2B5EF4-FFF2-40B4-BE49-F238E27FC236}">
+                <a16:creationId xmlns:a16="http://schemas.microsoft.com/office/drawing/2014/main" id="{CB66B69F-9B64-254B-9239-69CF66F18ADF}"/>
+              </a:ext>
+            </a:extLst>
+          </p:cNvPr>
+          <p:cNvPicPr>
+            <a:picLocks noChangeAspect="1" noChangeArrowheads="1"/>
+          </p:cNvPicPr>
+          <p:nvPr/>
+        </p:nvPicPr>
+        <p:blipFill>
+          <a:blip r:embed="rId28">
+            <a:extLst>
+              <a:ext uri="{96DAC541-7B7A-43D3-8B79-37D633B846F1}">
+                <asvg:svgBlip xmlns:asvg="http://schemas.microsoft.com/office/drawing/2016/SVG/main" r:embed="rId29"/>
+              </a:ext>
+            </a:extLst>
+          </a:blip>
+          <a:srcRect/>
+          <a:stretch/>
+        </p:blipFill>
+        <p:spPr bwMode="auto">
+          <a:xfrm>
+            <a:off x="9258572" y="5779719"/>
+            <a:ext cx="457200" cy="457200"/>
+          </a:xfrm>
+          <a:prstGeom prst="rect">
+            <a:avLst/>
+          </a:prstGeom>
+          <a:noFill/>
+          <a:ln>
+            <a:noFill/>
+          </a:ln>
+          <a:extLst>
+            <a:ext uri="{909E8E84-426E-40DD-AFC4-6F175D3DCCD1}">
+              <a14:hiddenFill xmlns:a14="http://schemas.microsoft.com/office/drawing/2010/main">
+                <a:solidFill>
+                  <a:srgbClr val="FFFFFF"/>
+                </a:solidFill>
+              </a14:hiddenFill>
+            </a:ext>
+            <a:ext uri="{91240B29-F687-4F45-9708-019B960494DF}">
+              <a14:hiddenLine xmlns:a14="http://schemas.microsoft.com/office/drawing/2010/main" w="9525">
+                <a:solidFill>
+                  <a:srgbClr val="000000"/>
+                </a:solidFill>
+                <a:miter lim="800000"/>
+                <a:headEnd/>
+                <a:tailEnd/>
+              </a14:hiddenLine>
+            </a:ext>
+          </a:extLst>
+        </p:spPr>
+      </p:pic>
+      <p:sp>
+        <p:nvSpPr>
+          <p:cNvPr id="88" name="TextBox 23">
+            <a:extLst>
+              <a:ext uri="{FF2B5EF4-FFF2-40B4-BE49-F238E27FC236}">
+                <a16:creationId xmlns:a16="http://schemas.microsoft.com/office/drawing/2014/main" id="{1224D663-033A-B749-8BEC-8D390EC933B7}"/>
+              </a:ext>
+            </a:extLst>
+          </p:cNvPr>
+          <p:cNvSpPr txBox="1">
+            <a:spLocks noChangeArrowheads="1"/>
+          </p:cNvSpPr>
+          <p:nvPr/>
+        </p:nvSpPr>
+        <p:spPr bwMode="auto">
+          <a:xfrm>
+            <a:off x="8950968" y="6228647"/>
+            <a:ext cx="1146178" cy="244682"/>
+          </a:xfrm>
+          <a:prstGeom prst="rect">
+            <a:avLst/>
+          </a:prstGeom>
+          <a:noFill/>
+          <a:ln>
+            <a:noFill/>
+          </a:ln>
+          <a:extLst>
+            <a:ext uri="{909E8E84-426E-40DD-AFC4-6F175D3DCCD1}">
+              <a14:hiddenFill xmlns:a14="http://schemas.microsoft.com/office/drawing/2010/main">
+                <a:solidFill>
+                  <a:srgbClr val="FFFFFF"/>
+                </a:solidFill>
+              </a14:hiddenFill>
+            </a:ext>
+            <a:ext uri="{91240B29-F687-4F45-9708-019B960494DF}">
+              <a14:hiddenLine xmlns:a14="http://schemas.microsoft.com/office/drawing/2010/main" w="9525">
+                <a:solidFill>
+                  <a:srgbClr val="000000"/>
+                </a:solidFill>
+                <a:miter lim="800000"/>
+                <a:headEnd/>
+                <a:tailEnd/>
+              </a14:hiddenLine>
+            </a:ext>
+          </a:extLst>
+        </p:spPr>
+        <p:txBody>
+          <a:bodyPr wrap="square">
+            <a:spAutoFit/>
+          </a:bodyPr>
+          <a:lstStyle>
+            <a:defPPr>
+              <a:defRPr lang="en-US"/>
+            </a:defPPr>
+            <a:lvl1pPr algn="l" rtl="0" eaLnBrk="0" fontAlgn="base" hangingPunct="0">
+              <a:spcBef>
+                <a:spcPct val="0"/>
+              </a:spcBef>
+              <a:spcAft>
+                <a:spcPct val="0"/>
+              </a:spcAft>
+              <a:defRPr kern="1200">
+                <a:solidFill>
+                  <a:schemeClr val="tx1"/>
+                </a:solidFill>
+                <a:latin typeface="Calibri" panose="020F0502020204030204" pitchFamily="34" charset="0"/>
+                <a:ea typeface="+mn-ea"/>
+                <a:cs typeface="+mn-cs"/>
+              </a:defRPr>
+            </a:lvl1pPr>
+            <a:lvl2pPr marL="457200" algn="l" rtl="0" eaLnBrk="0" fontAlgn="base" hangingPunct="0">
+              <a:spcBef>
+                <a:spcPct val="0"/>
+              </a:spcBef>
+              <a:spcAft>
+                <a:spcPct val="0"/>
+              </a:spcAft>
+              <a:defRPr kern="1200">
+                <a:solidFill>
+                  <a:schemeClr val="tx1"/>
+                </a:solidFill>
+                <a:latin typeface="Calibri" panose="020F0502020204030204" pitchFamily="34" charset="0"/>
+                <a:ea typeface="+mn-ea"/>
+                <a:cs typeface="+mn-cs"/>
+              </a:defRPr>
+            </a:lvl2pPr>
+            <a:lvl3pPr marL="914400" algn="l" rtl="0" eaLnBrk="0" fontAlgn="base" hangingPunct="0">
+              <a:spcBef>
+                <a:spcPct val="0"/>
+              </a:spcBef>
+              <a:spcAft>
+                <a:spcPct val="0"/>
+              </a:spcAft>
+              <a:defRPr kern="1200">
+                <a:solidFill>
+                  <a:schemeClr val="tx1"/>
+                </a:solidFill>
+                <a:latin typeface="Calibri" panose="020F0502020204030204" pitchFamily="34" charset="0"/>
+                <a:ea typeface="+mn-ea"/>
+                <a:cs typeface="+mn-cs"/>
+              </a:defRPr>
+            </a:lvl3pPr>
+            <a:lvl4pPr marL="1371600" algn="l" rtl="0" eaLnBrk="0" fontAlgn="base" hangingPunct="0">
+              <a:spcBef>
+                <a:spcPct val="0"/>
+              </a:spcBef>
+              <a:spcAft>
+                <a:spcPct val="0"/>
+              </a:spcAft>
+              <a:defRPr kern="1200">
+                <a:solidFill>
+                  <a:schemeClr val="tx1"/>
+                </a:solidFill>
+                <a:latin typeface="Calibri" panose="020F0502020204030204" pitchFamily="34" charset="0"/>
+                <a:ea typeface="+mn-ea"/>
+                <a:cs typeface="+mn-cs"/>
+              </a:defRPr>
+            </a:lvl4pPr>
+            <a:lvl5pPr marL="1828800" algn="l" rtl="0" eaLnBrk="0" fontAlgn="base" hangingPunct="0">
+              <a:spcBef>
+                <a:spcPct val="0"/>
+              </a:spcBef>
+              <a:spcAft>
+                <a:spcPct val="0"/>
+              </a:spcAft>
+              <a:defRPr kern="1200">
+                <a:solidFill>
+                  <a:schemeClr val="tx1"/>
+                </a:solidFill>
+                <a:latin typeface="Calibri" panose="020F0502020204030204" pitchFamily="34" charset="0"/>
+                <a:ea typeface="+mn-ea"/>
+                <a:cs typeface="+mn-cs"/>
+              </a:defRPr>
+            </a:lvl5pPr>
+            <a:lvl6pPr marL="2286000" algn="l" defTabSz="914400" rtl="0" eaLnBrk="1" latinLnBrk="0" hangingPunct="1">
+              <a:defRPr kern="1200">
+                <a:solidFill>
+                  <a:schemeClr val="tx1"/>
+                </a:solidFill>
+                <a:latin typeface="Calibri" panose="020F0502020204030204" pitchFamily="34" charset="0"/>
+                <a:ea typeface="+mn-ea"/>
+                <a:cs typeface="+mn-cs"/>
+              </a:defRPr>
+            </a:lvl6pPr>
+            <a:lvl7pPr marL="2743200" algn="l" defTabSz="914400" rtl="0" eaLnBrk="1" latinLnBrk="0" hangingPunct="1">
+              <a:defRPr kern="1200">
+                <a:solidFill>
+                  <a:schemeClr val="tx1"/>
+                </a:solidFill>
+                <a:latin typeface="Calibri" panose="020F0502020204030204" pitchFamily="34" charset="0"/>
+                <a:ea typeface="+mn-ea"/>
+                <a:cs typeface="+mn-cs"/>
+              </a:defRPr>
+            </a:lvl7pPr>
+            <a:lvl8pPr marL="3200400" algn="l" defTabSz="914400" rtl="0" eaLnBrk="1" latinLnBrk="0" hangingPunct="1">
+              <a:defRPr kern="1200">
+                <a:solidFill>
+                  <a:schemeClr val="tx1"/>
+                </a:solidFill>
+                <a:latin typeface="Calibri" panose="020F0502020204030204" pitchFamily="34" charset="0"/>
+                <a:ea typeface="+mn-ea"/>
+                <a:cs typeface="+mn-cs"/>
+              </a:defRPr>
+            </a:lvl8pPr>
+            <a:lvl9pPr marL="3657600" algn="l" defTabSz="914400" rtl="0" eaLnBrk="1" latinLnBrk="0" hangingPunct="1">
+              <a:defRPr kern="1200">
+                <a:solidFill>
+                  <a:schemeClr val="tx1"/>
+                </a:solidFill>
+                <a:latin typeface="Calibri" panose="020F0502020204030204" pitchFamily="34" charset="0"/>
+                <a:ea typeface="+mn-ea"/>
+                <a:cs typeface="+mn-cs"/>
+              </a:defRPr>
+            </a:lvl9pPr>
+          </a:lstStyle>
+          <a:p>
+            <a:pPr algn="ctr" eaLnBrk="1" hangingPunct="1"/>
+            <a:r>
+              <a:rPr lang="en-US" altLang="en-US" sz="990" dirty="0">
+                <a:latin typeface="Arial" panose="020B0604020202020204" pitchFamily="34" charset="0"/>
+                <a:ea typeface="Amazon Ember" panose="020B0603020204020204" pitchFamily="34" charset="0"/>
+                <a:cs typeface="Arial" panose="020B0604020202020204" pitchFamily="34" charset="0"/>
+              </a:rPr>
+              <a:t>File system</a:t>
+            </a:r>
+          </a:p>
+        </p:txBody>
+      </p:sp>
     </p:spTree>
     <p:extLst>
       <p:ext uri="{BB962C8B-B14F-4D97-AF65-F5344CB8AC3E}">

--- a/architecture-diagram.pptx
+++ b/architecture-diagram.pptx
@@ -243,7 +243,7 @@
           <a:p>
             <a:fld id="{1A118ADA-5B78-4A85-B206-8676330FD0AF}" type="datetimeFigureOut">
               <a:rPr lang="de-DE" smtClean="0"/>
-              <a:t>06.06.2023</a:t>
+              <a:t>30.06.2023</a:t>
             </a:fld>
             <a:endParaRPr lang="de-DE"/>
           </a:p>
@@ -413,7 +413,7 @@
           <a:p>
             <a:fld id="{1A118ADA-5B78-4A85-B206-8676330FD0AF}" type="datetimeFigureOut">
               <a:rPr lang="de-DE" smtClean="0"/>
-              <a:t>06.06.2023</a:t>
+              <a:t>30.06.2023</a:t>
             </a:fld>
             <a:endParaRPr lang="de-DE"/>
           </a:p>
@@ -593,7 +593,7 @@
           <a:p>
             <a:fld id="{1A118ADA-5B78-4A85-B206-8676330FD0AF}" type="datetimeFigureOut">
               <a:rPr lang="de-DE" smtClean="0"/>
-              <a:t>06.06.2023</a:t>
+              <a:t>30.06.2023</a:t>
             </a:fld>
             <a:endParaRPr lang="de-DE"/>
           </a:p>
@@ -763,7 +763,7 @@
           <a:p>
             <a:fld id="{1A118ADA-5B78-4A85-B206-8676330FD0AF}" type="datetimeFigureOut">
               <a:rPr lang="de-DE" smtClean="0"/>
-              <a:t>06.06.2023</a:t>
+              <a:t>30.06.2023</a:t>
             </a:fld>
             <a:endParaRPr lang="de-DE"/>
           </a:p>
@@ -1007,7 +1007,7 @@
           <a:p>
             <a:fld id="{1A118ADA-5B78-4A85-B206-8676330FD0AF}" type="datetimeFigureOut">
               <a:rPr lang="de-DE" smtClean="0"/>
-              <a:t>06.06.2023</a:t>
+              <a:t>30.06.2023</a:t>
             </a:fld>
             <a:endParaRPr lang="de-DE"/>
           </a:p>
@@ -1239,7 +1239,7 @@
           <a:p>
             <a:fld id="{1A118ADA-5B78-4A85-B206-8676330FD0AF}" type="datetimeFigureOut">
               <a:rPr lang="de-DE" smtClean="0"/>
-              <a:t>06.06.2023</a:t>
+              <a:t>30.06.2023</a:t>
             </a:fld>
             <a:endParaRPr lang="de-DE"/>
           </a:p>
@@ -1606,7 +1606,7 @@
           <a:p>
             <a:fld id="{1A118ADA-5B78-4A85-B206-8676330FD0AF}" type="datetimeFigureOut">
               <a:rPr lang="de-DE" smtClean="0"/>
-              <a:t>06.06.2023</a:t>
+              <a:t>30.06.2023</a:t>
             </a:fld>
             <a:endParaRPr lang="de-DE"/>
           </a:p>
@@ -1724,7 +1724,7 @@
           <a:p>
             <a:fld id="{1A118ADA-5B78-4A85-B206-8676330FD0AF}" type="datetimeFigureOut">
               <a:rPr lang="de-DE" smtClean="0"/>
-              <a:t>06.06.2023</a:t>
+              <a:t>30.06.2023</a:t>
             </a:fld>
             <a:endParaRPr lang="de-DE"/>
           </a:p>
@@ -1819,7 +1819,7 @@
           <a:p>
             <a:fld id="{1A118ADA-5B78-4A85-B206-8676330FD0AF}" type="datetimeFigureOut">
               <a:rPr lang="de-DE" smtClean="0"/>
-              <a:t>06.06.2023</a:t>
+              <a:t>30.06.2023</a:t>
             </a:fld>
             <a:endParaRPr lang="de-DE"/>
           </a:p>
@@ -2096,7 +2096,7 @@
           <a:p>
             <a:fld id="{1A118ADA-5B78-4A85-B206-8676330FD0AF}" type="datetimeFigureOut">
               <a:rPr lang="de-DE" smtClean="0"/>
-              <a:t>06.06.2023</a:t>
+              <a:t>30.06.2023</a:t>
             </a:fld>
             <a:endParaRPr lang="de-DE"/>
           </a:p>
@@ -2353,7 +2353,7 @@
           <a:p>
             <a:fld id="{1A118ADA-5B78-4A85-B206-8676330FD0AF}" type="datetimeFigureOut">
               <a:rPr lang="de-DE" smtClean="0"/>
-              <a:t>06.06.2023</a:t>
+              <a:t>30.06.2023</a:t>
             </a:fld>
             <a:endParaRPr lang="de-DE"/>
           </a:p>
@@ -2566,7 +2566,7 @@
           <a:p>
             <a:fld id="{1A118ADA-5B78-4A85-B206-8676330FD0AF}" type="datetimeFigureOut">
               <a:rPr lang="de-DE" smtClean="0"/>
-              <a:t>06.06.2023</a:t>
+              <a:t>30.06.2023</a:t>
             </a:fld>
             <a:endParaRPr lang="de-DE"/>
           </a:p>
@@ -3368,7 +3368,7 @@
         </p:blipFill>
         <p:spPr bwMode="auto">
           <a:xfrm>
-            <a:off x="4459562" y="1673402"/>
+            <a:off x="4459562" y="1516641"/>
             <a:ext cx="342785" cy="342785"/>
           </a:xfrm>
           <a:prstGeom prst="rect">
@@ -3693,10 +3693,247 @@
       </p:pic>
       <p:sp>
         <p:nvSpPr>
-          <p:cNvPr id="24" name="Rectangle 23">
+          <p:cNvPr id="28" name="TextBox 11">
             <a:extLst>
               <a:ext uri="{FF2B5EF4-FFF2-40B4-BE49-F238E27FC236}">
-                <a16:creationId xmlns:a16="http://schemas.microsoft.com/office/drawing/2014/main" id="{D6212EFC-BC79-4972-A6A9-A0E3F4AB7B5E}"/>
+                <a16:creationId xmlns:a16="http://schemas.microsoft.com/office/drawing/2014/main" id="{B1B94FF9-B2F3-4AA7-B178-E45832AECAF8}"/>
+              </a:ext>
+            </a:extLst>
+          </p:cNvPr>
+          <p:cNvSpPr txBox="1">
+            <a:spLocks noChangeArrowheads="1"/>
+          </p:cNvSpPr>
+          <p:nvPr/>
+        </p:nvSpPr>
+        <p:spPr bwMode="auto">
+          <a:xfrm>
+            <a:off x="6749721" y="2906893"/>
+            <a:ext cx="1359711" cy="549381"/>
+          </a:xfrm>
+          <a:prstGeom prst="rect">
+            <a:avLst/>
+          </a:prstGeom>
+          <a:noFill/>
+          <a:ln>
+            <a:noFill/>
+          </a:ln>
+          <a:extLst>
+            <a:ext uri="{909E8E84-426E-40DD-AFC4-6F175D3DCCD1}">
+              <a14:hiddenFill xmlns:a14="http://schemas.microsoft.com/office/drawing/2010/main">
+                <a:solidFill>
+                  <a:srgbClr val="FFFFFF"/>
+                </a:solidFill>
+              </a14:hiddenFill>
+            </a:ext>
+            <a:ext uri="{91240B29-F687-4F45-9708-019B960494DF}">
+              <a14:hiddenLine xmlns:a14="http://schemas.microsoft.com/office/drawing/2010/main" w="9525">
+                <a:solidFill>
+                  <a:srgbClr val="000000"/>
+                </a:solidFill>
+                <a:miter lim="800000"/>
+                <a:headEnd/>
+                <a:tailEnd/>
+              </a14:hiddenLine>
+            </a:ext>
+          </a:extLst>
+        </p:spPr>
+        <p:txBody>
+          <a:bodyPr>
+            <a:spAutoFit/>
+          </a:bodyPr>
+          <a:lstStyle>
+            <a:lvl1pPr>
+              <a:defRPr>
+                <a:solidFill>
+                  <a:schemeClr val="tx1"/>
+                </a:solidFill>
+                <a:latin typeface="Calibri" panose="020F0502020204030204" pitchFamily="34" charset="0"/>
+              </a:defRPr>
+            </a:lvl1pPr>
+            <a:lvl2pPr marL="742950" indent="-285750">
+              <a:defRPr>
+                <a:solidFill>
+                  <a:schemeClr val="tx1"/>
+                </a:solidFill>
+                <a:latin typeface="Calibri" panose="020F0502020204030204" pitchFamily="34" charset="0"/>
+              </a:defRPr>
+            </a:lvl2pPr>
+            <a:lvl3pPr marL="1143000" indent="-228600">
+              <a:defRPr>
+                <a:solidFill>
+                  <a:schemeClr val="tx1"/>
+                </a:solidFill>
+                <a:latin typeface="Calibri" panose="020F0502020204030204" pitchFamily="34" charset="0"/>
+              </a:defRPr>
+            </a:lvl3pPr>
+            <a:lvl4pPr marL="1600200" indent="-228600">
+              <a:defRPr>
+                <a:solidFill>
+                  <a:schemeClr val="tx1"/>
+                </a:solidFill>
+                <a:latin typeface="Calibri" panose="020F0502020204030204" pitchFamily="34" charset="0"/>
+              </a:defRPr>
+            </a:lvl4pPr>
+            <a:lvl5pPr marL="2057400" indent="-228600">
+              <a:defRPr>
+                <a:solidFill>
+                  <a:schemeClr val="tx1"/>
+                </a:solidFill>
+                <a:latin typeface="Calibri" panose="020F0502020204030204" pitchFamily="34" charset="0"/>
+              </a:defRPr>
+            </a:lvl5pPr>
+            <a:lvl6pPr marL="2514600" indent="-228600" eaLnBrk="0" fontAlgn="base" hangingPunct="0">
+              <a:spcBef>
+                <a:spcPct val="0"/>
+              </a:spcBef>
+              <a:spcAft>
+                <a:spcPct val="0"/>
+              </a:spcAft>
+              <a:defRPr>
+                <a:solidFill>
+                  <a:schemeClr val="tx1"/>
+                </a:solidFill>
+                <a:latin typeface="Calibri" panose="020F0502020204030204" pitchFamily="34" charset="0"/>
+              </a:defRPr>
+            </a:lvl6pPr>
+            <a:lvl7pPr marL="2971800" indent="-228600" eaLnBrk="0" fontAlgn="base" hangingPunct="0">
+              <a:spcBef>
+                <a:spcPct val="0"/>
+              </a:spcBef>
+              <a:spcAft>
+                <a:spcPct val="0"/>
+              </a:spcAft>
+              <a:defRPr>
+                <a:solidFill>
+                  <a:schemeClr val="tx1"/>
+                </a:solidFill>
+                <a:latin typeface="Calibri" panose="020F0502020204030204" pitchFamily="34" charset="0"/>
+              </a:defRPr>
+            </a:lvl7pPr>
+            <a:lvl8pPr marL="3429000" indent="-228600" eaLnBrk="0" fontAlgn="base" hangingPunct="0">
+              <a:spcBef>
+                <a:spcPct val="0"/>
+              </a:spcBef>
+              <a:spcAft>
+                <a:spcPct val="0"/>
+              </a:spcAft>
+              <a:defRPr>
+                <a:solidFill>
+                  <a:schemeClr val="tx1"/>
+                </a:solidFill>
+                <a:latin typeface="Calibri" panose="020F0502020204030204" pitchFamily="34" charset="0"/>
+              </a:defRPr>
+            </a:lvl8pPr>
+            <a:lvl9pPr marL="3886200" indent="-228600" eaLnBrk="0" fontAlgn="base" hangingPunct="0">
+              <a:spcBef>
+                <a:spcPct val="0"/>
+              </a:spcBef>
+              <a:spcAft>
+                <a:spcPct val="0"/>
+              </a:spcAft>
+              <a:defRPr>
+                <a:solidFill>
+                  <a:schemeClr val="tx1"/>
+                </a:solidFill>
+                <a:latin typeface="Calibri" panose="020F0502020204030204" pitchFamily="34" charset="0"/>
+              </a:defRPr>
+            </a:lvl9pPr>
+          </a:lstStyle>
+          <a:p>
+            <a:pPr algn="ctr" eaLnBrk="1" hangingPunct="1"/>
+            <a:r>
+              <a:rPr lang="en-US" altLang="en-US" sz="990" dirty="0">
+                <a:latin typeface="Arial" panose="020B0604020202020204" pitchFamily="34" charset="0"/>
+                <a:ea typeface="Amazon Ember" panose="020B0603020204020204" pitchFamily="34" charset="0"/>
+                <a:cs typeface="Arial" panose="020B0604020202020204" pitchFamily="34" charset="0"/>
+              </a:rPr>
+              <a:t>PostgreSQL instance</a:t>
+            </a:r>
+          </a:p>
+          <a:p>
+            <a:pPr algn="ctr" eaLnBrk="1" hangingPunct="1"/>
+            <a:r>
+              <a:rPr lang="en-US" altLang="en-US" sz="990" dirty="0" err="1">
+                <a:latin typeface="Arial" panose="020B0604020202020204" pitchFamily="34" charset="0"/>
+                <a:ea typeface="Amazon Ember" panose="020B0603020204020204" pitchFamily="34" charset="0"/>
+                <a:cs typeface="Arial" panose="020B0604020202020204" pitchFamily="34" charset="0"/>
+              </a:rPr>
+              <a:t>Keycloak</a:t>
+            </a:r>
+            <a:endParaRPr lang="en-US" altLang="en-US" sz="990" dirty="0">
+              <a:latin typeface="Arial" panose="020B0604020202020204" pitchFamily="34" charset="0"/>
+              <a:ea typeface="Amazon Ember" panose="020B0603020204020204" pitchFamily="34" charset="0"/>
+              <a:cs typeface="Arial" panose="020B0604020202020204" pitchFamily="34" charset="0"/>
+            </a:endParaRPr>
+          </a:p>
+        </p:txBody>
+      </p:sp>
+      <p:pic>
+        <p:nvPicPr>
+          <p:cNvPr id="29" name="Graphic 41">
+            <a:extLst>
+              <a:ext uri="{FF2B5EF4-FFF2-40B4-BE49-F238E27FC236}">
+                <a16:creationId xmlns:a16="http://schemas.microsoft.com/office/drawing/2014/main" id="{59E3A57B-88E1-4513-9B1B-0FCD97AE48C0}"/>
+              </a:ext>
+            </a:extLst>
+          </p:cNvPr>
+          <p:cNvPicPr>
+            <a:picLocks noChangeAspect="1" noChangeArrowheads="1"/>
+          </p:cNvPicPr>
+          <p:nvPr/>
+        </p:nvPicPr>
+        <p:blipFill>
+          <a:blip r:embed="rId10">
+            <a:extLst>
+              <a:ext uri="{28A0092B-C50C-407E-A947-70E740481C1C}">
+                <a14:useLocalDpi xmlns:a14="http://schemas.microsoft.com/office/drawing/2010/main" val="0"/>
+              </a:ext>
+            </a:extLst>
+          </a:blip>
+          <a:srcRect/>
+          <a:stretch>
+            <a:fillRect/>
+          </a:stretch>
+        </p:blipFill>
+        <p:spPr bwMode="auto">
+          <a:xfrm>
+            <a:off x="7229298" y="2485554"/>
+            <a:ext cx="411341" cy="411341"/>
+          </a:xfrm>
+          <a:prstGeom prst="rect">
+            <a:avLst/>
+          </a:prstGeom>
+          <a:noFill/>
+          <a:ln>
+            <a:noFill/>
+          </a:ln>
+          <a:extLst>
+            <a:ext uri="{909E8E84-426E-40DD-AFC4-6F175D3DCCD1}">
+              <a14:hiddenFill xmlns:a14="http://schemas.microsoft.com/office/drawing/2010/main">
+                <a:solidFill>
+                  <a:srgbClr val="FFFFFF"/>
+                </a:solidFill>
+              </a14:hiddenFill>
+            </a:ext>
+            <a:ext uri="{91240B29-F687-4F45-9708-019B960494DF}">
+              <a14:hiddenLine xmlns:a14="http://schemas.microsoft.com/office/drawing/2010/main" w="9525">
+                <a:solidFill>
+                  <a:srgbClr val="000000"/>
+                </a:solidFill>
+                <a:miter lim="800000"/>
+                <a:headEnd/>
+                <a:tailEnd/>
+              </a14:hiddenLine>
+            </a:ext>
+          </a:extLst>
+        </p:spPr>
+      </p:pic>
+      <p:sp>
+        <p:nvSpPr>
+          <p:cNvPr id="33" name="Rectangle 32">
+            <a:extLst>
+              <a:ext uri="{FF2B5EF4-FFF2-40B4-BE49-F238E27FC236}">
+                <a16:creationId xmlns:a16="http://schemas.microsoft.com/office/drawing/2014/main" id="{9FA89EE6-3653-48B5-A54C-4BA520FC43D3}"/>
               </a:ext>
             </a:extLst>
           </p:cNvPr>
@@ -3705,8 +3942,8 @@
         </p:nvSpPr>
         <p:spPr>
           <a:xfrm>
-            <a:off x="4588367" y="2271625"/>
-            <a:ext cx="1493983" cy="1287903"/>
+            <a:off x="4579768" y="3144113"/>
+            <a:ext cx="1502583" cy="1057335"/>
           </a:xfrm>
           <a:prstGeom prst="rect">
             <a:avLst/>
@@ -3739,31 +3976,7 @@
           <a:bodyPr tIns="82268"/>
           <a:lstStyle/>
           <a:p>
-            <a:pPr algn="ctr">
-              <a:defRPr/>
-            </a:pPr>
-            <a:endParaRPr lang="en-US" sz="1080" dirty="0">
-              <a:solidFill>
-                <a:srgbClr val="D86613"/>
-              </a:solidFill>
-              <a:latin typeface="Arial" panose="020B0604020202020204" pitchFamily="34" charset="0"/>
-              <a:cs typeface="Arial" panose="020B0604020202020204" pitchFamily="34" charset="0"/>
-            </a:endParaRPr>
-          </a:p>
-          <a:p>
-            <a:pPr algn="ctr">
-              <a:defRPr/>
-            </a:pPr>
-            <a:endParaRPr lang="en-US" sz="1080" dirty="0">
-              <a:solidFill>
-                <a:srgbClr val="D86613"/>
-              </a:solidFill>
-              <a:latin typeface="Arial" panose="020B0604020202020204" pitchFamily="34" charset="0"/>
-              <a:cs typeface="Arial" panose="020B0604020202020204" pitchFamily="34" charset="0"/>
-            </a:endParaRPr>
-          </a:p>
-          <a:p>
-            <a:pPr algn="ctr">
+            <a:pPr marL="360000">
               <a:defRPr/>
             </a:pPr>
             <a:r>
@@ -3781,10 +3994,10 @@
       </p:sp>
       <p:pic>
         <p:nvPicPr>
-          <p:cNvPr id="25" name="Graphic 24">
+          <p:cNvPr id="34" name="Graphic 33">
             <a:extLst>
               <a:ext uri="{FF2B5EF4-FFF2-40B4-BE49-F238E27FC236}">
-                <a16:creationId xmlns:a16="http://schemas.microsoft.com/office/drawing/2014/main" id="{059BD35F-DA99-4211-85CC-99BD21040456}"/>
+                <a16:creationId xmlns:a16="http://schemas.microsoft.com/office/drawing/2014/main" id="{CC2C0C27-9783-472D-A0F9-E1CBAC24D658}"/>
               </a:ext>
             </a:extLst>
           </p:cNvPr>
@@ -3807,7 +4020,7 @@
         </p:blipFill>
         <p:spPr>
           <a:xfrm>
-            <a:off x="5155364" y="2273053"/>
+            <a:off x="4589876" y="3154860"/>
             <a:ext cx="342785" cy="342785"/>
           </a:xfrm>
           <a:prstGeom prst="rect">
@@ -3815,24 +4028,37 @@
           </a:prstGeom>
         </p:spPr>
       </p:pic>
-      <p:sp>
-        <p:nvSpPr>
-          <p:cNvPr id="28" name="TextBox 11">
+      <p:pic>
+        <p:nvPicPr>
+          <p:cNvPr id="35" name="Graphic 62">
             <a:extLst>
               <a:ext uri="{FF2B5EF4-FFF2-40B4-BE49-F238E27FC236}">
-                <a16:creationId xmlns:a16="http://schemas.microsoft.com/office/drawing/2014/main" id="{B1B94FF9-B2F3-4AA7-B178-E45832AECAF8}"/>
+                <a16:creationId xmlns:a16="http://schemas.microsoft.com/office/drawing/2014/main" id="{5EE6F851-2943-4D30-A764-3CB2AF6E7461}"/>
               </a:ext>
             </a:extLst>
           </p:cNvPr>
-          <p:cNvSpPr txBox="1">
-            <a:spLocks noChangeArrowheads="1"/>
-          </p:cNvSpPr>
+          <p:cNvPicPr>
+            <a:picLocks noChangeAspect="1" noChangeArrowheads="1"/>
+          </p:cNvPicPr>
           <p:nvPr/>
-        </p:nvSpPr>
+        </p:nvPicPr>
+        <p:blipFill>
+          <a:blip r:embed="rId13">
+            <a:extLst>
+              <a:ext uri="{28A0092B-C50C-407E-A947-70E740481C1C}">
+                <a14:useLocalDpi xmlns:a14="http://schemas.microsoft.com/office/drawing/2010/main" val="0"/>
+              </a:ext>
+            </a:extLst>
+          </a:blip>
+          <a:srcRect/>
+          <a:stretch>
+            <a:fillRect/>
+          </a:stretch>
+        </p:blipFill>
         <p:spPr bwMode="auto">
           <a:xfrm>
-            <a:off x="6749721" y="3011401"/>
-            <a:ext cx="1359711" cy="549381"/>
+            <a:off x="5132661" y="3570430"/>
+            <a:ext cx="411341" cy="411341"/>
           </a:xfrm>
           <a:prstGeom prst="rect">
             <a:avLst/>
@@ -3861,168 +4087,25 @@
             </a:ext>
           </a:extLst>
         </p:spPr>
-        <p:txBody>
-          <a:bodyPr>
-            <a:spAutoFit/>
-          </a:bodyPr>
-          <a:lstStyle>
-            <a:lvl1pPr>
-              <a:defRPr>
-                <a:solidFill>
-                  <a:schemeClr val="tx1"/>
-                </a:solidFill>
-                <a:latin typeface="Calibri" panose="020F0502020204030204" pitchFamily="34" charset="0"/>
-              </a:defRPr>
-            </a:lvl1pPr>
-            <a:lvl2pPr marL="742950" indent="-285750">
-              <a:defRPr>
-                <a:solidFill>
-                  <a:schemeClr val="tx1"/>
-                </a:solidFill>
-                <a:latin typeface="Calibri" panose="020F0502020204030204" pitchFamily="34" charset="0"/>
-              </a:defRPr>
-            </a:lvl2pPr>
-            <a:lvl3pPr marL="1143000" indent="-228600">
-              <a:defRPr>
-                <a:solidFill>
-                  <a:schemeClr val="tx1"/>
-                </a:solidFill>
-                <a:latin typeface="Calibri" panose="020F0502020204030204" pitchFamily="34" charset="0"/>
-              </a:defRPr>
-            </a:lvl3pPr>
-            <a:lvl4pPr marL="1600200" indent="-228600">
-              <a:defRPr>
-                <a:solidFill>
-                  <a:schemeClr val="tx1"/>
-                </a:solidFill>
-                <a:latin typeface="Calibri" panose="020F0502020204030204" pitchFamily="34" charset="0"/>
-              </a:defRPr>
-            </a:lvl4pPr>
-            <a:lvl5pPr marL="2057400" indent="-228600">
-              <a:defRPr>
-                <a:solidFill>
-                  <a:schemeClr val="tx1"/>
-                </a:solidFill>
-                <a:latin typeface="Calibri" panose="020F0502020204030204" pitchFamily="34" charset="0"/>
-              </a:defRPr>
-            </a:lvl5pPr>
-            <a:lvl6pPr marL="2514600" indent="-228600" eaLnBrk="0" fontAlgn="base" hangingPunct="0">
-              <a:spcBef>
-                <a:spcPct val="0"/>
-              </a:spcBef>
-              <a:spcAft>
-                <a:spcPct val="0"/>
-              </a:spcAft>
-              <a:defRPr>
-                <a:solidFill>
-                  <a:schemeClr val="tx1"/>
-                </a:solidFill>
-                <a:latin typeface="Calibri" panose="020F0502020204030204" pitchFamily="34" charset="0"/>
-              </a:defRPr>
-            </a:lvl6pPr>
-            <a:lvl7pPr marL="2971800" indent="-228600" eaLnBrk="0" fontAlgn="base" hangingPunct="0">
-              <a:spcBef>
-                <a:spcPct val="0"/>
-              </a:spcBef>
-              <a:spcAft>
-                <a:spcPct val="0"/>
-              </a:spcAft>
-              <a:defRPr>
-                <a:solidFill>
-                  <a:schemeClr val="tx1"/>
-                </a:solidFill>
-                <a:latin typeface="Calibri" panose="020F0502020204030204" pitchFamily="34" charset="0"/>
-              </a:defRPr>
-            </a:lvl7pPr>
-            <a:lvl8pPr marL="3429000" indent="-228600" eaLnBrk="0" fontAlgn="base" hangingPunct="0">
-              <a:spcBef>
-                <a:spcPct val="0"/>
-              </a:spcBef>
-              <a:spcAft>
-                <a:spcPct val="0"/>
-              </a:spcAft>
-              <a:defRPr>
-                <a:solidFill>
-                  <a:schemeClr val="tx1"/>
-                </a:solidFill>
-                <a:latin typeface="Calibri" panose="020F0502020204030204" pitchFamily="34" charset="0"/>
-              </a:defRPr>
-            </a:lvl8pPr>
-            <a:lvl9pPr marL="3886200" indent="-228600" eaLnBrk="0" fontAlgn="base" hangingPunct="0">
-              <a:spcBef>
-                <a:spcPct val="0"/>
-              </a:spcBef>
-              <a:spcAft>
-                <a:spcPct val="0"/>
-              </a:spcAft>
-              <a:defRPr>
-                <a:solidFill>
-                  <a:schemeClr val="tx1"/>
-                </a:solidFill>
-                <a:latin typeface="Calibri" panose="020F0502020204030204" pitchFamily="34" charset="0"/>
-              </a:defRPr>
-            </a:lvl9pPr>
-          </a:lstStyle>
-          <a:p>
-            <a:pPr algn="ctr" eaLnBrk="1" hangingPunct="1"/>
-            <a:r>
-              <a:rPr lang="en-US" altLang="en-US" sz="990" dirty="0">
-                <a:latin typeface="Arial" panose="020B0604020202020204" pitchFamily="34" charset="0"/>
-                <a:ea typeface="Amazon Ember" panose="020B0603020204020204" pitchFamily="34" charset="0"/>
-                <a:cs typeface="Arial" panose="020B0604020202020204" pitchFamily="34" charset="0"/>
-              </a:rPr>
-              <a:t>PostgreSQL instance</a:t>
-            </a:r>
-          </a:p>
-          <a:p>
-            <a:pPr algn="ctr" eaLnBrk="1" hangingPunct="1"/>
-            <a:r>
-              <a:rPr lang="en-US" altLang="en-US" sz="990" dirty="0" err="1">
-                <a:latin typeface="Arial" panose="020B0604020202020204" pitchFamily="34" charset="0"/>
-                <a:ea typeface="Amazon Ember" panose="020B0603020204020204" pitchFamily="34" charset="0"/>
-                <a:cs typeface="Arial" panose="020B0604020202020204" pitchFamily="34" charset="0"/>
-              </a:rPr>
-              <a:t>Keycloak</a:t>
-            </a:r>
-            <a:endParaRPr lang="en-US" altLang="en-US" sz="990" dirty="0">
-              <a:latin typeface="Arial" panose="020B0604020202020204" pitchFamily="34" charset="0"/>
-              <a:ea typeface="Amazon Ember" panose="020B0603020204020204" pitchFamily="34" charset="0"/>
-              <a:cs typeface="Arial" panose="020B0604020202020204" pitchFamily="34" charset="0"/>
-            </a:endParaRPr>
-          </a:p>
-        </p:txBody>
-      </p:sp>
-      <p:pic>
-        <p:nvPicPr>
-          <p:cNvPr id="29" name="Graphic 41">
+      </p:pic>
+      <p:sp>
+        <p:nvSpPr>
+          <p:cNvPr id="36" name="TextBox 16">
             <a:extLst>
               <a:ext uri="{FF2B5EF4-FFF2-40B4-BE49-F238E27FC236}">
-                <a16:creationId xmlns:a16="http://schemas.microsoft.com/office/drawing/2014/main" id="{59E3A57B-88E1-4513-9B1B-0FCD97AE48C0}"/>
+                <a16:creationId xmlns:a16="http://schemas.microsoft.com/office/drawing/2014/main" id="{D9E906EC-153E-4B97-ABF6-EE10E8906370}"/>
               </a:ext>
             </a:extLst>
           </p:cNvPr>
-          <p:cNvPicPr>
-            <a:picLocks noChangeAspect="1" noChangeArrowheads="1"/>
-          </p:cNvPicPr>
+          <p:cNvSpPr txBox="1">
+            <a:spLocks noChangeArrowheads="1"/>
+          </p:cNvSpPr>
           <p:nvPr/>
-        </p:nvPicPr>
-        <p:blipFill>
-          <a:blip r:embed="rId10">
-            <a:extLst>
-              <a:ext uri="{28A0092B-C50C-407E-A947-70E740481C1C}">
-                <a14:useLocalDpi xmlns:a14="http://schemas.microsoft.com/office/drawing/2010/main" val="0"/>
-              </a:ext>
-            </a:extLst>
-          </a:blip>
-          <a:srcRect/>
-          <a:stretch>
-            <a:fillRect/>
-          </a:stretch>
-        </p:blipFill>
+        </p:nvSpPr>
         <p:spPr bwMode="auto">
           <a:xfrm>
-            <a:off x="7229298" y="2590062"/>
-            <a:ext cx="411341" cy="411341"/>
+            <a:off x="4832536" y="3956766"/>
+            <a:ext cx="1003672" cy="244682"/>
           </a:xfrm>
           <a:prstGeom prst="rect">
             <a:avLst/>
@@ -4051,13 +4134,127 @@
             </a:ext>
           </a:extLst>
         </p:spPr>
-      </p:pic>
+        <p:txBody>
+          <a:bodyPr wrap="square" lIns="0" rIns="0">
+            <a:spAutoFit/>
+          </a:bodyPr>
+          <a:lstStyle>
+            <a:lvl1pPr>
+              <a:defRPr>
+                <a:solidFill>
+                  <a:schemeClr val="tx1"/>
+                </a:solidFill>
+                <a:latin typeface="Calibri" panose="020F0502020204030204" pitchFamily="34" charset="0"/>
+              </a:defRPr>
+            </a:lvl1pPr>
+            <a:lvl2pPr marL="742950" indent="-285750">
+              <a:defRPr>
+                <a:solidFill>
+                  <a:schemeClr val="tx1"/>
+                </a:solidFill>
+                <a:latin typeface="Calibri" panose="020F0502020204030204" pitchFamily="34" charset="0"/>
+              </a:defRPr>
+            </a:lvl2pPr>
+            <a:lvl3pPr marL="1143000" indent="-228600">
+              <a:defRPr>
+                <a:solidFill>
+                  <a:schemeClr val="tx1"/>
+                </a:solidFill>
+                <a:latin typeface="Calibri" panose="020F0502020204030204" pitchFamily="34" charset="0"/>
+              </a:defRPr>
+            </a:lvl3pPr>
+            <a:lvl4pPr marL="1600200" indent="-228600">
+              <a:defRPr>
+                <a:solidFill>
+                  <a:schemeClr val="tx1"/>
+                </a:solidFill>
+                <a:latin typeface="Calibri" panose="020F0502020204030204" pitchFamily="34" charset="0"/>
+              </a:defRPr>
+            </a:lvl4pPr>
+            <a:lvl5pPr marL="2057400" indent="-228600">
+              <a:defRPr>
+                <a:solidFill>
+                  <a:schemeClr val="tx1"/>
+                </a:solidFill>
+                <a:latin typeface="Calibri" panose="020F0502020204030204" pitchFamily="34" charset="0"/>
+              </a:defRPr>
+            </a:lvl5pPr>
+            <a:lvl6pPr marL="2514600" indent="-228600" eaLnBrk="0" fontAlgn="base" hangingPunct="0">
+              <a:spcBef>
+                <a:spcPct val="0"/>
+              </a:spcBef>
+              <a:spcAft>
+                <a:spcPct val="0"/>
+              </a:spcAft>
+              <a:defRPr>
+                <a:solidFill>
+                  <a:schemeClr val="tx1"/>
+                </a:solidFill>
+                <a:latin typeface="Calibri" panose="020F0502020204030204" pitchFamily="34" charset="0"/>
+              </a:defRPr>
+            </a:lvl6pPr>
+            <a:lvl7pPr marL="2971800" indent="-228600" eaLnBrk="0" fontAlgn="base" hangingPunct="0">
+              <a:spcBef>
+                <a:spcPct val="0"/>
+              </a:spcBef>
+              <a:spcAft>
+                <a:spcPct val="0"/>
+              </a:spcAft>
+              <a:defRPr>
+                <a:solidFill>
+                  <a:schemeClr val="tx1"/>
+                </a:solidFill>
+                <a:latin typeface="Calibri" panose="020F0502020204030204" pitchFamily="34" charset="0"/>
+              </a:defRPr>
+            </a:lvl7pPr>
+            <a:lvl8pPr marL="3429000" indent="-228600" eaLnBrk="0" fontAlgn="base" hangingPunct="0">
+              <a:spcBef>
+                <a:spcPct val="0"/>
+              </a:spcBef>
+              <a:spcAft>
+                <a:spcPct val="0"/>
+              </a:spcAft>
+              <a:defRPr>
+                <a:solidFill>
+                  <a:schemeClr val="tx1"/>
+                </a:solidFill>
+                <a:latin typeface="Calibri" panose="020F0502020204030204" pitchFamily="34" charset="0"/>
+              </a:defRPr>
+            </a:lvl8pPr>
+            <a:lvl9pPr marL="3886200" indent="-228600" eaLnBrk="0" fontAlgn="base" hangingPunct="0">
+              <a:spcBef>
+                <a:spcPct val="0"/>
+              </a:spcBef>
+              <a:spcAft>
+                <a:spcPct val="0"/>
+              </a:spcAft>
+              <a:defRPr>
+                <a:solidFill>
+                  <a:schemeClr val="tx1"/>
+                </a:solidFill>
+                <a:latin typeface="Calibri" panose="020F0502020204030204" pitchFamily="34" charset="0"/>
+              </a:defRPr>
+            </a:lvl9pPr>
+          </a:lstStyle>
+          <a:p>
+            <a:pPr algn="ctr" eaLnBrk="1" hangingPunct="1"/>
+            <a:r>
+              <a:rPr lang="en-US" altLang="en-US" sz="990" dirty="0">
+                <a:latin typeface="Arial" panose="020B0604020202020204" pitchFamily="34" charset="0"/>
+                <a:ea typeface="Amazon Ember" panose="020B0603020204020204" pitchFamily="34" charset="0"/>
+                <a:cs typeface="Arial" panose="020B0604020202020204" pitchFamily="34" charset="0"/>
+              </a:rPr>
+              <a:t>Execution nodes</a:t>
+            </a:r>
+          </a:p>
+        </p:txBody>
+      </p:sp>
       <p:pic>
         <p:nvPicPr>
-          <p:cNvPr id="31" name="Graphic 62">
+          <p:cNvPr id="59" name="Graphic 8">
             <a:extLst>
               <a:ext uri="{FF2B5EF4-FFF2-40B4-BE49-F238E27FC236}">
-                <a16:creationId xmlns:a16="http://schemas.microsoft.com/office/drawing/2014/main" id="{C24C71C6-B965-49B3-A808-B3E2792B7F47}"/>
+                <a16:creationId xmlns:a16="http://schemas.microsoft.com/office/drawing/2014/main" id="{DB9157F0-3A9F-49CE-812A-888D5B96D27A}"/>
               </a:ext>
             </a:extLst>
           </p:cNvPr>
@@ -4067,7 +4264,7 @@
           <p:nvPr/>
         </p:nvPicPr>
         <p:blipFill>
-          <a:blip r:embed="rId13">
+          <a:blip r:embed="rId14">
             <a:extLst>
               <a:ext uri="{28A0092B-C50C-407E-A947-70E740481C1C}">
                 <a14:useLocalDpi xmlns:a14="http://schemas.microsoft.com/office/drawing/2010/main" val="0"/>
@@ -4081,8 +4278,8 @@
         </p:blipFill>
         <p:spPr bwMode="auto">
           <a:xfrm>
-            <a:off x="5155365" y="2913983"/>
-            <a:ext cx="411341" cy="411341"/>
+            <a:off x="8762404" y="719105"/>
+            <a:ext cx="331449" cy="331449"/>
           </a:xfrm>
           <a:prstGeom prst="rect">
             <a:avLst/>
@@ -4114,10 +4311,10 @@
       </p:pic>
       <p:sp>
         <p:nvSpPr>
-          <p:cNvPr id="32" name="TextBox 16">
+          <p:cNvPr id="61" name="TextBox 21">
             <a:extLst>
               <a:ext uri="{FF2B5EF4-FFF2-40B4-BE49-F238E27FC236}">
-                <a16:creationId xmlns:a16="http://schemas.microsoft.com/office/drawing/2014/main" id="{C894B105-A002-4A09-B5C4-C736B1060866}"/>
+                <a16:creationId xmlns:a16="http://schemas.microsoft.com/office/drawing/2014/main" id="{7F8742B6-CE80-4C58-B3FA-B2A6E5D3FE2B}"/>
               </a:ext>
             </a:extLst>
           </p:cNvPr>
@@ -4128,8 +4325,8 @@
         </p:nvSpPr>
         <p:spPr bwMode="auto">
           <a:xfrm>
-            <a:off x="4855240" y="3320416"/>
-            <a:ext cx="1003672" cy="244682"/>
+            <a:off x="8935382" y="2653749"/>
+            <a:ext cx="1321655" cy="244682"/>
           </a:xfrm>
           <a:prstGeom prst="rect">
             <a:avLst/>
@@ -4159,6 +4356,287 @@
           </a:extLst>
         </p:spPr>
         <p:txBody>
+          <a:bodyPr wrap="square">
+            <a:spAutoFit/>
+          </a:bodyPr>
+          <a:lstStyle>
+            <a:lvl1pPr>
+              <a:defRPr>
+                <a:solidFill>
+                  <a:schemeClr val="tx1"/>
+                </a:solidFill>
+                <a:latin typeface="Calibri" panose="020F0502020204030204" pitchFamily="34" charset="0"/>
+              </a:defRPr>
+            </a:lvl1pPr>
+            <a:lvl2pPr marL="742950" indent="-285750">
+              <a:defRPr>
+                <a:solidFill>
+                  <a:schemeClr val="tx1"/>
+                </a:solidFill>
+                <a:latin typeface="Calibri" panose="020F0502020204030204" pitchFamily="34" charset="0"/>
+              </a:defRPr>
+            </a:lvl2pPr>
+            <a:lvl3pPr marL="1143000" indent="-228600">
+              <a:defRPr>
+                <a:solidFill>
+                  <a:schemeClr val="tx1"/>
+                </a:solidFill>
+                <a:latin typeface="Calibri" panose="020F0502020204030204" pitchFamily="34" charset="0"/>
+              </a:defRPr>
+            </a:lvl3pPr>
+            <a:lvl4pPr marL="1600200" indent="-228600">
+              <a:defRPr>
+                <a:solidFill>
+                  <a:schemeClr val="tx1"/>
+                </a:solidFill>
+                <a:latin typeface="Calibri" panose="020F0502020204030204" pitchFamily="34" charset="0"/>
+              </a:defRPr>
+            </a:lvl4pPr>
+            <a:lvl5pPr marL="2057400" indent="-228600">
+              <a:defRPr>
+                <a:solidFill>
+                  <a:schemeClr val="tx1"/>
+                </a:solidFill>
+                <a:latin typeface="Calibri" panose="020F0502020204030204" pitchFamily="34" charset="0"/>
+              </a:defRPr>
+            </a:lvl5pPr>
+            <a:lvl6pPr marL="2514600" indent="-228600" eaLnBrk="0" fontAlgn="base" hangingPunct="0">
+              <a:spcBef>
+                <a:spcPct val="0"/>
+              </a:spcBef>
+              <a:spcAft>
+                <a:spcPct val="0"/>
+              </a:spcAft>
+              <a:defRPr>
+                <a:solidFill>
+                  <a:schemeClr val="tx1"/>
+                </a:solidFill>
+                <a:latin typeface="Calibri" panose="020F0502020204030204" pitchFamily="34" charset="0"/>
+              </a:defRPr>
+            </a:lvl6pPr>
+            <a:lvl7pPr marL="2971800" indent="-228600" eaLnBrk="0" fontAlgn="base" hangingPunct="0">
+              <a:spcBef>
+                <a:spcPct val="0"/>
+              </a:spcBef>
+              <a:spcAft>
+                <a:spcPct val="0"/>
+              </a:spcAft>
+              <a:defRPr>
+                <a:solidFill>
+                  <a:schemeClr val="tx1"/>
+                </a:solidFill>
+                <a:latin typeface="Calibri" panose="020F0502020204030204" pitchFamily="34" charset="0"/>
+              </a:defRPr>
+            </a:lvl7pPr>
+            <a:lvl8pPr marL="3429000" indent="-228600" eaLnBrk="0" fontAlgn="base" hangingPunct="0">
+              <a:spcBef>
+                <a:spcPct val="0"/>
+              </a:spcBef>
+              <a:spcAft>
+                <a:spcPct val="0"/>
+              </a:spcAft>
+              <a:defRPr>
+                <a:solidFill>
+                  <a:schemeClr val="tx1"/>
+                </a:solidFill>
+                <a:latin typeface="Calibri" panose="020F0502020204030204" pitchFamily="34" charset="0"/>
+              </a:defRPr>
+            </a:lvl8pPr>
+            <a:lvl9pPr marL="3886200" indent="-228600" eaLnBrk="0" fontAlgn="base" hangingPunct="0">
+              <a:spcBef>
+                <a:spcPct val="0"/>
+              </a:spcBef>
+              <a:spcAft>
+                <a:spcPct val="0"/>
+              </a:spcAft>
+              <a:defRPr>
+                <a:solidFill>
+                  <a:schemeClr val="tx1"/>
+                </a:solidFill>
+                <a:latin typeface="Calibri" panose="020F0502020204030204" pitchFamily="34" charset="0"/>
+              </a:defRPr>
+            </a:lvl9pPr>
+          </a:lstStyle>
+          <a:p>
+            <a:pPr algn="ctr" eaLnBrk="1" hangingPunct="1"/>
+            <a:r>
+              <a:rPr lang="en-US" altLang="en-US" sz="990" dirty="0">
+                <a:latin typeface="Arial" panose="020B0604020202020204" pitchFamily="34" charset="0"/>
+                <a:ea typeface="Amazon Ember" panose="020B0603020204020204" pitchFamily="34" charset="0"/>
+                <a:cs typeface="Arial" panose="020B0604020202020204" pitchFamily="34" charset="0"/>
+              </a:rPr>
+              <a:t>Projects and results</a:t>
+            </a:r>
+          </a:p>
+        </p:txBody>
+      </p:sp>
+      <p:pic>
+        <p:nvPicPr>
+          <p:cNvPr id="62" name="Graphic 14">
+            <a:extLst>
+              <a:ext uri="{FF2B5EF4-FFF2-40B4-BE49-F238E27FC236}">
+                <a16:creationId xmlns:a16="http://schemas.microsoft.com/office/drawing/2014/main" id="{078B8071-E7C3-44CF-940E-4C17952692FC}"/>
+              </a:ext>
+            </a:extLst>
+          </p:cNvPr>
+          <p:cNvPicPr>
+            <a:picLocks noChangeAspect="1" noChangeArrowheads="1"/>
+          </p:cNvPicPr>
+          <p:nvPr/>
+        </p:nvPicPr>
+        <p:blipFill>
+          <a:blip r:embed="rId15">
+            <a:extLst>
+              <a:ext uri="{28A0092B-C50C-407E-A947-70E740481C1C}">
+                <a14:useLocalDpi xmlns:a14="http://schemas.microsoft.com/office/drawing/2010/main" val="0"/>
+              </a:ext>
+            </a:extLst>
+          </a:blip>
+          <a:srcRect/>
+          <a:stretch>
+            <a:fillRect/>
+          </a:stretch>
+        </p:blipFill>
+        <p:spPr bwMode="auto">
+          <a:xfrm>
+            <a:off x="9350696" y="2212881"/>
+            <a:ext cx="411341" cy="411341"/>
+          </a:xfrm>
+          <a:prstGeom prst="rect">
+            <a:avLst/>
+          </a:prstGeom>
+          <a:noFill/>
+          <a:ln>
+            <a:noFill/>
+          </a:ln>
+          <a:extLst>
+            <a:ext uri="{909E8E84-426E-40DD-AFC4-6F175D3DCCD1}">
+              <a14:hiddenFill xmlns:a14="http://schemas.microsoft.com/office/drawing/2010/main">
+                <a:solidFill>
+                  <a:srgbClr val="FFFFFF"/>
+                </a:solidFill>
+              </a14:hiddenFill>
+            </a:ext>
+            <a:ext uri="{91240B29-F687-4F45-9708-019B960494DF}">
+              <a14:hiddenLine xmlns:a14="http://schemas.microsoft.com/office/drawing/2010/main" w="9525">
+                <a:solidFill>
+                  <a:srgbClr val="000000"/>
+                </a:solidFill>
+                <a:miter lim="800000"/>
+                <a:headEnd/>
+                <a:tailEnd/>
+              </a14:hiddenLine>
+            </a:ext>
+          </a:extLst>
+        </p:spPr>
+      </p:pic>
+      <p:pic>
+        <p:nvPicPr>
+          <p:cNvPr id="77" name="Graphic 60">
+            <a:extLst>
+              <a:ext uri="{FF2B5EF4-FFF2-40B4-BE49-F238E27FC236}">
+                <a16:creationId xmlns:a16="http://schemas.microsoft.com/office/drawing/2014/main" id="{59681B7A-2232-4968-BA3F-260536F4EF77}"/>
+              </a:ext>
+            </a:extLst>
+          </p:cNvPr>
+          <p:cNvPicPr>
+            <a:picLocks noChangeAspect="1" noChangeArrowheads="1"/>
+          </p:cNvPicPr>
+          <p:nvPr/>
+        </p:nvPicPr>
+        <p:blipFill>
+          <a:blip r:embed="rId16">
+            <a:extLst>
+              <a:ext uri="{28A0092B-C50C-407E-A947-70E740481C1C}">
+                <a14:useLocalDpi xmlns:a14="http://schemas.microsoft.com/office/drawing/2010/main" val="0"/>
+              </a:ext>
+            </a:extLst>
+          </a:blip>
+          <a:srcRect/>
+          <a:stretch>
+            <a:fillRect/>
+          </a:stretch>
+        </p:blipFill>
+        <p:spPr bwMode="auto">
+          <a:xfrm>
+            <a:off x="5102395" y="5462923"/>
+            <a:ext cx="411341" cy="411341"/>
+          </a:xfrm>
+          <a:prstGeom prst="rect">
+            <a:avLst/>
+          </a:prstGeom>
+          <a:noFill/>
+          <a:ln>
+            <a:noFill/>
+          </a:ln>
+          <a:extLst>
+            <a:ext uri="{909E8E84-426E-40DD-AFC4-6F175D3DCCD1}">
+              <a14:hiddenFill xmlns:a14="http://schemas.microsoft.com/office/drawing/2010/main">
+                <a:solidFill>
+                  <a:srgbClr val="FFFFFF"/>
+                </a:solidFill>
+              </a14:hiddenFill>
+            </a:ext>
+            <a:ext uri="{91240B29-F687-4F45-9708-019B960494DF}">
+              <a14:hiddenLine xmlns:a14="http://schemas.microsoft.com/office/drawing/2010/main" w="9525">
+                <a:solidFill>
+                  <a:srgbClr val="000000"/>
+                </a:solidFill>
+                <a:miter lim="800000"/>
+                <a:headEnd/>
+                <a:tailEnd/>
+              </a14:hiddenLine>
+            </a:ext>
+          </a:extLst>
+        </p:spPr>
+      </p:pic>
+      <p:sp>
+        <p:nvSpPr>
+          <p:cNvPr id="78" name="TextBox 16">
+            <a:extLst>
+              <a:ext uri="{FF2B5EF4-FFF2-40B4-BE49-F238E27FC236}">
+                <a16:creationId xmlns:a16="http://schemas.microsoft.com/office/drawing/2014/main" id="{9080ECC6-14D2-4763-8511-F6B6566CD6D9}"/>
+              </a:ext>
+            </a:extLst>
+          </p:cNvPr>
+          <p:cNvSpPr txBox="1">
+            <a:spLocks noChangeArrowheads="1"/>
+          </p:cNvSpPr>
+          <p:nvPr/>
+        </p:nvSpPr>
+        <p:spPr bwMode="auto">
+          <a:xfrm>
+            <a:off x="4769485" y="5872212"/>
+            <a:ext cx="1003672" cy="244682"/>
+          </a:xfrm>
+          <a:prstGeom prst="rect">
+            <a:avLst/>
+          </a:prstGeom>
+          <a:noFill/>
+          <a:ln>
+            <a:noFill/>
+          </a:ln>
+          <a:extLst>
+            <a:ext uri="{909E8E84-426E-40DD-AFC4-6F175D3DCCD1}">
+              <a14:hiddenFill xmlns:a14="http://schemas.microsoft.com/office/drawing/2010/main">
+                <a:solidFill>
+                  <a:srgbClr val="FFFFFF"/>
+                </a:solidFill>
+              </a14:hiddenFill>
+            </a:ext>
+            <a:ext uri="{91240B29-F687-4F45-9708-019B960494DF}">
+              <a14:hiddenLine xmlns:a14="http://schemas.microsoft.com/office/drawing/2010/main" w="9525">
+                <a:solidFill>
+                  <a:srgbClr val="000000"/>
+                </a:solidFill>
+                <a:miter lim="800000"/>
+                <a:headEnd/>
+                <a:tailEnd/>
+              </a14:hiddenLine>
+            </a:ext>
+          </a:extLst>
+        </p:spPr>
+        <p:txBody>
           <a:bodyPr wrap="square" lIns="0" rIns="0">
             <a:spAutoFit/>
           </a:bodyPr>
@@ -4268,17 +4746,1023 @@
                 <a:ea typeface="Amazon Ember" panose="020B0603020204020204" pitchFamily="34" charset="0"/>
                 <a:cs typeface="Arial" panose="020B0604020202020204" pitchFamily="34" charset="0"/>
               </a:rPr>
-              <a:t>Service nodes</a:t>
-            </a:r>
-          </a:p>
-        </p:txBody>
-      </p:sp>
-      <p:sp>
-        <p:nvSpPr>
-          <p:cNvPr id="33" name="Rectangle 32">
+              <a:t>License server</a:t>
+            </a:r>
+          </a:p>
+        </p:txBody>
+      </p:sp>
+      <p:pic>
+        <p:nvPicPr>
+          <p:cNvPr id="79" name="Graphic 5">
             <a:extLst>
               <a:ext uri="{FF2B5EF4-FFF2-40B4-BE49-F238E27FC236}">
-                <a16:creationId xmlns:a16="http://schemas.microsoft.com/office/drawing/2014/main" id="{9FA89EE6-3653-48B5-A54C-4BA520FC43D3}"/>
+                <a16:creationId xmlns:a16="http://schemas.microsoft.com/office/drawing/2014/main" id="{3A74212A-B3F6-4C0B-8205-03A240B38FAE}"/>
+              </a:ext>
+            </a:extLst>
+          </p:cNvPr>
+          <p:cNvPicPr>
+            <a:picLocks noChangeAspect="1" noChangeArrowheads="1"/>
+          </p:cNvPicPr>
+          <p:nvPr/>
+        </p:nvPicPr>
+        <p:blipFill>
+          <a:blip r:embed="rId17">
+            <a:extLst>
+              <a:ext uri="{28A0092B-C50C-407E-A947-70E740481C1C}">
+                <a14:useLocalDpi xmlns:a14="http://schemas.microsoft.com/office/drawing/2010/main" val="0"/>
+              </a:ext>
+            </a:extLst>
+          </a:blip>
+          <a:srcRect/>
+          <a:stretch>
+            <a:fillRect/>
+          </a:stretch>
+        </p:blipFill>
+        <p:spPr bwMode="auto">
+          <a:xfrm>
+            <a:off x="4467958" y="6177153"/>
+            <a:ext cx="281196" cy="281196"/>
+          </a:xfrm>
+          <a:prstGeom prst="rect">
+            <a:avLst/>
+          </a:prstGeom>
+          <a:noFill/>
+          <a:ln>
+            <a:noFill/>
+          </a:ln>
+          <a:extLst>
+            <a:ext uri="{909E8E84-426E-40DD-AFC4-6F175D3DCCD1}">
+              <a14:hiddenFill xmlns:a14="http://schemas.microsoft.com/office/drawing/2010/main">
+                <a:solidFill>
+                  <a:srgbClr val="FFFFFF"/>
+                </a:solidFill>
+              </a14:hiddenFill>
+            </a:ext>
+            <a:ext uri="{91240B29-F687-4F45-9708-019B960494DF}">
+              <a14:hiddenLine xmlns:a14="http://schemas.microsoft.com/office/drawing/2010/main" w="9525">
+                <a:solidFill>
+                  <a:srgbClr val="000000"/>
+                </a:solidFill>
+                <a:miter lim="800000"/>
+                <a:headEnd/>
+                <a:tailEnd/>
+              </a14:hiddenLine>
+            </a:ext>
+          </a:extLst>
+        </p:spPr>
+      </p:pic>
+      <p:sp>
+        <p:nvSpPr>
+          <p:cNvPr id="81" name="TextBox 21">
+            <a:extLst>
+              <a:ext uri="{FF2B5EF4-FFF2-40B4-BE49-F238E27FC236}">
+                <a16:creationId xmlns:a16="http://schemas.microsoft.com/office/drawing/2014/main" id="{B049A5B8-BA71-4552-AF98-DEBAD52374FE}"/>
+              </a:ext>
+            </a:extLst>
+          </p:cNvPr>
+          <p:cNvSpPr txBox="1">
+            <a:spLocks noChangeArrowheads="1"/>
+          </p:cNvSpPr>
+          <p:nvPr/>
+        </p:nvSpPr>
+        <p:spPr bwMode="auto">
+          <a:xfrm>
+            <a:off x="8993634" y="4425879"/>
+            <a:ext cx="1244022" cy="397032"/>
+          </a:xfrm>
+          <a:prstGeom prst="rect">
+            <a:avLst/>
+          </a:prstGeom>
+          <a:noFill/>
+          <a:ln>
+            <a:noFill/>
+          </a:ln>
+          <a:extLst>
+            <a:ext uri="{909E8E84-426E-40DD-AFC4-6F175D3DCCD1}">
+              <a14:hiddenFill xmlns:a14="http://schemas.microsoft.com/office/drawing/2010/main">
+                <a:solidFill>
+                  <a:srgbClr val="FFFFFF"/>
+                </a:solidFill>
+              </a14:hiddenFill>
+            </a:ext>
+            <a:ext uri="{91240B29-F687-4F45-9708-019B960494DF}">
+              <a14:hiddenLine xmlns:a14="http://schemas.microsoft.com/office/drawing/2010/main" w="9525">
+                <a:solidFill>
+                  <a:srgbClr val="000000"/>
+                </a:solidFill>
+                <a:miter lim="800000"/>
+                <a:headEnd/>
+                <a:tailEnd/>
+              </a14:hiddenLine>
+            </a:ext>
+          </a:extLst>
+        </p:spPr>
+        <p:txBody>
+          <a:bodyPr>
+            <a:spAutoFit/>
+          </a:bodyPr>
+          <a:lstStyle>
+            <a:lvl1pPr>
+              <a:defRPr>
+                <a:solidFill>
+                  <a:schemeClr val="tx1"/>
+                </a:solidFill>
+                <a:latin typeface="Calibri" panose="020F0502020204030204" pitchFamily="34" charset="0"/>
+              </a:defRPr>
+            </a:lvl1pPr>
+            <a:lvl2pPr marL="742950" indent="-285750">
+              <a:defRPr>
+                <a:solidFill>
+                  <a:schemeClr val="tx1"/>
+                </a:solidFill>
+                <a:latin typeface="Calibri" panose="020F0502020204030204" pitchFamily="34" charset="0"/>
+              </a:defRPr>
+            </a:lvl2pPr>
+            <a:lvl3pPr marL="1143000" indent="-228600">
+              <a:defRPr>
+                <a:solidFill>
+                  <a:schemeClr val="tx1"/>
+                </a:solidFill>
+                <a:latin typeface="Calibri" panose="020F0502020204030204" pitchFamily="34" charset="0"/>
+              </a:defRPr>
+            </a:lvl3pPr>
+            <a:lvl4pPr marL="1600200" indent="-228600">
+              <a:defRPr>
+                <a:solidFill>
+                  <a:schemeClr val="tx1"/>
+                </a:solidFill>
+                <a:latin typeface="Calibri" panose="020F0502020204030204" pitchFamily="34" charset="0"/>
+              </a:defRPr>
+            </a:lvl4pPr>
+            <a:lvl5pPr marL="2057400" indent="-228600">
+              <a:defRPr>
+                <a:solidFill>
+                  <a:schemeClr val="tx1"/>
+                </a:solidFill>
+                <a:latin typeface="Calibri" panose="020F0502020204030204" pitchFamily="34" charset="0"/>
+              </a:defRPr>
+            </a:lvl5pPr>
+            <a:lvl6pPr marL="2514600" indent="-228600" eaLnBrk="0" fontAlgn="base" hangingPunct="0">
+              <a:spcBef>
+                <a:spcPct val="0"/>
+              </a:spcBef>
+              <a:spcAft>
+                <a:spcPct val="0"/>
+              </a:spcAft>
+              <a:defRPr>
+                <a:solidFill>
+                  <a:schemeClr val="tx1"/>
+                </a:solidFill>
+                <a:latin typeface="Calibri" panose="020F0502020204030204" pitchFamily="34" charset="0"/>
+              </a:defRPr>
+            </a:lvl6pPr>
+            <a:lvl7pPr marL="2971800" indent="-228600" eaLnBrk="0" fontAlgn="base" hangingPunct="0">
+              <a:spcBef>
+                <a:spcPct val="0"/>
+              </a:spcBef>
+              <a:spcAft>
+                <a:spcPct val="0"/>
+              </a:spcAft>
+              <a:defRPr>
+                <a:solidFill>
+                  <a:schemeClr val="tx1"/>
+                </a:solidFill>
+                <a:latin typeface="Calibri" panose="020F0502020204030204" pitchFamily="34" charset="0"/>
+              </a:defRPr>
+            </a:lvl7pPr>
+            <a:lvl8pPr marL="3429000" indent="-228600" eaLnBrk="0" fontAlgn="base" hangingPunct="0">
+              <a:spcBef>
+                <a:spcPct val="0"/>
+              </a:spcBef>
+              <a:spcAft>
+                <a:spcPct val="0"/>
+              </a:spcAft>
+              <a:defRPr>
+                <a:solidFill>
+                  <a:schemeClr val="tx1"/>
+                </a:solidFill>
+                <a:latin typeface="Calibri" panose="020F0502020204030204" pitchFamily="34" charset="0"/>
+              </a:defRPr>
+            </a:lvl8pPr>
+            <a:lvl9pPr marL="3886200" indent="-228600" eaLnBrk="0" fontAlgn="base" hangingPunct="0">
+              <a:spcBef>
+                <a:spcPct val="0"/>
+              </a:spcBef>
+              <a:spcAft>
+                <a:spcPct val="0"/>
+              </a:spcAft>
+              <a:defRPr>
+                <a:solidFill>
+                  <a:schemeClr val="tx1"/>
+                </a:solidFill>
+                <a:latin typeface="Calibri" panose="020F0502020204030204" pitchFamily="34" charset="0"/>
+              </a:defRPr>
+            </a:lvl9pPr>
+          </a:lstStyle>
+          <a:p>
+            <a:pPr algn="ctr" eaLnBrk="1" hangingPunct="1"/>
+            <a:r>
+              <a:rPr lang="en-US" altLang="en-US" sz="990" dirty="0">
+                <a:latin typeface="Arial" panose="020B0604020202020204" pitchFamily="34" charset="0"/>
+                <a:ea typeface="Amazon Ember" panose="020B0603020204020204" pitchFamily="34" charset="0"/>
+                <a:cs typeface="Arial" panose="020B0604020202020204" pitchFamily="34" charset="0"/>
+              </a:rPr>
+              <a:t>License server</a:t>
+            </a:r>
+          </a:p>
+          <a:p>
+            <a:pPr algn="ctr" eaLnBrk="1" hangingPunct="1"/>
+            <a:r>
+              <a:rPr lang="en-US" altLang="en-US" sz="990" dirty="0">
+                <a:latin typeface="Arial" panose="020B0604020202020204" pitchFamily="34" charset="0"/>
+                <a:ea typeface="Amazon Ember" panose="020B0603020204020204" pitchFamily="34" charset="0"/>
+                <a:cs typeface="Arial" panose="020B0604020202020204" pitchFamily="34" charset="0"/>
+              </a:rPr>
+              <a:t>configuration files</a:t>
+            </a:r>
+          </a:p>
+        </p:txBody>
+      </p:sp>
+      <p:pic>
+        <p:nvPicPr>
+          <p:cNvPr id="82" name="Graphic 14">
+            <a:extLst>
+              <a:ext uri="{FF2B5EF4-FFF2-40B4-BE49-F238E27FC236}">
+                <a16:creationId xmlns:a16="http://schemas.microsoft.com/office/drawing/2014/main" id="{55423CE7-BD53-4DEA-A303-DF0FDF35D10D}"/>
+              </a:ext>
+            </a:extLst>
+          </p:cNvPr>
+          <p:cNvPicPr>
+            <a:picLocks noChangeAspect="1" noChangeArrowheads="1"/>
+          </p:cNvPicPr>
+          <p:nvPr/>
+        </p:nvPicPr>
+        <p:blipFill>
+          <a:blip r:embed="rId15">
+            <a:extLst>
+              <a:ext uri="{28A0092B-C50C-407E-A947-70E740481C1C}">
+                <a14:useLocalDpi xmlns:a14="http://schemas.microsoft.com/office/drawing/2010/main" val="0"/>
+              </a:ext>
+            </a:extLst>
+          </a:blip>
+          <a:srcRect/>
+          <a:stretch>
+            <a:fillRect/>
+          </a:stretch>
+        </p:blipFill>
+        <p:spPr bwMode="auto">
+          <a:xfrm>
+            <a:off x="9390538" y="3957360"/>
+            <a:ext cx="411341" cy="411341"/>
+          </a:xfrm>
+          <a:prstGeom prst="rect">
+            <a:avLst/>
+          </a:prstGeom>
+          <a:noFill/>
+          <a:ln>
+            <a:noFill/>
+          </a:ln>
+          <a:extLst>
+            <a:ext uri="{909E8E84-426E-40DD-AFC4-6F175D3DCCD1}">
+              <a14:hiddenFill xmlns:a14="http://schemas.microsoft.com/office/drawing/2010/main">
+                <a:solidFill>
+                  <a:srgbClr val="FFFFFF"/>
+                </a:solidFill>
+              </a14:hiddenFill>
+            </a:ext>
+            <a:ext uri="{91240B29-F687-4F45-9708-019B960494DF}">
+              <a14:hiddenLine xmlns:a14="http://schemas.microsoft.com/office/drawing/2010/main" w="9525">
+                <a:solidFill>
+                  <a:srgbClr val="000000"/>
+                </a:solidFill>
+                <a:miter lim="800000"/>
+                <a:headEnd/>
+                <a:tailEnd/>
+              </a14:hiddenLine>
+            </a:ext>
+          </a:extLst>
+        </p:spPr>
+      </p:pic>
+      <p:sp>
+        <p:nvSpPr>
+          <p:cNvPr id="108" name="TextBox 22">
+            <a:extLst>
+              <a:ext uri="{FF2B5EF4-FFF2-40B4-BE49-F238E27FC236}">
+                <a16:creationId xmlns:a16="http://schemas.microsoft.com/office/drawing/2014/main" id="{58D5FEDF-4E18-4535-95B4-64D42E68AF63}"/>
+              </a:ext>
+            </a:extLst>
+          </p:cNvPr>
+          <p:cNvSpPr txBox="1">
+            <a:spLocks noChangeArrowheads="1"/>
+          </p:cNvSpPr>
+          <p:nvPr/>
+        </p:nvSpPr>
+        <p:spPr bwMode="auto">
+          <a:xfrm>
+            <a:off x="2761919" y="4409570"/>
+            <a:ext cx="947416" cy="549381"/>
+          </a:xfrm>
+          <a:prstGeom prst="rect">
+            <a:avLst/>
+          </a:prstGeom>
+          <a:noFill/>
+          <a:ln>
+            <a:noFill/>
+          </a:ln>
+          <a:extLst>
+            <a:ext uri="{909E8E84-426E-40DD-AFC4-6F175D3DCCD1}">
+              <a14:hiddenFill xmlns:a14="http://schemas.microsoft.com/office/drawing/2010/main">
+                <a:solidFill>
+                  <a:srgbClr val="FFFFFF"/>
+                </a:solidFill>
+              </a14:hiddenFill>
+            </a:ext>
+            <a:ext uri="{91240B29-F687-4F45-9708-019B960494DF}">
+              <a14:hiddenLine xmlns:a14="http://schemas.microsoft.com/office/drawing/2010/main" w="9525">
+                <a:solidFill>
+                  <a:srgbClr val="000000"/>
+                </a:solidFill>
+                <a:miter lim="800000"/>
+                <a:headEnd/>
+                <a:tailEnd/>
+              </a14:hiddenLine>
+            </a:ext>
+          </a:extLst>
+        </p:spPr>
+        <p:txBody>
+          <a:bodyPr wrap="square">
+            <a:spAutoFit/>
+          </a:bodyPr>
+          <a:lstStyle>
+            <a:lvl1pPr>
+              <a:defRPr>
+                <a:solidFill>
+                  <a:schemeClr val="tx1"/>
+                </a:solidFill>
+                <a:latin typeface="Calibri" panose="020F0502020204030204" pitchFamily="34" charset="0"/>
+              </a:defRPr>
+            </a:lvl1pPr>
+            <a:lvl2pPr marL="742950" indent="-285750">
+              <a:defRPr>
+                <a:solidFill>
+                  <a:schemeClr val="tx1"/>
+                </a:solidFill>
+                <a:latin typeface="Calibri" panose="020F0502020204030204" pitchFamily="34" charset="0"/>
+              </a:defRPr>
+            </a:lvl2pPr>
+            <a:lvl3pPr marL="1143000" indent="-228600">
+              <a:defRPr>
+                <a:solidFill>
+                  <a:schemeClr val="tx1"/>
+                </a:solidFill>
+                <a:latin typeface="Calibri" panose="020F0502020204030204" pitchFamily="34" charset="0"/>
+              </a:defRPr>
+            </a:lvl3pPr>
+            <a:lvl4pPr marL="1600200" indent="-228600">
+              <a:defRPr>
+                <a:solidFill>
+                  <a:schemeClr val="tx1"/>
+                </a:solidFill>
+                <a:latin typeface="Calibri" panose="020F0502020204030204" pitchFamily="34" charset="0"/>
+              </a:defRPr>
+            </a:lvl4pPr>
+            <a:lvl5pPr marL="2057400" indent="-228600">
+              <a:defRPr>
+                <a:solidFill>
+                  <a:schemeClr val="tx1"/>
+                </a:solidFill>
+                <a:latin typeface="Calibri" panose="020F0502020204030204" pitchFamily="34" charset="0"/>
+              </a:defRPr>
+            </a:lvl5pPr>
+            <a:lvl6pPr marL="2514600" indent="-228600" eaLnBrk="0" fontAlgn="base" hangingPunct="0">
+              <a:spcBef>
+                <a:spcPct val="0"/>
+              </a:spcBef>
+              <a:spcAft>
+                <a:spcPct val="0"/>
+              </a:spcAft>
+              <a:defRPr>
+                <a:solidFill>
+                  <a:schemeClr val="tx1"/>
+                </a:solidFill>
+                <a:latin typeface="Calibri" panose="020F0502020204030204" pitchFamily="34" charset="0"/>
+              </a:defRPr>
+            </a:lvl6pPr>
+            <a:lvl7pPr marL="2971800" indent="-228600" eaLnBrk="0" fontAlgn="base" hangingPunct="0">
+              <a:spcBef>
+                <a:spcPct val="0"/>
+              </a:spcBef>
+              <a:spcAft>
+                <a:spcPct val="0"/>
+              </a:spcAft>
+              <a:defRPr>
+                <a:solidFill>
+                  <a:schemeClr val="tx1"/>
+                </a:solidFill>
+                <a:latin typeface="Calibri" panose="020F0502020204030204" pitchFamily="34" charset="0"/>
+              </a:defRPr>
+            </a:lvl7pPr>
+            <a:lvl8pPr marL="3429000" indent="-228600" eaLnBrk="0" fontAlgn="base" hangingPunct="0">
+              <a:spcBef>
+                <a:spcPct val="0"/>
+              </a:spcBef>
+              <a:spcAft>
+                <a:spcPct val="0"/>
+              </a:spcAft>
+              <a:defRPr>
+                <a:solidFill>
+                  <a:schemeClr val="tx1"/>
+                </a:solidFill>
+                <a:latin typeface="Calibri" panose="020F0502020204030204" pitchFamily="34" charset="0"/>
+              </a:defRPr>
+            </a:lvl8pPr>
+            <a:lvl9pPr marL="3886200" indent="-228600" eaLnBrk="0" fontAlgn="base" hangingPunct="0">
+              <a:spcBef>
+                <a:spcPct val="0"/>
+              </a:spcBef>
+              <a:spcAft>
+                <a:spcPct val="0"/>
+              </a:spcAft>
+              <a:defRPr>
+                <a:solidFill>
+                  <a:schemeClr val="tx1"/>
+                </a:solidFill>
+                <a:latin typeface="Calibri" panose="020F0502020204030204" pitchFamily="34" charset="0"/>
+              </a:defRPr>
+            </a:lvl9pPr>
+          </a:lstStyle>
+          <a:p>
+            <a:pPr algn="ctr" eaLnBrk="1" hangingPunct="1"/>
+            <a:r>
+              <a:rPr lang="en-US" altLang="en-US" sz="990" dirty="0">
+                <a:latin typeface="Arial" panose="020B0604020202020204" pitchFamily="34" charset="0"/>
+                <a:ea typeface="Amazon Ember" panose="020B0603020204020204" pitchFamily="34" charset="0"/>
+                <a:cs typeface="Arial" panose="020B0604020202020204" pitchFamily="34" charset="0"/>
+              </a:rPr>
+              <a:t>Network Load </a:t>
+            </a:r>
+            <a:br>
+              <a:rPr lang="en-US" altLang="en-US" sz="990" dirty="0">
+                <a:latin typeface="Arial" panose="020B0604020202020204" pitchFamily="34" charset="0"/>
+                <a:ea typeface="Amazon Ember" panose="020B0603020204020204" pitchFamily="34" charset="0"/>
+                <a:cs typeface="Arial" panose="020B0604020202020204" pitchFamily="34" charset="0"/>
+              </a:rPr>
+            </a:br>
+            <a:r>
+              <a:rPr lang="en-US" altLang="en-US" sz="990" dirty="0">
+                <a:latin typeface="Arial" panose="020B0604020202020204" pitchFamily="34" charset="0"/>
+                <a:ea typeface="Amazon Ember" panose="020B0603020204020204" pitchFamily="34" charset="0"/>
+                <a:cs typeface="Arial" panose="020B0604020202020204" pitchFamily="34" charset="0"/>
+              </a:rPr>
+              <a:t>Balancer</a:t>
+            </a:r>
+          </a:p>
+        </p:txBody>
+      </p:sp>
+      <p:pic>
+        <p:nvPicPr>
+          <p:cNvPr id="109" name="Graphic 24">
+            <a:extLst>
+              <a:ext uri="{FF2B5EF4-FFF2-40B4-BE49-F238E27FC236}">
+                <a16:creationId xmlns:a16="http://schemas.microsoft.com/office/drawing/2014/main" id="{303E6227-C9E4-46E8-98AB-803151F58081}"/>
+              </a:ext>
+            </a:extLst>
+          </p:cNvPr>
+          <p:cNvPicPr>
+            <a:picLocks noChangeAspect="1" noChangeArrowheads="1"/>
+          </p:cNvPicPr>
+          <p:nvPr/>
+        </p:nvPicPr>
+        <p:blipFill>
+          <a:blip r:embed="rId18">
+            <a:extLst>
+              <a:ext uri="{28A0092B-C50C-407E-A947-70E740481C1C}">
+                <a14:useLocalDpi xmlns:a14="http://schemas.microsoft.com/office/drawing/2010/main" val="0"/>
+              </a:ext>
+            </a:extLst>
+          </a:blip>
+          <a:srcRect/>
+          <a:stretch>
+            <a:fillRect/>
+          </a:stretch>
+        </p:blipFill>
+        <p:spPr bwMode="auto">
+          <a:xfrm>
+            <a:off x="3023017" y="3985374"/>
+            <a:ext cx="411341" cy="411341"/>
+          </a:xfrm>
+          <a:prstGeom prst="rect">
+            <a:avLst/>
+          </a:prstGeom>
+          <a:noFill/>
+          <a:ln>
+            <a:noFill/>
+          </a:ln>
+          <a:extLst>
+            <a:ext uri="{909E8E84-426E-40DD-AFC4-6F175D3DCCD1}">
+              <a14:hiddenFill xmlns:a14="http://schemas.microsoft.com/office/drawing/2010/main">
+                <a:solidFill>
+                  <a:srgbClr val="FFFFFF"/>
+                </a:solidFill>
+              </a14:hiddenFill>
+            </a:ext>
+            <a:ext uri="{91240B29-F687-4F45-9708-019B960494DF}">
+              <a14:hiddenLine xmlns:a14="http://schemas.microsoft.com/office/drawing/2010/main" w="9525">
+                <a:solidFill>
+                  <a:srgbClr val="000000"/>
+                </a:solidFill>
+                <a:miter lim="800000"/>
+                <a:headEnd/>
+                <a:tailEnd/>
+              </a14:hiddenLine>
+            </a:ext>
+          </a:extLst>
+        </p:spPr>
+      </p:pic>
+      <p:pic>
+        <p:nvPicPr>
+          <p:cNvPr id="114" name="Graphic 113">
+            <a:extLst>
+              <a:ext uri="{FF2B5EF4-FFF2-40B4-BE49-F238E27FC236}">
+                <a16:creationId xmlns:a16="http://schemas.microsoft.com/office/drawing/2014/main" id="{63FFED64-F846-4C73-9157-AA142C737CA2}"/>
+              </a:ext>
+            </a:extLst>
+          </p:cNvPr>
+          <p:cNvPicPr>
+            <a:picLocks noChangeAspect="1"/>
+          </p:cNvPicPr>
+          <p:nvPr/>
+        </p:nvPicPr>
+        <p:blipFill>
+          <a:blip r:embed="rId4">
+            <a:extLst>
+              <a:ext uri="{96DAC541-7B7A-43D3-8B79-37D633B846F1}">
+                <asvg:svgBlip xmlns:asvg="http://schemas.microsoft.com/office/drawing/2016/SVG/main" r:embed="rId5"/>
+              </a:ext>
+            </a:extLst>
+          </a:blip>
+          <a:stretch>
+            <a:fillRect/>
+          </a:stretch>
+        </p:blipFill>
+        <p:spPr>
+          <a:xfrm>
+            <a:off x="6474097" y="1085271"/>
+            <a:ext cx="342785" cy="342785"/>
+          </a:xfrm>
+          <a:prstGeom prst="rect">
+            <a:avLst/>
+          </a:prstGeom>
+        </p:spPr>
+      </p:pic>
+      <p:sp>
+        <p:nvSpPr>
+          <p:cNvPr id="117" name="TextBox 12">
+            <a:extLst>
+              <a:ext uri="{FF2B5EF4-FFF2-40B4-BE49-F238E27FC236}">
+                <a16:creationId xmlns:a16="http://schemas.microsoft.com/office/drawing/2014/main" id="{DC7F160B-FF31-49EA-83DA-765A7A42ED2E}"/>
+              </a:ext>
+            </a:extLst>
+          </p:cNvPr>
+          <p:cNvSpPr txBox="1">
+            <a:spLocks noChangeArrowheads="1"/>
+          </p:cNvSpPr>
+          <p:nvPr/>
+        </p:nvSpPr>
+        <p:spPr bwMode="auto">
+          <a:xfrm>
+            <a:off x="973423" y="3506251"/>
+            <a:ext cx="1262589" cy="244682"/>
+          </a:xfrm>
+          <a:prstGeom prst="rect">
+            <a:avLst/>
+          </a:prstGeom>
+          <a:noFill/>
+          <a:ln>
+            <a:noFill/>
+          </a:ln>
+          <a:extLst>
+            <a:ext uri="{909E8E84-426E-40DD-AFC4-6F175D3DCCD1}">
+              <a14:hiddenFill xmlns:a14="http://schemas.microsoft.com/office/drawing/2010/main">
+                <a:solidFill>
+                  <a:srgbClr val="FFFFFF"/>
+                </a:solidFill>
+              </a14:hiddenFill>
+            </a:ext>
+            <a:ext uri="{91240B29-F687-4F45-9708-019B960494DF}">
+              <a14:hiddenLine xmlns:a14="http://schemas.microsoft.com/office/drawing/2010/main" w="9525">
+                <a:solidFill>
+                  <a:srgbClr val="000000"/>
+                </a:solidFill>
+                <a:miter lim="800000"/>
+                <a:headEnd/>
+                <a:tailEnd/>
+              </a14:hiddenLine>
+            </a:ext>
+          </a:extLst>
+        </p:spPr>
+        <p:txBody>
+          <a:bodyPr>
+            <a:spAutoFit/>
+          </a:bodyPr>
+          <a:lstStyle>
+            <a:lvl1pPr>
+              <a:defRPr>
+                <a:solidFill>
+                  <a:schemeClr val="tx1"/>
+                </a:solidFill>
+                <a:latin typeface="Calibri" panose="020F0502020204030204" pitchFamily="34" charset="0"/>
+              </a:defRPr>
+            </a:lvl1pPr>
+            <a:lvl2pPr marL="742950" indent="-285750">
+              <a:defRPr>
+                <a:solidFill>
+                  <a:schemeClr val="tx1"/>
+                </a:solidFill>
+                <a:latin typeface="Calibri" panose="020F0502020204030204" pitchFamily="34" charset="0"/>
+              </a:defRPr>
+            </a:lvl2pPr>
+            <a:lvl3pPr marL="1143000" indent="-228600">
+              <a:defRPr>
+                <a:solidFill>
+                  <a:schemeClr val="tx1"/>
+                </a:solidFill>
+                <a:latin typeface="Calibri" panose="020F0502020204030204" pitchFamily="34" charset="0"/>
+              </a:defRPr>
+            </a:lvl3pPr>
+            <a:lvl4pPr marL="1600200" indent="-228600">
+              <a:defRPr>
+                <a:solidFill>
+                  <a:schemeClr val="tx1"/>
+                </a:solidFill>
+                <a:latin typeface="Calibri" panose="020F0502020204030204" pitchFamily="34" charset="0"/>
+              </a:defRPr>
+            </a:lvl4pPr>
+            <a:lvl5pPr marL="2057400" indent="-228600">
+              <a:defRPr>
+                <a:solidFill>
+                  <a:schemeClr val="tx1"/>
+                </a:solidFill>
+                <a:latin typeface="Calibri" panose="020F0502020204030204" pitchFamily="34" charset="0"/>
+              </a:defRPr>
+            </a:lvl5pPr>
+            <a:lvl6pPr marL="2514600" indent="-228600" eaLnBrk="0" fontAlgn="base" hangingPunct="0">
+              <a:spcBef>
+                <a:spcPct val="0"/>
+              </a:spcBef>
+              <a:spcAft>
+                <a:spcPct val="0"/>
+              </a:spcAft>
+              <a:defRPr>
+                <a:solidFill>
+                  <a:schemeClr val="tx1"/>
+                </a:solidFill>
+                <a:latin typeface="Calibri" panose="020F0502020204030204" pitchFamily="34" charset="0"/>
+              </a:defRPr>
+            </a:lvl6pPr>
+            <a:lvl7pPr marL="2971800" indent="-228600" eaLnBrk="0" fontAlgn="base" hangingPunct="0">
+              <a:spcBef>
+                <a:spcPct val="0"/>
+              </a:spcBef>
+              <a:spcAft>
+                <a:spcPct val="0"/>
+              </a:spcAft>
+              <a:defRPr>
+                <a:solidFill>
+                  <a:schemeClr val="tx1"/>
+                </a:solidFill>
+                <a:latin typeface="Calibri" panose="020F0502020204030204" pitchFamily="34" charset="0"/>
+              </a:defRPr>
+            </a:lvl7pPr>
+            <a:lvl8pPr marL="3429000" indent="-228600" eaLnBrk="0" fontAlgn="base" hangingPunct="0">
+              <a:spcBef>
+                <a:spcPct val="0"/>
+              </a:spcBef>
+              <a:spcAft>
+                <a:spcPct val="0"/>
+              </a:spcAft>
+              <a:defRPr>
+                <a:solidFill>
+                  <a:schemeClr val="tx1"/>
+                </a:solidFill>
+                <a:latin typeface="Calibri" panose="020F0502020204030204" pitchFamily="34" charset="0"/>
+              </a:defRPr>
+            </a:lvl8pPr>
+            <a:lvl9pPr marL="3886200" indent="-228600" eaLnBrk="0" fontAlgn="base" hangingPunct="0">
+              <a:spcBef>
+                <a:spcPct val="0"/>
+              </a:spcBef>
+              <a:spcAft>
+                <a:spcPct val="0"/>
+              </a:spcAft>
+              <a:defRPr>
+                <a:solidFill>
+                  <a:schemeClr val="tx1"/>
+                </a:solidFill>
+                <a:latin typeface="Calibri" panose="020F0502020204030204" pitchFamily="34" charset="0"/>
+              </a:defRPr>
+            </a:lvl9pPr>
+          </a:lstStyle>
+          <a:p>
+            <a:pPr algn="ctr" eaLnBrk="1" hangingPunct="1"/>
+            <a:r>
+              <a:rPr lang="en-US" altLang="en-US" sz="990" dirty="0">
+                <a:latin typeface="Arial" panose="020B0604020202020204" pitchFamily="34" charset="0"/>
+                <a:ea typeface="Amazon Ember" panose="020B0603020204020204" pitchFamily="34" charset="0"/>
+                <a:cs typeface="Arial" panose="020B0604020202020204" pitchFamily="34" charset="0"/>
+              </a:rPr>
+              <a:t>Internet gateway</a:t>
+            </a:r>
+          </a:p>
+        </p:txBody>
+      </p:sp>
+      <p:pic>
+        <p:nvPicPr>
+          <p:cNvPr id="118" name="Graphic 10">
+            <a:extLst>
+              <a:ext uri="{FF2B5EF4-FFF2-40B4-BE49-F238E27FC236}">
+                <a16:creationId xmlns:a16="http://schemas.microsoft.com/office/drawing/2014/main" id="{D7DFC4DA-4118-430D-BB7E-BAFFB66A1F7E}"/>
+              </a:ext>
+            </a:extLst>
+          </p:cNvPr>
+          <p:cNvPicPr>
+            <a:picLocks noChangeAspect="1" noChangeArrowheads="1"/>
+          </p:cNvPicPr>
+          <p:nvPr/>
+        </p:nvPicPr>
+        <p:blipFill>
+          <a:blip r:embed="rId19">
+            <a:extLst>
+              <a:ext uri="{28A0092B-C50C-407E-A947-70E740481C1C}">
+                <a14:useLocalDpi xmlns:a14="http://schemas.microsoft.com/office/drawing/2010/main" val="0"/>
+              </a:ext>
+            </a:extLst>
+          </a:blip>
+          <a:srcRect/>
+          <a:stretch>
+            <a:fillRect/>
+          </a:stretch>
+        </p:blipFill>
+        <p:spPr bwMode="auto">
+          <a:xfrm>
+            <a:off x="1388367" y="3067751"/>
+            <a:ext cx="411341" cy="411341"/>
+          </a:xfrm>
+          <a:prstGeom prst="rect">
+            <a:avLst/>
+          </a:prstGeom>
+          <a:noFill/>
+          <a:ln>
+            <a:noFill/>
+          </a:ln>
+          <a:extLst>
+            <a:ext uri="{909E8E84-426E-40DD-AFC4-6F175D3DCCD1}">
+              <a14:hiddenFill xmlns:a14="http://schemas.microsoft.com/office/drawing/2010/main">
+                <a:solidFill>
+                  <a:srgbClr val="FFFFFF"/>
+                </a:solidFill>
+              </a14:hiddenFill>
+            </a:ext>
+            <a:ext uri="{91240B29-F687-4F45-9708-019B960494DF}">
+              <a14:hiddenLine xmlns:a14="http://schemas.microsoft.com/office/drawing/2010/main" w="9525">
+                <a:solidFill>
+                  <a:srgbClr val="000000"/>
+                </a:solidFill>
+                <a:miter lim="800000"/>
+                <a:headEnd/>
+                <a:tailEnd/>
+              </a14:hiddenLine>
+            </a:ext>
+          </a:extLst>
+        </p:spPr>
+      </p:pic>
+      <p:sp>
+        <p:nvSpPr>
+          <p:cNvPr id="119" name="TextBox 17">
+            <a:extLst>
+              <a:ext uri="{FF2B5EF4-FFF2-40B4-BE49-F238E27FC236}">
+                <a16:creationId xmlns:a16="http://schemas.microsoft.com/office/drawing/2014/main" id="{65C7C115-2565-4A93-A582-98491151E1C3}"/>
+              </a:ext>
+            </a:extLst>
+          </p:cNvPr>
+          <p:cNvSpPr txBox="1">
+            <a:spLocks noChangeArrowheads="1"/>
+          </p:cNvSpPr>
+          <p:nvPr/>
+        </p:nvSpPr>
+        <p:spPr bwMode="auto">
+          <a:xfrm>
+            <a:off x="2704915" y="2882223"/>
+            <a:ext cx="1110914" cy="244682"/>
+          </a:xfrm>
+          <a:prstGeom prst="rect">
+            <a:avLst/>
+          </a:prstGeom>
+          <a:noFill/>
+          <a:ln>
+            <a:noFill/>
+          </a:ln>
+          <a:extLst>
+            <a:ext uri="{909E8E84-426E-40DD-AFC4-6F175D3DCCD1}">
+              <a14:hiddenFill xmlns:a14="http://schemas.microsoft.com/office/drawing/2010/main">
+                <a:solidFill>
+                  <a:srgbClr val="FFFFFF"/>
+                </a:solidFill>
+              </a14:hiddenFill>
+            </a:ext>
+            <a:ext uri="{91240B29-F687-4F45-9708-019B960494DF}">
+              <a14:hiddenLine xmlns:a14="http://schemas.microsoft.com/office/drawing/2010/main" w="9525">
+                <a:solidFill>
+                  <a:srgbClr val="000000"/>
+                </a:solidFill>
+                <a:miter lim="800000"/>
+                <a:headEnd/>
+                <a:tailEnd/>
+              </a14:hiddenLine>
+            </a:ext>
+          </a:extLst>
+        </p:spPr>
+        <p:txBody>
+          <a:bodyPr wrap="square">
+            <a:spAutoFit/>
+          </a:bodyPr>
+          <a:lstStyle>
+            <a:lvl1pPr>
+              <a:defRPr>
+                <a:solidFill>
+                  <a:schemeClr val="tx1"/>
+                </a:solidFill>
+                <a:latin typeface="Calibri" panose="020F0502020204030204" pitchFamily="34" charset="0"/>
+              </a:defRPr>
+            </a:lvl1pPr>
+            <a:lvl2pPr marL="742950" indent="-285750">
+              <a:defRPr>
+                <a:solidFill>
+                  <a:schemeClr val="tx1"/>
+                </a:solidFill>
+                <a:latin typeface="Calibri" panose="020F0502020204030204" pitchFamily="34" charset="0"/>
+              </a:defRPr>
+            </a:lvl2pPr>
+            <a:lvl3pPr marL="1143000" indent="-228600">
+              <a:defRPr>
+                <a:solidFill>
+                  <a:schemeClr val="tx1"/>
+                </a:solidFill>
+                <a:latin typeface="Calibri" panose="020F0502020204030204" pitchFamily="34" charset="0"/>
+              </a:defRPr>
+            </a:lvl3pPr>
+            <a:lvl4pPr marL="1600200" indent="-228600">
+              <a:defRPr>
+                <a:solidFill>
+                  <a:schemeClr val="tx1"/>
+                </a:solidFill>
+                <a:latin typeface="Calibri" panose="020F0502020204030204" pitchFamily="34" charset="0"/>
+              </a:defRPr>
+            </a:lvl4pPr>
+            <a:lvl5pPr marL="2057400" indent="-228600">
+              <a:defRPr>
+                <a:solidFill>
+                  <a:schemeClr val="tx1"/>
+                </a:solidFill>
+                <a:latin typeface="Calibri" panose="020F0502020204030204" pitchFamily="34" charset="0"/>
+              </a:defRPr>
+            </a:lvl5pPr>
+            <a:lvl6pPr marL="2514600" indent="-228600" eaLnBrk="0" fontAlgn="base" hangingPunct="0">
+              <a:spcBef>
+                <a:spcPct val="0"/>
+              </a:spcBef>
+              <a:spcAft>
+                <a:spcPct val="0"/>
+              </a:spcAft>
+              <a:defRPr>
+                <a:solidFill>
+                  <a:schemeClr val="tx1"/>
+                </a:solidFill>
+                <a:latin typeface="Calibri" panose="020F0502020204030204" pitchFamily="34" charset="0"/>
+              </a:defRPr>
+            </a:lvl6pPr>
+            <a:lvl7pPr marL="2971800" indent="-228600" eaLnBrk="0" fontAlgn="base" hangingPunct="0">
+              <a:spcBef>
+                <a:spcPct val="0"/>
+              </a:spcBef>
+              <a:spcAft>
+                <a:spcPct val="0"/>
+              </a:spcAft>
+              <a:defRPr>
+                <a:solidFill>
+                  <a:schemeClr val="tx1"/>
+                </a:solidFill>
+                <a:latin typeface="Calibri" panose="020F0502020204030204" pitchFamily="34" charset="0"/>
+              </a:defRPr>
+            </a:lvl7pPr>
+            <a:lvl8pPr marL="3429000" indent="-228600" eaLnBrk="0" fontAlgn="base" hangingPunct="0">
+              <a:spcBef>
+                <a:spcPct val="0"/>
+              </a:spcBef>
+              <a:spcAft>
+                <a:spcPct val="0"/>
+              </a:spcAft>
+              <a:defRPr>
+                <a:solidFill>
+                  <a:schemeClr val="tx1"/>
+                </a:solidFill>
+                <a:latin typeface="Calibri" panose="020F0502020204030204" pitchFamily="34" charset="0"/>
+              </a:defRPr>
+            </a:lvl8pPr>
+            <a:lvl9pPr marL="3886200" indent="-228600" eaLnBrk="0" fontAlgn="base" hangingPunct="0">
+              <a:spcBef>
+                <a:spcPct val="0"/>
+              </a:spcBef>
+              <a:spcAft>
+                <a:spcPct val="0"/>
+              </a:spcAft>
+              <a:defRPr>
+                <a:solidFill>
+                  <a:schemeClr val="tx1"/>
+                </a:solidFill>
+                <a:latin typeface="Calibri" panose="020F0502020204030204" pitchFamily="34" charset="0"/>
+              </a:defRPr>
+            </a:lvl9pPr>
+          </a:lstStyle>
+          <a:p>
+            <a:pPr algn="ctr" eaLnBrk="1" hangingPunct="1"/>
+            <a:r>
+              <a:rPr lang="en-US" altLang="en-US" sz="990" dirty="0">
+                <a:latin typeface="Arial" panose="020B0604020202020204" pitchFamily="34" charset="0"/>
+                <a:ea typeface="Amazon Ember" panose="020B0603020204020204" pitchFamily="34" charset="0"/>
+                <a:cs typeface="Arial" panose="020B0604020202020204" pitchFamily="34" charset="0"/>
+              </a:rPr>
+              <a:t>NAT gateway</a:t>
+            </a:r>
+          </a:p>
+        </p:txBody>
+      </p:sp>
+      <p:pic>
+        <p:nvPicPr>
+          <p:cNvPr id="120" name="Graphic 35">
+            <a:extLst>
+              <a:ext uri="{FF2B5EF4-FFF2-40B4-BE49-F238E27FC236}">
+                <a16:creationId xmlns:a16="http://schemas.microsoft.com/office/drawing/2014/main" id="{35707F03-66A1-464C-BB5E-105968A1C62C}"/>
+              </a:ext>
+            </a:extLst>
+          </p:cNvPr>
+          <p:cNvPicPr>
+            <a:picLocks noChangeAspect="1" noChangeArrowheads="1"/>
+          </p:cNvPicPr>
+          <p:nvPr/>
+        </p:nvPicPr>
+        <p:blipFill>
+          <a:blip r:embed="rId20">
+            <a:extLst>
+              <a:ext uri="{28A0092B-C50C-407E-A947-70E740481C1C}">
+                <a14:useLocalDpi xmlns:a14="http://schemas.microsoft.com/office/drawing/2010/main" val="0"/>
+              </a:ext>
+            </a:extLst>
+          </a:blip>
+          <a:srcRect/>
+          <a:stretch>
+            <a:fillRect/>
+          </a:stretch>
+        </p:blipFill>
+        <p:spPr bwMode="auto">
+          <a:xfrm>
+            <a:off x="3061425" y="2469454"/>
+            <a:ext cx="411341" cy="411341"/>
+          </a:xfrm>
+          <a:prstGeom prst="rect">
+            <a:avLst/>
+          </a:prstGeom>
+          <a:noFill/>
+          <a:ln>
+            <a:noFill/>
+          </a:ln>
+          <a:extLst>
+            <a:ext uri="{909E8E84-426E-40DD-AFC4-6F175D3DCCD1}">
+              <a14:hiddenFill xmlns:a14="http://schemas.microsoft.com/office/drawing/2010/main">
+                <a:solidFill>
+                  <a:srgbClr val="FFFFFF"/>
+                </a:solidFill>
+              </a14:hiddenFill>
+            </a:ext>
+            <a:ext uri="{91240B29-F687-4F45-9708-019B960494DF}">
+              <a14:hiddenLine xmlns:a14="http://schemas.microsoft.com/office/drawing/2010/main" w="9525">
+                <a:solidFill>
+                  <a:srgbClr val="000000"/>
+                </a:solidFill>
+                <a:miter lim="800000"/>
+                <a:headEnd/>
+                <a:tailEnd/>
+              </a14:hiddenLine>
+            </a:ext>
+          </a:extLst>
+        </p:spPr>
+      </p:pic>
+      <p:sp>
+        <p:nvSpPr>
+          <p:cNvPr id="56" name="Rectangle 55">
+            <a:extLst>
+              <a:ext uri="{FF2B5EF4-FFF2-40B4-BE49-F238E27FC236}">
+                <a16:creationId xmlns:a16="http://schemas.microsoft.com/office/drawing/2014/main" id="{8642105C-D5A8-489F-B804-4FE78DAF196A}"/>
               </a:ext>
             </a:extLst>
           </p:cNvPr>
@@ -4287,8 +5771,8 @@
         </p:nvSpPr>
         <p:spPr>
           <a:xfrm>
-            <a:off x="4579768" y="3645866"/>
-            <a:ext cx="1502583" cy="1287903"/>
+            <a:off x="1591480" y="707769"/>
+            <a:ext cx="7120419" cy="6090962"/>
           </a:xfrm>
           <a:prstGeom prst="rect">
             <a:avLst/>
@@ -4296,9 +5780,8 @@
           <a:noFill/>
           <a:ln w="12700">
             <a:solidFill>
-              <a:srgbClr val="D86613"/>
+              <a:srgbClr val="1E8900"/>
             </a:solidFill>
-            <a:prstDash val="dash"/>
           </a:ln>
         </p:spPr>
         <p:style>
@@ -4318,55 +5801,32 @@
           </a:fontRef>
         </p:style>
         <p:txBody>
-          <a:bodyPr tIns="82268"/>
+          <a:bodyPr lIns="452476" tIns="82268"/>
           <a:lstStyle/>
           <a:p>
-            <a:pPr algn="ctr">
+            <a:pPr>
               <a:defRPr/>
             </a:pPr>
-            <a:endParaRPr lang="en-US" sz="1080" dirty="0">
-              <a:solidFill>
-                <a:srgbClr val="D86613"/>
-              </a:solidFill>
-              <a:latin typeface="Arial" panose="020B0604020202020204" pitchFamily="34" charset="0"/>
-              <a:cs typeface="Arial" panose="020B0604020202020204" pitchFamily="34" charset="0"/>
-            </a:endParaRPr>
-          </a:p>
-          <a:p>
-            <a:pPr algn="ctr">
-              <a:defRPr/>
-            </a:pPr>
-            <a:endParaRPr lang="en-US" sz="1080" dirty="0">
-              <a:solidFill>
-                <a:srgbClr val="D86613"/>
-              </a:solidFill>
-              <a:latin typeface="Arial" panose="020B0604020202020204" pitchFamily="34" charset="0"/>
-              <a:cs typeface="Arial" panose="020B0604020202020204" pitchFamily="34" charset="0"/>
-            </a:endParaRPr>
-          </a:p>
-          <a:p>
-            <a:pPr algn="ctr">
-              <a:defRPr/>
-            </a:pPr>
             <a:r>
               <a:rPr lang="en-US" sz="1080" dirty="0">
-                <a:solidFill>
-                  <a:srgbClr val="D86613"/>
+                <a:ln w="0"/>
+                <a:solidFill>
+                  <a:srgbClr val="1E8900"/>
                 </a:solidFill>
                 <a:latin typeface="Arial" panose="020B0604020202020204" pitchFamily="34" charset="0"/>
                 <a:cs typeface="Arial" panose="020B0604020202020204" pitchFamily="34" charset="0"/>
               </a:rPr>
-              <a:t>Auto Scaling group</a:t>
+              <a:t>VPC</a:t>
             </a:r>
           </a:p>
         </p:txBody>
       </p:sp>
       <p:pic>
         <p:nvPicPr>
-          <p:cNvPr id="34" name="Graphic 33">
+          <p:cNvPr id="57" name="Graphic 56">
             <a:extLst>
               <a:ext uri="{FF2B5EF4-FFF2-40B4-BE49-F238E27FC236}">
-                <a16:creationId xmlns:a16="http://schemas.microsoft.com/office/drawing/2014/main" id="{CC2C0C27-9783-472D-A0F9-E1CBAC24D658}"/>
+                <a16:creationId xmlns:a16="http://schemas.microsoft.com/office/drawing/2014/main" id="{AC3E97D7-A22E-4A46-A241-36201F3F9EA2}"/>
               </a:ext>
             </a:extLst>
           </p:cNvPr>
@@ -4376,10 +5836,10 @@
           <p:nvPr/>
         </p:nvPicPr>
         <p:blipFill>
-          <a:blip r:embed="rId11">
+          <a:blip r:embed="rId21">
             <a:extLst>
               <a:ext uri="{96DAC541-7B7A-43D3-8B79-37D633B846F1}">
-                <asvg:svgBlip xmlns:asvg="http://schemas.microsoft.com/office/drawing/2016/SVG/main" r:embed="rId12"/>
+                <asvg:svgBlip xmlns:asvg="http://schemas.microsoft.com/office/drawing/2016/SVG/main" r:embed="rId22"/>
               </a:ext>
             </a:extLst>
           </a:blip>
@@ -4389,7 +5849,7 @@
         </p:blipFill>
         <p:spPr>
           <a:xfrm>
-            <a:off x="5147558" y="3656613"/>
+            <a:off x="1600060" y="713436"/>
             <a:ext cx="342785" cy="342785"/>
           </a:xfrm>
           <a:prstGeom prst="rect">
@@ -4397,1741 +5857,12 @@
           </a:prstGeom>
         </p:spPr>
       </p:pic>
-      <p:pic>
-        <p:nvPicPr>
-          <p:cNvPr id="35" name="Graphic 62">
+      <p:sp>
+        <p:nvSpPr>
+          <p:cNvPr id="58" name="Rectangle 57">
             <a:extLst>
               <a:ext uri="{FF2B5EF4-FFF2-40B4-BE49-F238E27FC236}">
-                <a16:creationId xmlns:a16="http://schemas.microsoft.com/office/drawing/2014/main" id="{5EE6F851-2943-4D30-A764-3CB2AF6E7461}"/>
-              </a:ext>
-            </a:extLst>
-          </p:cNvPr>
-          <p:cNvPicPr>
-            <a:picLocks noChangeAspect="1" noChangeArrowheads="1"/>
-          </p:cNvPicPr>
-          <p:nvPr/>
-        </p:nvPicPr>
-        <p:blipFill>
-          <a:blip r:embed="rId13">
-            <a:extLst>
-              <a:ext uri="{28A0092B-C50C-407E-A947-70E740481C1C}">
-                <a14:useLocalDpi xmlns:a14="http://schemas.microsoft.com/office/drawing/2010/main" val="0"/>
-              </a:ext>
-            </a:extLst>
-          </a:blip>
-          <a:srcRect/>
-          <a:stretch>
-            <a:fillRect/>
-          </a:stretch>
-        </p:blipFill>
-        <p:spPr bwMode="auto">
-          <a:xfrm>
-            <a:off x="5132661" y="4288224"/>
-            <a:ext cx="411341" cy="411341"/>
-          </a:xfrm>
-          <a:prstGeom prst="rect">
-            <a:avLst/>
-          </a:prstGeom>
-          <a:noFill/>
-          <a:ln>
-            <a:noFill/>
-          </a:ln>
-          <a:extLst>
-            <a:ext uri="{909E8E84-426E-40DD-AFC4-6F175D3DCCD1}">
-              <a14:hiddenFill xmlns:a14="http://schemas.microsoft.com/office/drawing/2010/main">
-                <a:solidFill>
-                  <a:srgbClr val="FFFFFF"/>
-                </a:solidFill>
-              </a14:hiddenFill>
-            </a:ext>
-            <a:ext uri="{91240B29-F687-4F45-9708-019B960494DF}">
-              <a14:hiddenLine xmlns:a14="http://schemas.microsoft.com/office/drawing/2010/main" w="9525">
-                <a:solidFill>
-                  <a:srgbClr val="000000"/>
-                </a:solidFill>
-                <a:miter lim="800000"/>
-                <a:headEnd/>
-                <a:tailEnd/>
-              </a14:hiddenLine>
-            </a:ext>
-          </a:extLst>
-        </p:spPr>
-      </p:pic>
-      <p:sp>
-        <p:nvSpPr>
-          <p:cNvPr id="36" name="TextBox 16">
-            <a:extLst>
-              <a:ext uri="{FF2B5EF4-FFF2-40B4-BE49-F238E27FC236}">
-                <a16:creationId xmlns:a16="http://schemas.microsoft.com/office/drawing/2014/main" id="{D9E906EC-153E-4B97-ABF6-EE10E8906370}"/>
-              </a:ext>
-            </a:extLst>
-          </p:cNvPr>
-          <p:cNvSpPr txBox="1">
-            <a:spLocks noChangeArrowheads="1"/>
-          </p:cNvSpPr>
-          <p:nvPr/>
-        </p:nvSpPr>
-        <p:spPr bwMode="auto">
-          <a:xfrm>
-            <a:off x="4832536" y="4694657"/>
-            <a:ext cx="1003672" cy="244682"/>
-          </a:xfrm>
-          <a:prstGeom prst="rect">
-            <a:avLst/>
-          </a:prstGeom>
-          <a:noFill/>
-          <a:ln>
-            <a:noFill/>
-          </a:ln>
-          <a:extLst>
-            <a:ext uri="{909E8E84-426E-40DD-AFC4-6F175D3DCCD1}">
-              <a14:hiddenFill xmlns:a14="http://schemas.microsoft.com/office/drawing/2010/main">
-                <a:solidFill>
-                  <a:srgbClr val="FFFFFF"/>
-                </a:solidFill>
-              </a14:hiddenFill>
-            </a:ext>
-            <a:ext uri="{91240B29-F687-4F45-9708-019B960494DF}">
-              <a14:hiddenLine xmlns:a14="http://schemas.microsoft.com/office/drawing/2010/main" w="9525">
-                <a:solidFill>
-                  <a:srgbClr val="000000"/>
-                </a:solidFill>
-                <a:miter lim="800000"/>
-                <a:headEnd/>
-                <a:tailEnd/>
-              </a14:hiddenLine>
-            </a:ext>
-          </a:extLst>
-        </p:spPr>
-        <p:txBody>
-          <a:bodyPr wrap="square" lIns="0" rIns="0">
-            <a:spAutoFit/>
-          </a:bodyPr>
-          <a:lstStyle>
-            <a:lvl1pPr>
-              <a:defRPr>
-                <a:solidFill>
-                  <a:schemeClr val="tx1"/>
-                </a:solidFill>
-                <a:latin typeface="Calibri" panose="020F0502020204030204" pitchFamily="34" charset="0"/>
-              </a:defRPr>
-            </a:lvl1pPr>
-            <a:lvl2pPr marL="742950" indent="-285750">
-              <a:defRPr>
-                <a:solidFill>
-                  <a:schemeClr val="tx1"/>
-                </a:solidFill>
-                <a:latin typeface="Calibri" panose="020F0502020204030204" pitchFamily="34" charset="0"/>
-              </a:defRPr>
-            </a:lvl2pPr>
-            <a:lvl3pPr marL="1143000" indent="-228600">
-              <a:defRPr>
-                <a:solidFill>
-                  <a:schemeClr val="tx1"/>
-                </a:solidFill>
-                <a:latin typeface="Calibri" panose="020F0502020204030204" pitchFamily="34" charset="0"/>
-              </a:defRPr>
-            </a:lvl3pPr>
-            <a:lvl4pPr marL="1600200" indent="-228600">
-              <a:defRPr>
-                <a:solidFill>
-                  <a:schemeClr val="tx1"/>
-                </a:solidFill>
-                <a:latin typeface="Calibri" panose="020F0502020204030204" pitchFamily="34" charset="0"/>
-              </a:defRPr>
-            </a:lvl4pPr>
-            <a:lvl5pPr marL="2057400" indent="-228600">
-              <a:defRPr>
-                <a:solidFill>
-                  <a:schemeClr val="tx1"/>
-                </a:solidFill>
-                <a:latin typeface="Calibri" panose="020F0502020204030204" pitchFamily="34" charset="0"/>
-              </a:defRPr>
-            </a:lvl5pPr>
-            <a:lvl6pPr marL="2514600" indent="-228600" eaLnBrk="0" fontAlgn="base" hangingPunct="0">
-              <a:spcBef>
-                <a:spcPct val="0"/>
-              </a:spcBef>
-              <a:spcAft>
-                <a:spcPct val="0"/>
-              </a:spcAft>
-              <a:defRPr>
-                <a:solidFill>
-                  <a:schemeClr val="tx1"/>
-                </a:solidFill>
-                <a:latin typeface="Calibri" panose="020F0502020204030204" pitchFamily="34" charset="0"/>
-              </a:defRPr>
-            </a:lvl6pPr>
-            <a:lvl7pPr marL="2971800" indent="-228600" eaLnBrk="0" fontAlgn="base" hangingPunct="0">
-              <a:spcBef>
-                <a:spcPct val="0"/>
-              </a:spcBef>
-              <a:spcAft>
-                <a:spcPct val="0"/>
-              </a:spcAft>
-              <a:defRPr>
-                <a:solidFill>
-                  <a:schemeClr val="tx1"/>
-                </a:solidFill>
-                <a:latin typeface="Calibri" panose="020F0502020204030204" pitchFamily="34" charset="0"/>
-              </a:defRPr>
-            </a:lvl7pPr>
-            <a:lvl8pPr marL="3429000" indent="-228600" eaLnBrk="0" fontAlgn="base" hangingPunct="0">
-              <a:spcBef>
-                <a:spcPct val="0"/>
-              </a:spcBef>
-              <a:spcAft>
-                <a:spcPct val="0"/>
-              </a:spcAft>
-              <a:defRPr>
-                <a:solidFill>
-                  <a:schemeClr val="tx1"/>
-                </a:solidFill>
-                <a:latin typeface="Calibri" panose="020F0502020204030204" pitchFamily="34" charset="0"/>
-              </a:defRPr>
-            </a:lvl8pPr>
-            <a:lvl9pPr marL="3886200" indent="-228600" eaLnBrk="0" fontAlgn="base" hangingPunct="0">
-              <a:spcBef>
-                <a:spcPct val="0"/>
-              </a:spcBef>
-              <a:spcAft>
-                <a:spcPct val="0"/>
-              </a:spcAft>
-              <a:defRPr>
-                <a:solidFill>
-                  <a:schemeClr val="tx1"/>
-                </a:solidFill>
-                <a:latin typeface="Calibri" panose="020F0502020204030204" pitchFamily="34" charset="0"/>
-              </a:defRPr>
-            </a:lvl9pPr>
-          </a:lstStyle>
-          <a:p>
-            <a:pPr algn="ctr" eaLnBrk="1" hangingPunct="1"/>
-            <a:r>
-              <a:rPr lang="en-US" altLang="en-US" sz="990" dirty="0">
-                <a:latin typeface="Arial" panose="020B0604020202020204" pitchFamily="34" charset="0"/>
-                <a:ea typeface="Amazon Ember" panose="020B0603020204020204" pitchFamily="34" charset="0"/>
-                <a:cs typeface="Arial" panose="020B0604020202020204" pitchFamily="34" charset="0"/>
-              </a:rPr>
-              <a:t>Execution nodes</a:t>
-            </a:r>
-          </a:p>
-        </p:txBody>
-      </p:sp>
-      <p:pic>
-        <p:nvPicPr>
-          <p:cNvPr id="59" name="Graphic 8">
-            <a:extLst>
-              <a:ext uri="{FF2B5EF4-FFF2-40B4-BE49-F238E27FC236}">
-                <a16:creationId xmlns:a16="http://schemas.microsoft.com/office/drawing/2014/main" id="{DB9157F0-3A9F-49CE-812A-888D5B96D27A}"/>
-              </a:ext>
-            </a:extLst>
-          </p:cNvPr>
-          <p:cNvPicPr>
-            <a:picLocks noChangeAspect="1" noChangeArrowheads="1"/>
-          </p:cNvPicPr>
-          <p:nvPr/>
-        </p:nvPicPr>
-        <p:blipFill>
-          <a:blip r:embed="rId14">
-            <a:extLst>
-              <a:ext uri="{28A0092B-C50C-407E-A947-70E740481C1C}">
-                <a14:useLocalDpi xmlns:a14="http://schemas.microsoft.com/office/drawing/2010/main" val="0"/>
-              </a:ext>
-            </a:extLst>
-          </a:blip>
-          <a:srcRect/>
-          <a:stretch>
-            <a:fillRect/>
-          </a:stretch>
-        </p:blipFill>
-        <p:spPr bwMode="auto">
-          <a:xfrm>
-            <a:off x="8762404" y="719105"/>
-            <a:ext cx="331449" cy="331449"/>
-          </a:xfrm>
-          <a:prstGeom prst="rect">
-            <a:avLst/>
-          </a:prstGeom>
-          <a:noFill/>
-          <a:ln>
-            <a:noFill/>
-          </a:ln>
-          <a:extLst>
-            <a:ext uri="{909E8E84-426E-40DD-AFC4-6F175D3DCCD1}">
-              <a14:hiddenFill xmlns:a14="http://schemas.microsoft.com/office/drawing/2010/main">
-                <a:solidFill>
-                  <a:srgbClr val="FFFFFF"/>
-                </a:solidFill>
-              </a14:hiddenFill>
-            </a:ext>
-            <a:ext uri="{91240B29-F687-4F45-9708-019B960494DF}">
-              <a14:hiddenLine xmlns:a14="http://schemas.microsoft.com/office/drawing/2010/main" w="9525">
-                <a:solidFill>
-                  <a:srgbClr val="000000"/>
-                </a:solidFill>
-                <a:miter lim="800000"/>
-                <a:headEnd/>
-                <a:tailEnd/>
-              </a14:hiddenLine>
-            </a:ext>
-          </a:extLst>
-        </p:spPr>
-      </p:pic>
-      <p:sp>
-        <p:nvSpPr>
-          <p:cNvPr id="61" name="TextBox 21">
-            <a:extLst>
-              <a:ext uri="{FF2B5EF4-FFF2-40B4-BE49-F238E27FC236}">
-                <a16:creationId xmlns:a16="http://schemas.microsoft.com/office/drawing/2014/main" id="{7F8742B6-CE80-4C58-B3FA-B2A6E5D3FE2B}"/>
-              </a:ext>
-            </a:extLst>
-          </p:cNvPr>
-          <p:cNvSpPr txBox="1">
-            <a:spLocks noChangeArrowheads="1"/>
-          </p:cNvSpPr>
-          <p:nvPr/>
-        </p:nvSpPr>
-        <p:spPr bwMode="auto">
-          <a:xfrm>
-            <a:off x="8935382" y="2653749"/>
-            <a:ext cx="1321655" cy="244682"/>
-          </a:xfrm>
-          <a:prstGeom prst="rect">
-            <a:avLst/>
-          </a:prstGeom>
-          <a:noFill/>
-          <a:ln>
-            <a:noFill/>
-          </a:ln>
-          <a:extLst>
-            <a:ext uri="{909E8E84-426E-40DD-AFC4-6F175D3DCCD1}">
-              <a14:hiddenFill xmlns:a14="http://schemas.microsoft.com/office/drawing/2010/main">
-                <a:solidFill>
-                  <a:srgbClr val="FFFFFF"/>
-                </a:solidFill>
-              </a14:hiddenFill>
-            </a:ext>
-            <a:ext uri="{91240B29-F687-4F45-9708-019B960494DF}">
-              <a14:hiddenLine xmlns:a14="http://schemas.microsoft.com/office/drawing/2010/main" w="9525">
-                <a:solidFill>
-                  <a:srgbClr val="000000"/>
-                </a:solidFill>
-                <a:miter lim="800000"/>
-                <a:headEnd/>
-                <a:tailEnd/>
-              </a14:hiddenLine>
-            </a:ext>
-          </a:extLst>
-        </p:spPr>
-        <p:txBody>
-          <a:bodyPr wrap="square">
-            <a:spAutoFit/>
-          </a:bodyPr>
-          <a:lstStyle>
-            <a:lvl1pPr>
-              <a:defRPr>
-                <a:solidFill>
-                  <a:schemeClr val="tx1"/>
-                </a:solidFill>
-                <a:latin typeface="Calibri" panose="020F0502020204030204" pitchFamily="34" charset="0"/>
-              </a:defRPr>
-            </a:lvl1pPr>
-            <a:lvl2pPr marL="742950" indent="-285750">
-              <a:defRPr>
-                <a:solidFill>
-                  <a:schemeClr val="tx1"/>
-                </a:solidFill>
-                <a:latin typeface="Calibri" panose="020F0502020204030204" pitchFamily="34" charset="0"/>
-              </a:defRPr>
-            </a:lvl2pPr>
-            <a:lvl3pPr marL="1143000" indent="-228600">
-              <a:defRPr>
-                <a:solidFill>
-                  <a:schemeClr val="tx1"/>
-                </a:solidFill>
-                <a:latin typeface="Calibri" panose="020F0502020204030204" pitchFamily="34" charset="0"/>
-              </a:defRPr>
-            </a:lvl3pPr>
-            <a:lvl4pPr marL="1600200" indent="-228600">
-              <a:defRPr>
-                <a:solidFill>
-                  <a:schemeClr val="tx1"/>
-                </a:solidFill>
-                <a:latin typeface="Calibri" panose="020F0502020204030204" pitchFamily="34" charset="0"/>
-              </a:defRPr>
-            </a:lvl4pPr>
-            <a:lvl5pPr marL="2057400" indent="-228600">
-              <a:defRPr>
-                <a:solidFill>
-                  <a:schemeClr val="tx1"/>
-                </a:solidFill>
-                <a:latin typeface="Calibri" panose="020F0502020204030204" pitchFamily="34" charset="0"/>
-              </a:defRPr>
-            </a:lvl5pPr>
-            <a:lvl6pPr marL="2514600" indent="-228600" eaLnBrk="0" fontAlgn="base" hangingPunct="0">
-              <a:spcBef>
-                <a:spcPct val="0"/>
-              </a:spcBef>
-              <a:spcAft>
-                <a:spcPct val="0"/>
-              </a:spcAft>
-              <a:defRPr>
-                <a:solidFill>
-                  <a:schemeClr val="tx1"/>
-                </a:solidFill>
-                <a:latin typeface="Calibri" panose="020F0502020204030204" pitchFamily="34" charset="0"/>
-              </a:defRPr>
-            </a:lvl6pPr>
-            <a:lvl7pPr marL="2971800" indent="-228600" eaLnBrk="0" fontAlgn="base" hangingPunct="0">
-              <a:spcBef>
-                <a:spcPct val="0"/>
-              </a:spcBef>
-              <a:spcAft>
-                <a:spcPct val="0"/>
-              </a:spcAft>
-              <a:defRPr>
-                <a:solidFill>
-                  <a:schemeClr val="tx1"/>
-                </a:solidFill>
-                <a:latin typeface="Calibri" panose="020F0502020204030204" pitchFamily="34" charset="0"/>
-              </a:defRPr>
-            </a:lvl7pPr>
-            <a:lvl8pPr marL="3429000" indent="-228600" eaLnBrk="0" fontAlgn="base" hangingPunct="0">
-              <a:spcBef>
-                <a:spcPct val="0"/>
-              </a:spcBef>
-              <a:spcAft>
-                <a:spcPct val="0"/>
-              </a:spcAft>
-              <a:defRPr>
-                <a:solidFill>
-                  <a:schemeClr val="tx1"/>
-                </a:solidFill>
-                <a:latin typeface="Calibri" panose="020F0502020204030204" pitchFamily="34" charset="0"/>
-              </a:defRPr>
-            </a:lvl8pPr>
-            <a:lvl9pPr marL="3886200" indent="-228600" eaLnBrk="0" fontAlgn="base" hangingPunct="0">
-              <a:spcBef>
-                <a:spcPct val="0"/>
-              </a:spcBef>
-              <a:spcAft>
-                <a:spcPct val="0"/>
-              </a:spcAft>
-              <a:defRPr>
-                <a:solidFill>
-                  <a:schemeClr val="tx1"/>
-                </a:solidFill>
-                <a:latin typeface="Calibri" panose="020F0502020204030204" pitchFamily="34" charset="0"/>
-              </a:defRPr>
-            </a:lvl9pPr>
-          </a:lstStyle>
-          <a:p>
-            <a:pPr algn="ctr" eaLnBrk="1" hangingPunct="1"/>
-            <a:r>
-              <a:rPr lang="en-US" altLang="en-US" sz="990" dirty="0">
-                <a:latin typeface="Arial" panose="020B0604020202020204" pitchFamily="34" charset="0"/>
-                <a:ea typeface="Amazon Ember" panose="020B0603020204020204" pitchFamily="34" charset="0"/>
-                <a:cs typeface="Arial" panose="020B0604020202020204" pitchFamily="34" charset="0"/>
-              </a:rPr>
-              <a:t>Projects and results</a:t>
-            </a:r>
-          </a:p>
-        </p:txBody>
-      </p:sp>
-      <p:pic>
-        <p:nvPicPr>
-          <p:cNvPr id="62" name="Graphic 14">
-            <a:extLst>
-              <a:ext uri="{FF2B5EF4-FFF2-40B4-BE49-F238E27FC236}">
-                <a16:creationId xmlns:a16="http://schemas.microsoft.com/office/drawing/2014/main" id="{078B8071-E7C3-44CF-940E-4C17952692FC}"/>
-              </a:ext>
-            </a:extLst>
-          </p:cNvPr>
-          <p:cNvPicPr>
-            <a:picLocks noChangeAspect="1" noChangeArrowheads="1"/>
-          </p:cNvPicPr>
-          <p:nvPr/>
-        </p:nvPicPr>
-        <p:blipFill>
-          <a:blip r:embed="rId15">
-            <a:extLst>
-              <a:ext uri="{28A0092B-C50C-407E-A947-70E740481C1C}">
-                <a14:useLocalDpi xmlns:a14="http://schemas.microsoft.com/office/drawing/2010/main" val="0"/>
-              </a:ext>
-            </a:extLst>
-          </a:blip>
-          <a:srcRect/>
-          <a:stretch>
-            <a:fillRect/>
-          </a:stretch>
-        </p:blipFill>
-        <p:spPr bwMode="auto">
-          <a:xfrm>
-            <a:off x="9350696" y="2212881"/>
-            <a:ext cx="411341" cy="411341"/>
-          </a:xfrm>
-          <a:prstGeom prst="rect">
-            <a:avLst/>
-          </a:prstGeom>
-          <a:noFill/>
-          <a:ln>
-            <a:noFill/>
-          </a:ln>
-          <a:extLst>
-            <a:ext uri="{909E8E84-426E-40DD-AFC4-6F175D3DCCD1}">
-              <a14:hiddenFill xmlns:a14="http://schemas.microsoft.com/office/drawing/2010/main">
-                <a:solidFill>
-                  <a:srgbClr val="FFFFFF"/>
-                </a:solidFill>
-              </a14:hiddenFill>
-            </a:ext>
-            <a:ext uri="{91240B29-F687-4F45-9708-019B960494DF}">
-              <a14:hiddenLine xmlns:a14="http://schemas.microsoft.com/office/drawing/2010/main" w="9525">
-                <a:solidFill>
-                  <a:srgbClr val="000000"/>
-                </a:solidFill>
-                <a:miter lim="800000"/>
-                <a:headEnd/>
-                <a:tailEnd/>
-              </a14:hiddenLine>
-            </a:ext>
-          </a:extLst>
-        </p:spPr>
-      </p:pic>
-      <p:pic>
-        <p:nvPicPr>
-          <p:cNvPr id="77" name="Graphic 60">
-            <a:extLst>
-              <a:ext uri="{FF2B5EF4-FFF2-40B4-BE49-F238E27FC236}">
-                <a16:creationId xmlns:a16="http://schemas.microsoft.com/office/drawing/2014/main" id="{59681B7A-2232-4968-BA3F-260536F4EF77}"/>
-              </a:ext>
-            </a:extLst>
-          </p:cNvPr>
-          <p:cNvPicPr>
-            <a:picLocks noChangeAspect="1" noChangeArrowheads="1"/>
-          </p:cNvPicPr>
-          <p:nvPr/>
-        </p:nvPicPr>
-        <p:blipFill>
-          <a:blip r:embed="rId16">
-            <a:extLst>
-              <a:ext uri="{28A0092B-C50C-407E-A947-70E740481C1C}">
-                <a14:useLocalDpi xmlns:a14="http://schemas.microsoft.com/office/drawing/2010/main" val="0"/>
-              </a:ext>
-            </a:extLst>
-          </a:blip>
-          <a:srcRect/>
-          <a:stretch>
-            <a:fillRect/>
-          </a:stretch>
-        </p:blipFill>
-        <p:spPr bwMode="auto">
-          <a:xfrm>
-            <a:off x="5102395" y="5377513"/>
-            <a:ext cx="411341" cy="411341"/>
-          </a:xfrm>
-          <a:prstGeom prst="rect">
-            <a:avLst/>
-          </a:prstGeom>
-          <a:noFill/>
-          <a:ln>
-            <a:noFill/>
-          </a:ln>
-          <a:extLst>
-            <a:ext uri="{909E8E84-426E-40DD-AFC4-6F175D3DCCD1}">
-              <a14:hiddenFill xmlns:a14="http://schemas.microsoft.com/office/drawing/2010/main">
-                <a:solidFill>
-                  <a:srgbClr val="FFFFFF"/>
-                </a:solidFill>
-              </a14:hiddenFill>
-            </a:ext>
-            <a:ext uri="{91240B29-F687-4F45-9708-019B960494DF}">
-              <a14:hiddenLine xmlns:a14="http://schemas.microsoft.com/office/drawing/2010/main" w="9525">
-                <a:solidFill>
-                  <a:srgbClr val="000000"/>
-                </a:solidFill>
-                <a:miter lim="800000"/>
-                <a:headEnd/>
-                <a:tailEnd/>
-              </a14:hiddenLine>
-            </a:ext>
-          </a:extLst>
-        </p:spPr>
-      </p:pic>
-      <p:sp>
-        <p:nvSpPr>
-          <p:cNvPr id="78" name="TextBox 16">
-            <a:extLst>
-              <a:ext uri="{FF2B5EF4-FFF2-40B4-BE49-F238E27FC236}">
-                <a16:creationId xmlns:a16="http://schemas.microsoft.com/office/drawing/2014/main" id="{9080ECC6-14D2-4763-8511-F6B6566CD6D9}"/>
-              </a:ext>
-            </a:extLst>
-          </p:cNvPr>
-          <p:cNvSpPr txBox="1">
-            <a:spLocks noChangeArrowheads="1"/>
-          </p:cNvSpPr>
-          <p:nvPr/>
-        </p:nvSpPr>
-        <p:spPr bwMode="auto">
-          <a:xfrm>
-            <a:off x="4769485" y="5786802"/>
-            <a:ext cx="1003672" cy="244682"/>
-          </a:xfrm>
-          <a:prstGeom prst="rect">
-            <a:avLst/>
-          </a:prstGeom>
-          <a:noFill/>
-          <a:ln>
-            <a:noFill/>
-          </a:ln>
-          <a:extLst>
-            <a:ext uri="{909E8E84-426E-40DD-AFC4-6F175D3DCCD1}">
-              <a14:hiddenFill xmlns:a14="http://schemas.microsoft.com/office/drawing/2010/main">
-                <a:solidFill>
-                  <a:srgbClr val="FFFFFF"/>
-                </a:solidFill>
-              </a14:hiddenFill>
-            </a:ext>
-            <a:ext uri="{91240B29-F687-4F45-9708-019B960494DF}">
-              <a14:hiddenLine xmlns:a14="http://schemas.microsoft.com/office/drawing/2010/main" w="9525">
-                <a:solidFill>
-                  <a:srgbClr val="000000"/>
-                </a:solidFill>
-                <a:miter lim="800000"/>
-                <a:headEnd/>
-                <a:tailEnd/>
-              </a14:hiddenLine>
-            </a:ext>
-          </a:extLst>
-        </p:spPr>
-        <p:txBody>
-          <a:bodyPr wrap="square" lIns="0" rIns="0">
-            <a:spAutoFit/>
-          </a:bodyPr>
-          <a:lstStyle>
-            <a:lvl1pPr>
-              <a:defRPr>
-                <a:solidFill>
-                  <a:schemeClr val="tx1"/>
-                </a:solidFill>
-                <a:latin typeface="Calibri" panose="020F0502020204030204" pitchFamily="34" charset="0"/>
-              </a:defRPr>
-            </a:lvl1pPr>
-            <a:lvl2pPr marL="742950" indent="-285750">
-              <a:defRPr>
-                <a:solidFill>
-                  <a:schemeClr val="tx1"/>
-                </a:solidFill>
-                <a:latin typeface="Calibri" panose="020F0502020204030204" pitchFamily="34" charset="0"/>
-              </a:defRPr>
-            </a:lvl2pPr>
-            <a:lvl3pPr marL="1143000" indent="-228600">
-              <a:defRPr>
-                <a:solidFill>
-                  <a:schemeClr val="tx1"/>
-                </a:solidFill>
-                <a:latin typeface="Calibri" panose="020F0502020204030204" pitchFamily="34" charset="0"/>
-              </a:defRPr>
-            </a:lvl3pPr>
-            <a:lvl4pPr marL="1600200" indent="-228600">
-              <a:defRPr>
-                <a:solidFill>
-                  <a:schemeClr val="tx1"/>
-                </a:solidFill>
-                <a:latin typeface="Calibri" panose="020F0502020204030204" pitchFamily="34" charset="0"/>
-              </a:defRPr>
-            </a:lvl4pPr>
-            <a:lvl5pPr marL="2057400" indent="-228600">
-              <a:defRPr>
-                <a:solidFill>
-                  <a:schemeClr val="tx1"/>
-                </a:solidFill>
-                <a:latin typeface="Calibri" panose="020F0502020204030204" pitchFamily="34" charset="0"/>
-              </a:defRPr>
-            </a:lvl5pPr>
-            <a:lvl6pPr marL="2514600" indent="-228600" eaLnBrk="0" fontAlgn="base" hangingPunct="0">
-              <a:spcBef>
-                <a:spcPct val="0"/>
-              </a:spcBef>
-              <a:spcAft>
-                <a:spcPct val="0"/>
-              </a:spcAft>
-              <a:defRPr>
-                <a:solidFill>
-                  <a:schemeClr val="tx1"/>
-                </a:solidFill>
-                <a:latin typeface="Calibri" panose="020F0502020204030204" pitchFamily="34" charset="0"/>
-              </a:defRPr>
-            </a:lvl6pPr>
-            <a:lvl7pPr marL="2971800" indent="-228600" eaLnBrk="0" fontAlgn="base" hangingPunct="0">
-              <a:spcBef>
-                <a:spcPct val="0"/>
-              </a:spcBef>
-              <a:spcAft>
-                <a:spcPct val="0"/>
-              </a:spcAft>
-              <a:defRPr>
-                <a:solidFill>
-                  <a:schemeClr val="tx1"/>
-                </a:solidFill>
-                <a:latin typeface="Calibri" panose="020F0502020204030204" pitchFamily="34" charset="0"/>
-              </a:defRPr>
-            </a:lvl7pPr>
-            <a:lvl8pPr marL="3429000" indent="-228600" eaLnBrk="0" fontAlgn="base" hangingPunct="0">
-              <a:spcBef>
-                <a:spcPct val="0"/>
-              </a:spcBef>
-              <a:spcAft>
-                <a:spcPct val="0"/>
-              </a:spcAft>
-              <a:defRPr>
-                <a:solidFill>
-                  <a:schemeClr val="tx1"/>
-                </a:solidFill>
-                <a:latin typeface="Calibri" panose="020F0502020204030204" pitchFamily="34" charset="0"/>
-              </a:defRPr>
-            </a:lvl8pPr>
-            <a:lvl9pPr marL="3886200" indent="-228600" eaLnBrk="0" fontAlgn="base" hangingPunct="0">
-              <a:spcBef>
-                <a:spcPct val="0"/>
-              </a:spcBef>
-              <a:spcAft>
-                <a:spcPct val="0"/>
-              </a:spcAft>
-              <a:defRPr>
-                <a:solidFill>
-                  <a:schemeClr val="tx1"/>
-                </a:solidFill>
-                <a:latin typeface="Calibri" panose="020F0502020204030204" pitchFamily="34" charset="0"/>
-              </a:defRPr>
-            </a:lvl9pPr>
-          </a:lstStyle>
-          <a:p>
-            <a:pPr algn="ctr" eaLnBrk="1" hangingPunct="1"/>
-            <a:r>
-              <a:rPr lang="en-US" altLang="en-US" sz="990" dirty="0">
-                <a:latin typeface="Arial" panose="020B0604020202020204" pitchFamily="34" charset="0"/>
-                <a:ea typeface="Amazon Ember" panose="020B0603020204020204" pitchFamily="34" charset="0"/>
-                <a:cs typeface="Arial" panose="020B0604020202020204" pitchFamily="34" charset="0"/>
-              </a:rPr>
-              <a:t>License server</a:t>
-            </a:r>
-          </a:p>
-        </p:txBody>
-      </p:sp>
-      <p:pic>
-        <p:nvPicPr>
-          <p:cNvPr id="79" name="Graphic 5">
-            <a:extLst>
-              <a:ext uri="{FF2B5EF4-FFF2-40B4-BE49-F238E27FC236}">
-                <a16:creationId xmlns:a16="http://schemas.microsoft.com/office/drawing/2014/main" id="{3A74212A-B3F6-4C0B-8205-03A240B38FAE}"/>
-              </a:ext>
-            </a:extLst>
-          </p:cNvPr>
-          <p:cNvPicPr>
-            <a:picLocks noChangeAspect="1" noChangeArrowheads="1"/>
-          </p:cNvPicPr>
-          <p:nvPr/>
-        </p:nvPicPr>
-        <p:blipFill>
-          <a:blip r:embed="rId17">
-            <a:extLst>
-              <a:ext uri="{28A0092B-C50C-407E-A947-70E740481C1C}">
-                <a14:useLocalDpi xmlns:a14="http://schemas.microsoft.com/office/drawing/2010/main" val="0"/>
-              </a:ext>
-            </a:extLst>
-          </a:blip>
-          <a:srcRect/>
-          <a:stretch>
-            <a:fillRect/>
-          </a:stretch>
-        </p:blipFill>
-        <p:spPr bwMode="auto">
-          <a:xfrm>
-            <a:off x="4467958" y="6177153"/>
-            <a:ext cx="281196" cy="281196"/>
-          </a:xfrm>
-          <a:prstGeom prst="rect">
-            <a:avLst/>
-          </a:prstGeom>
-          <a:noFill/>
-          <a:ln>
-            <a:noFill/>
-          </a:ln>
-          <a:extLst>
-            <a:ext uri="{909E8E84-426E-40DD-AFC4-6F175D3DCCD1}">
-              <a14:hiddenFill xmlns:a14="http://schemas.microsoft.com/office/drawing/2010/main">
-                <a:solidFill>
-                  <a:srgbClr val="FFFFFF"/>
-                </a:solidFill>
-              </a14:hiddenFill>
-            </a:ext>
-            <a:ext uri="{91240B29-F687-4F45-9708-019B960494DF}">
-              <a14:hiddenLine xmlns:a14="http://schemas.microsoft.com/office/drawing/2010/main" w="9525">
-                <a:solidFill>
-                  <a:srgbClr val="000000"/>
-                </a:solidFill>
-                <a:miter lim="800000"/>
-                <a:headEnd/>
-                <a:tailEnd/>
-              </a14:hiddenLine>
-            </a:ext>
-          </a:extLst>
-        </p:spPr>
-      </p:pic>
-      <p:sp>
-        <p:nvSpPr>
-          <p:cNvPr id="81" name="TextBox 21">
-            <a:extLst>
-              <a:ext uri="{FF2B5EF4-FFF2-40B4-BE49-F238E27FC236}">
-                <a16:creationId xmlns:a16="http://schemas.microsoft.com/office/drawing/2014/main" id="{B049A5B8-BA71-4552-AF98-DEBAD52374FE}"/>
-              </a:ext>
-            </a:extLst>
-          </p:cNvPr>
-          <p:cNvSpPr txBox="1">
-            <a:spLocks noChangeArrowheads="1"/>
-          </p:cNvSpPr>
-          <p:nvPr/>
-        </p:nvSpPr>
-        <p:spPr bwMode="auto">
-          <a:xfrm>
-            <a:off x="8993634" y="4425879"/>
-            <a:ext cx="1244022" cy="397032"/>
-          </a:xfrm>
-          <a:prstGeom prst="rect">
-            <a:avLst/>
-          </a:prstGeom>
-          <a:noFill/>
-          <a:ln>
-            <a:noFill/>
-          </a:ln>
-          <a:extLst>
-            <a:ext uri="{909E8E84-426E-40DD-AFC4-6F175D3DCCD1}">
-              <a14:hiddenFill xmlns:a14="http://schemas.microsoft.com/office/drawing/2010/main">
-                <a:solidFill>
-                  <a:srgbClr val="FFFFFF"/>
-                </a:solidFill>
-              </a14:hiddenFill>
-            </a:ext>
-            <a:ext uri="{91240B29-F687-4F45-9708-019B960494DF}">
-              <a14:hiddenLine xmlns:a14="http://schemas.microsoft.com/office/drawing/2010/main" w="9525">
-                <a:solidFill>
-                  <a:srgbClr val="000000"/>
-                </a:solidFill>
-                <a:miter lim="800000"/>
-                <a:headEnd/>
-                <a:tailEnd/>
-              </a14:hiddenLine>
-            </a:ext>
-          </a:extLst>
-        </p:spPr>
-        <p:txBody>
-          <a:bodyPr>
-            <a:spAutoFit/>
-          </a:bodyPr>
-          <a:lstStyle>
-            <a:lvl1pPr>
-              <a:defRPr>
-                <a:solidFill>
-                  <a:schemeClr val="tx1"/>
-                </a:solidFill>
-                <a:latin typeface="Calibri" panose="020F0502020204030204" pitchFamily="34" charset="0"/>
-              </a:defRPr>
-            </a:lvl1pPr>
-            <a:lvl2pPr marL="742950" indent="-285750">
-              <a:defRPr>
-                <a:solidFill>
-                  <a:schemeClr val="tx1"/>
-                </a:solidFill>
-                <a:latin typeface="Calibri" panose="020F0502020204030204" pitchFamily="34" charset="0"/>
-              </a:defRPr>
-            </a:lvl2pPr>
-            <a:lvl3pPr marL="1143000" indent="-228600">
-              <a:defRPr>
-                <a:solidFill>
-                  <a:schemeClr val="tx1"/>
-                </a:solidFill>
-                <a:latin typeface="Calibri" panose="020F0502020204030204" pitchFamily="34" charset="0"/>
-              </a:defRPr>
-            </a:lvl3pPr>
-            <a:lvl4pPr marL="1600200" indent="-228600">
-              <a:defRPr>
-                <a:solidFill>
-                  <a:schemeClr val="tx1"/>
-                </a:solidFill>
-                <a:latin typeface="Calibri" panose="020F0502020204030204" pitchFamily="34" charset="0"/>
-              </a:defRPr>
-            </a:lvl4pPr>
-            <a:lvl5pPr marL="2057400" indent="-228600">
-              <a:defRPr>
-                <a:solidFill>
-                  <a:schemeClr val="tx1"/>
-                </a:solidFill>
-                <a:latin typeface="Calibri" panose="020F0502020204030204" pitchFamily="34" charset="0"/>
-              </a:defRPr>
-            </a:lvl5pPr>
-            <a:lvl6pPr marL="2514600" indent="-228600" eaLnBrk="0" fontAlgn="base" hangingPunct="0">
-              <a:spcBef>
-                <a:spcPct val="0"/>
-              </a:spcBef>
-              <a:spcAft>
-                <a:spcPct val="0"/>
-              </a:spcAft>
-              <a:defRPr>
-                <a:solidFill>
-                  <a:schemeClr val="tx1"/>
-                </a:solidFill>
-                <a:latin typeface="Calibri" panose="020F0502020204030204" pitchFamily="34" charset="0"/>
-              </a:defRPr>
-            </a:lvl6pPr>
-            <a:lvl7pPr marL="2971800" indent="-228600" eaLnBrk="0" fontAlgn="base" hangingPunct="0">
-              <a:spcBef>
-                <a:spcPct val="0"/>
-              </a:spcBef>
-              <a:spcAft>
-                <a:spcPct val="0"/>
-              </a:spcAft>
-              <a:defRPr>
-                <a:solidFill>
-                  <a:schemeClr val="tx1"/>
-                </a:solidFill>
-                <a:latin typeface="Calibri" panose="020F0502020204030204" pitchFamily="34" charset="0"/>
-              </a:defRPr>
-            </a:lvl7pPr>
-            <a:lvl8pPr marL="3429000" indent="-228600" eaLnBrk="0" fontAlgn="base" hangingPunct="0">
-              <a:spcBef>
-                <a:spcPct val="0"/>
-              </a:spcBef>
-              <a:spcAft>
-                <a:spcPct val="0"/>
-              </a:spcAft>
-              <a:defRPr>
-                <a:solidFill>
-                  <a:schemeClr val="tx1"/>
-                </a:solidFill>
-                <a:latin typeface="Calibri" panose="020F0502020204030204" pitchFamily="34" charset="0"/>
-              </a:defRPr>
-            </a:lvl8pPr>
-            <a:lvl9pPr marL="3886200" indent="-228600" eaLnBrk="0" fontAlgn="base" hangingPunct="0">
-              <a:spcBef>
-                <a:spcPct val="0"/>
-              </a:spcBef>
-              <a:spcAft>
-                <a:spcPct val="0"/>
-              </a:spcAft>
-              <a:defRPr>
-                <a:solidFill>
-                  <a:schemeClr val="tx1"/>
-                </a:solidFill>
-                <a:latin typeface="Calibri" panose="020F0502020204030204" pitchFamily="34" charset="0"/>
-              </a:defRPr>
-            </a:lvl9pPr>
-          </a:lstStyle>
-          <a:p>
-            <a:pPr algn="ctr" eaLnBrk="1" hangingPunct="1"/>
-            <a:r>
-              <a:rPr lang="en-US" altLang="en-US" sz="990" dirty="0">
-                <a:latin typeface="Arial" panose="020B0604020202020204" pitchFamily="34" charset="0"/>
-                <a:ea typeface="Amazon Ember" panose="020B0603020204020204" pitchFamily="34" charset="0"/>
-                <a:cs typeface="Arial" panose="020B0604020202020204" pitchFamily="34" charset="0"/>
-              </a:rPr>
-              <a:t>License server</a:t>
-            </a:r>
-          </a:p>
-          <a:p>
-            <a:pPr algn="ctr" eaLnBrk="1" hangingPunct="1"/>
-            <a:r>
-              <a:rPr lang="en-US" altLang="en-US" sz="990" dirty="0">
-                <a:latin typeface="Arial" panose="020B0604020202020204" pitchFamily="34" charset="0"/>
-                <a:ea typeface="Amazon Ember" panose="020B0603020204020204" pitchFamily="34" charset="0"/>
-                <a:cs typeface="Arial" panose="020B0604020202020204" pitchFamily="34" charset="0"/>
-              </a:rPr>
-              <a:t>configuration files</a:t>
-            </a:r>
-          </a:p>
-        </p:txBody>
-      </p:sp>
-      <p:pic>
-        <p:nvPicPr>
-          <p:cNvPr id="82" name="Graphic 14">
-            <a:extLst>
-              <a:ext uri="{FF2B5EF4-FFF2-40B4-BE49-F238E27FC236}">
-                <a16:creationId xmlns:a16="http://schemas.microsoft.com/office/drawing/2014/main" id="{55423CE7-BD53-4DEA-A303-DF0FDF35D10D}"/>
-              </a:ext>
-            </a:extLst>
-          </p:cNvPr>
-          <p:cNvPicPr>
-            <a:picLocks noChangeAspect="1" noChangeArrowheads="1"/>
-          </p:cNvPicPr>
-          <p:nvPr/>
-        </p:nvPicPr>
-        <p:blipFill>
-          <a:blip r:embed="rId15">
-            <a:extLst>
-              <a:ext uri="{28A0092B-C50C-407E-A947-70E740481C1C}">
-                <a14:useLocalDpi xmlns:a14="http://schemas.microsoft.com/office/drawing/2010/main" val="0"/>
-              </a:ext>
-            </a:extLst>
-          </a:blip>
-          <a:srcRect/>
-          <a:stretch>
-            <a:fillRect/>
-          </a:stretch>
-        </p:blipFill>
-        <p:spPr bwMode="auto">
-          <a:xfrm>
-            <a:off x="9390538" y="3957360"/>
-            <a:ext cx="411341" cy="411341"/>
-          </a:xfrm>
-          <a:prstGeom prst="rect">
-            <a:avLst/>
-          </a:prstGeom>
-          <a:noFill/>
-          <a:ln>
-            <a:noFill/>
-          </a:ln>
-          <a:extLst>
-            <a:ext uri="{909E8E84-426E-40DD-AFC4-6F175D3DCCD1}">
-              <a14:hiddenFill xmlns:a14="http://schemas.microsoft.com/office/drawing/2010/main">
-                <a:solidFill>
-                  <a:srgbClr val="FFFFFF"/>
-                </a:solidFill>
-              </a14:hiddenFill>
-            </a:ext>
-            <a:ext uri="{91240B29-F687-4F45-9708-019B960494DF}">
-              <a14:hiddenLine xmlns:a14="http://schemas.microsoft.com/office/drawing/2010/main" w="9525">
-                <a:solidFill>
-                  <a:srgbClr val="000000"/>
-                </a:solidFill>
-                <a:miter lim="800000"/>
-                <a:headEnd/>
-                <a:tailEnd/>
-              </a14:hiddenLine>
-            </a:ext>
-          </a:extLst>
-        </p:spPr>
-      </p:pic>
-      <p:sp>
-        <p:nvSpPr>
-          <p:cNvPr id="108" name="TextBox 22">
-            <a:extLst>
-              <a:ext uri="{FF2B5EF4-FFF2-40B4-BE49-F238E27FC236}">
-                <a16:creationId xmlns:a16="http://schemas.microsoft.com/office/drawing/2014/main" id="{58D5FEDF-4E18-4535-95B4-64D42E68AF63}"/>
-              </a:ext>
-            </a:extLst>
-          </p:cNvPr>
-          <p:cNvSpPr txBox="1">
-            <a:spLocks noChangeArrowheads="1"/>
-          </p:cNvSpPr>
-          <p:nvPr/>
-        </p:nvSpPr>
-        <p:spPr bwMode="auto">
-          <a:xfrm>
-            <a:off x="2761919" y="4409570"/>
-            <a:ext cx="947416" cy="549381"/>
-          </a:xfrm>
-          <a:prstGeom prst="rect">
-            <a:avLst/>
-          </a:prstGeom>
-          <a:noFill/>
-          <a:ln>
-            <a:noFill/>
-          </a:ln>
-          <a:extLst>
-            <a:ext uri="{909E8E84-426E-40DD-AFC4-6F175D3DCCD1}">
-              <a14:hiddenFill xmlns:a14="http://schemas.microsoft.com/office/drawing/2010/main">
-                <a:solidFill>
-                  <a:srgbClr val="FFFFFF"/>
-                </a:solidFill>
-              </a14:hiddenFill>
-            </a:ext>
-            <a:ext uri="{91240B29-F687-4F45-9708-019B960494DF}">
-              <a14:hiddenLine xmlns:a14="http://schemas.microsoft.com/office/drawing/2010/main" w="9525">
-                <a:solidFill>
-                  <a:srgbClr val="000000"/>
-                </a:solidFill>
-                <a:miter lim="800000"/>
-                <a:headEnd/>
-                <a:tailEnd/>
-              </a14:hiddenLine>
-            </a:ext>
-          </a:extLst>
-        </p:spPr>
-        <p:txBody>
-          <a:bodyPr wrap="square">
-            <a:spAutoFit/>
-          </a:bodyPr>
-          <a:lstStyle>
-            <a:lvl1pPr>
-              <a:defRPr>
-                <a:solidFill>
-                  <a:schemeClr val="tx1"/>
-                </a:solidFill>
-                <a:latin typeface="Calibri" panose="020F0502020204030204" pitchFamily="34" charset="0"/>
-              </a:defRPr>
-            </a:lvl1pPr>
-            <a:lvl2pPr marL="742950" indent="-285750">
-              <a:defRPr>
-                <a:solidFill>
-                  <a:schemeClr val="tx1"/>
-                </a:solidFill>
-                <a:latin typeface="Calibri" panose="020F0502020204030204" pitchFamily="34" charset="0"/>
-              </a:defRPr>
-            </a:lvl2pPr>
-            <a:lvl3pPr marL="1143000" indent="-228600">
-              <a:defRPr>
-                <a:solidFill>
-                  <a:schemeClr val="tx1"/>
-                </a:solidFill>
-                <a:latin typeface="Calibri" panose="020F0502020204030204" pitchFamily="34" charset="0"/>
-              </a:defRPr>
-            </a:lvl3pPr>
-            <a:lvl4pPr marL="1600200" indent="-228600">
-              <a:defRPr>
-                <a:solidFill>
-                  <a:schemeClr val="tx1"/>
-                </a:solidFill>
-                <a:latin typeface="Calibri" panose="020F0502020204030204" pitchFamily="34" charset="0"/>
-              </a:defRPr>
-            </a:lvl4pPr>
-            <a:lvl5pPr marL="2057400" indent="-228600">
-              <a:defRPr>
-                <a:solidFill>
-                  <a:schemeClr val="tx1"/>
-                </a:solidFill>
-                <a:latin typeface="Calibri" panose="020F0502020204030204" pitchFamily="34" charset="0"/>
-              </a:defRPr>
-            </a:lvl5pPr>
-            <a:lvl6pPr marL="2514600" indent="-228600" eaLnBrk="0" fontAlgn="base" hangingPunct="0">
-              <a:spcBef>
-                <a:spcPct val="0"/>
-              </a:spcBef>
-              <a:spcAft>
-                <a:spcPct val="0"/>
-              </a:spcAft>
-              <a:defRPr>
-                <a:solidFill>
-                  <a:schemeClr val="tx1"/>
-                </a:solidFill>
-                <a:latin typeface="Calibri" panose="020F0502020204030204" pitchFamily="34" charset="0"/>
-              </a:defRPr>
-            </a:lvl6pPr>
-            <a:lvl7pPr marL="2971800" indent="-228600" eaLnBrk="0" fontAlgn="base" hangingPunct="0">
-              <a:spcBef>
-                <a:spcPct val="0"/>
-              </a:spcBef>
-              <a:spcAft>
-                <a:spcPct val="0"/>
-              </a:spcAft>
-              <a:defRPr>
-                <a:solidFill>
-                  <a:schemeClr val="tx1"/>
-                </a:solidFill>
-                <a:latin typeface="Calibri" panose="020F0502020204030204" pitchFamily="34" charset="0"/>
-              </a:defRPr>
-            </a:lvl7pPr>
-            <a:lvl8pPr marL="3429000" indent="-228600" eaLnBrk="0" fontAlgn="base" hangingPunct="0">
-              <a:spcBef>
-                <a:spcPct val="0"/>
-              </a:spcBef>
-              <a:spcAft>
-                <a:spcPct val="0"/>
-              </a:spcAft>
-              <a:defRPr>
-                <a:solidFill>
-                  <a:schemeClr val="tx1"/>
-                </a:solidFill>
-                <a:latin typeface="Calibri" panose="020F0502020204030204" pitchFamily="34" charset="0"/>
-              </a:defRPr>
-            </a:lvl8pPr>
-            <a:lvl9pPr marL="3886200" indent="-228600" eaLnBrk="0" fontAlgn="base" hangingPunct="0">
-              <a:spcBef>
-                <a:spcPct val="0"/>
-              </a:spcBef>
-              <a:spcAft>
-                <a:spcPct val="0"/>
-              </a:spcAft>
-              <a:defRPr>
-                <a:solidFill>
-                  <a:schemeClr val="tx1"/>
-                </a:solidFill>
-                <a:latin typeface="Calibri" panose="020F0502020204030204" pitchFamily="34" charset="0"/>
-              </a:defRPr>
-            </a:lvl9pPr>
-          </a:lstStyle>
-          <a:p>
-            <a:pPr algn="ctr" eaLnBrk="1" hangingPunct="1"/>
-            <a:r>
-              <a:rPr lang="en-US" altLang="en-US" sz="990" dirty="0">
-                <a:latin typeface="Arial" panose="020B0604020202020204" pitchFamily="34" charset="0"/>
-                <a:ea typeface="Amazon Ember" panose="020B0603020204020204" pitchFamily="34" charset="0"/>
-                <a:cs typeface="Arial" panose="020B0604020202020204" pitchFamily="34" charset="0"/>
-              </a:rPr>
-              <a:t>Network Load </a:t>
-            </a:r>
-            <a:br>
-              <a:rPr lang="en-US" altLang="en-US" sz="990" dirty="0">
-                <a:latin typeface="Arial" panose="020B0604020202020204" pitchFamily="34" charset="0"/>
-                <a:ea typeface="Amazon Ember" panose="020B0603020204020204" pitchFamily="34" charset="0"/>
-                <a:cs typeface="Arial" panose="020B0604020202020204" pitchFamily="34" charset="0"/>
-              </a:rPr>
-            </a:br>
-            <a:r>
-              <a:rPr lang="en-US" altLang="en-US" sz="990" dirty="0">
-                <a:latin typeface="Arial" panose="020B0604020202020204" pitchFamily="34" charset="0"/>
-                <a:ea typeface="Amazon Ember" panose="020B0603020204020204" pitchFamily="34" charset="0"/>
-                <a:cs typeface="Arial" panose="020B0604020202020204" pitchFamily="34" charset="0"/>
-              </a:rPr>
-              <a:t>Balancer</a:t>
-            </a:r>
-          </a:p>
-        </p:txBody>
-      </p:sp>
-      <p:pic>
-        <p:nvPicPr>
-          <p:cNvPr id="109" name="Graphic 24">
-            <a:extLst>
-              <a:ext uri="{FF2B5EF4-FFF2-40B4-BE49-F238E27FC236}">
-                <a16:creationId xmlns:a16="http://schemas.microsoft.com/office/drawing/2014/main" id="{303E6227-C9E4-46E8-98AB-803151F58081}"/>
-              </a:ext>
-            </a:extLst>
-          </p:cNvPr>
-          <p:cNvPicPr>
-            <a:picLocks noChangeAspect="1" noChangeArrowheads="1"/>
-          </p:cNvPicPr>
-          <p:nvPr/>
-        </p:nvPicPr>
-        <p:blipFill>
-          <a:blip r:embed="rId18">
-            <a:extLst>
-              <a:ext uri="{28A0092B-C50C-407E-A947-70E740481C1C}">
-                <a14:useLocalDpi xmlns:a14="http://schemas.microsoft.com/office/drawing/2010/main" val="0"/>
-              </a:ext>
-            </a:extLst>
-          </a:blip>
-          <a:srcRect/>
-          <a:stretch>
-            <a:fillRect/>
-          </a:stretch>
-        </p:blipFill>
-        <p:spPr bwMode="auto">
-          <a:xfrm>
-            <a:off x="3023017" y="3985374"/>
-            <a:ext cx="411341" cy="411341"/>
-          </a:xfrm>
-          <a:prstGeom prst="rect">
-            <a:avLst/>
-          </a:prstGeom>
-          <a:noFill/>
-          <a:ln>
-            <a:noFill/>
-          </a:ln>
-          <a:extLst>
-            <a:ext uri="{909E8E84-426E-40DD-AFC4-6F175D3DCCD1}">
-              <a14:hiddenFill xmlns:a14="http://schemas.microsoft.com/office/drawing/2010/main">
-                <a:solidFill>
-                  <a:srgbClr val="FFFFFF"/>
-                </a:solidFill>
-              </a14:hiddenFill>
-            </a:ext>
-            <a:ext uri="{91240B29-F687-4F45-9708-019B960494DF}">
-              <a14:hiddenLine xmlns:a14="http://schemas.microsoft.com/office/drawing/2010/main" w="9525">
-                <a:solidFill>
-                  <a:srgbClr val="000000"/>
-                </a:solidFill>
-                <a:miter lim="800000"/>
-                <a:headEnd/>
-                <a:tailEnd/>
-              </a14:hiddenLine>
-            </a:ext>
-          </a:extLst>
-        </p:spPr>
-      </p:pic>
-      <p:pic>
-        <p:nvPicPr>
-          <p:cNvPr id="114" name="Graphic 113">
-            <a:extLst>
-              <a:ext uri="{FF2B5EF4-FFF2-40B4-BE49-F238E27FC236}">
-                <a16:creationId xmlns:a16="http://schemas.microsoft.com/office/drawing/2014/main" id="{63FFED64-F846-4C73-9157-AA142C737CA2}"/>
-              </a:ext>
-            </a:extLst>
-          </p:cNvPr>
-          <p:cNvPicPr>
-            <a:picLocks noChangeAspect="1"/>
-          </p:cNvPicPr>
-          <p:nvPr/>
-        </p:nvPicPr>
-        <p:blipFill>
-          <a:blip r:embed="rId4">
-            <a:extLst>
-              <a:ext uri="{96DAC541-7B7A-43D3-8B79-37D633B846F1}">
-                <asvg:svgBlip xmlns:asvg="http://schemas.microsoft.com/office/drawing/2016/SVG/main" r:embed="rId5"/>
-              </a:ext>
-            </a:extLst>
-          </a:blip>
-          <a:stretch>
-            <a:fillRect/>
-          </a:stretch>
-        </p:blipFill>
-        <p:spPr>
-          <a:xfrm>
-            <a:off x="6474097" y="1085271"/>
-            <a:ext cx="342785" cy="342785"/>
-          </a:xfrm>
-          <a:prstGeom prst="rect">
-            <a:avLst/>
-          </a:prstGeom>
-        </p:spPr>
-      </p:pic>
-      <p:sp>
-        <p:nvSpPr>
-          <p:cNvPr id="117" name="TextBox 12">
-            <a:extLst>
-              <a:ext uri="{FF2B5EF4-FFF2-40B4-BE49-F238E27FC236}">
-                <a16:creationId xmlns:a16="http://schemas.microsoft.com/office/drawing/2014/main" id="{DC7F160B-FF31-49EA-83DA-765A7A42ED2E}"/>
-              </a:ext>
-            </a:extLst>
-          </p:cNvPr>
-          <p:cNvSpPr txBox="1">
-            <a:spLocks noChangeArrowheads="1"/>
-          </p:cNvSpPr>
-          <p:nvPr/>
-        </p:nvSpPr>
-        <p:spPr bwMode="auto">
-          <a:xfrm>
-            <a:off x="973423" y="3506251"/>
-            <a:ext cx="1262589" cy="244682"/>
-          </a:xfrm>
-          <a:prstGeom prst="rect">
-            <a:avLst/>
-          </a:prstGeom>
-          <a:noFill/>
-          <a:ln>
-            <a:noFill/>
-          </a:ln>
-          <a:extLst>
-            <a:ext uri="{909E8E84-426E-40DD-AFC4-6F175D3DCCD1}">
-              <a14:hiddenFill xmlns:a14="http://schemas.microsoft.com/office/drawing/2010/main">
-                <a:solidFill>
-                  <a:srgbClr val="FFFFFF"/>
-                </a:solidFill>
-              </a14:hiddenFill>
-            </a:ext>
-            <a:ext uri="{91240B29-F687-4F45-9708-019B960494DF}">
-              <a14:hiddenLine xmlns:a14="http://schemas.microsoft.com/office/drawing/2010/main" w="9525">
-                <a:solidFill>
-                  <a:srgbClr val="000000"/>
-                </a:solidFill>
-                <a:miter lim="800000"/>
-                <a:headEnd/>
-                <a:tailEnd/>
-              </a14:hiddenLine>
-            </a:ext>
-          </a:extLst>
-        </p:spPr>
-        <p:txBody>
-          <a:bodyPr>
-            <a:spAutoFit/>
-          </a:bodyPr>
-          <a:lstStyle>
-            <a:lvl1pPr>
-              <a:defRPr>
-                <a:solidFill>
-                  <a:schemeClr val="tx1"/>
-                </a:solidFill>
-                <a:latin typeface="Calibri" panose="020F0502020204030204" pitchFamily="34" charset="0"/>
-              </a:defRPr>
-            </a:lvl1pPr>
-            <a:lvl2pPr marL="742950" indent="-285750">
-              <a:defRPr>
-                <a:solidFill>
-                  <a:schemeClr val="tx1"/>
-                </a:solidFill>
-                <a:latin typeface="Calibri" panose="020F0502020204030204" pitchFamily="34" charset="0"/>
-              </a:defRPr>
-            </a:lvl2pPr>
-            <a:lvl3pPr marL="1143000" indent="-228600">
-              <a:defRPr>
-                <a:solidFill>
-                  <a:schemeClr val="tx1"/>
-                </a:solidFill>
-                <a:latin typeface="Calibri" panose="020F0502020204030204" pitchFamily="34" charset="0"/>
-              </a:defRPr>
-            </a:lvl3pPr>
-            <a:lvl4pPr marL="1600200" indent="-228600">
-              <a:defRPr>
-                <a:solidFill>
-                  <a:schemeClr val="tx1"/>
-                </a:solidFill>
-                <a:latin typeface="Calibri" panose="020F0502020204030204" pitchFamily="34" charset="0"/>
-              </a:defRPr>
-            </a:lvl4pPr>
-            <a:lvl5pPr marL="2057400" indent="-228600">
-              <a:defRPr>
-                <a:solidFill>
-                  <a:schemeClr val="tx1"/>
-                </a:solidFill>
-                <a:latin typeface="Calibri" panose="020F0502020204030204" pitchFamily="34" charset="0"/>
-              </a:defRPr>
-            </a:lvl5pPr>
-            <a:lvl6pPr marL="2514600" indent="-228600" eaLnBrk="0" fontAlgn="base" hangingPunct="0">
-              <a:spcBef>
-                <a:spcPct val="0"/>
-              </a:spcBef>
-              <a:spcAft>
-                <a:spcPct val="0"/>
-              </a:spcAft>
-              <a:defRPr>
-                <a:solidFill>
-                  <a:schemeClr val="tx1"/>
-                </a:solidFill>
-                <a:latin typeface="Calibri" panose="020F0502020204030204" pitchFamily="34" charset="0"/>
-              </a:defRPr>
-            </a:lvl6pPr>
-            <a:lvl7pPr marL="2971800" indent="-228600" eaLnBrk="0" fontAlgn="base" hangingPunct="0">
-              <a:spcBef>
-                <a:spcPct val="0"/>
-              </a:spcBef>
-              <a:spcAft>
-                <a:spcPct val="0"/>
-              </a:spcAft>
-              <a:defRPr>
-                <a:solidFill>
-                  <a:schemeClr val="tx1"/>
-                </a:solidFill>
-                <a:latin typeface="Calibri" panose="020F0502020204030204" pitchFamily="34" charset="0"/>
-              </a:defRPr>
-            </a:lvl7pPr>
-            <a:lvl8pPr marL="3429000" indent="-228600" eaLnBrk="0" fontAlgn="base" hangingPunct="0">
-              <a:spcBef>
-                <a:spcPct val="0"/>
-              </a:spcBef>
-              <a:spcAft>
-                <a:spcPct val="0"/>
-              </a:spcAft>
-              <a:defRPr>
-                <a:solidFill>
-                  <a:schemeClr val="tx1"/>
-                </a:solidFill>
-                <a:latin typeface="Calibri" panose="020F0502020204030204" pitchFamily="34" charset="0"/>
-              </a:defRPr>
-            </a:lvl8pPr>
-            <a:lvl9pPr marL="3886200" indent="-228600" eaLnBrk="0" fontAlgn="base" hangingPunct="0">
-              <a:spcBef>
-                <a:spcPct val="0"/>
-              </a:spcBef>
-              <a:spcAft>
-                <a:spcPct val="0"/>
-              </a:spcAft>
-              <a:defRPr>
-                <a:solidFill>
-                  <a:schemeClr val="tx1"/>
-                </a:solidFill>
-                <a:latin typeface="Calibri" panose="020F0502020204030204" pitchFamily="34" charset="0"/>
-              </a:defRPr>
-            </a:lvl9pPr>
-          </a:lstStyle>
-          <a:p>
-            <a:pPr algn="ctr" eaLnBrk="1" hangingPunct="1"/>
-            <a:r>
-              <a:rPr lang="en-US" altLang="en-US" sz="990" dirty="0">
-                <a:latin typeface="Arial" panose="020B0604020202020204" pitchFamily="34" charset="0"/>
-                <a:ea typeface="Amazon Ember" panose="020B0603020204020204" pitchFamily="34" charset="0"/>
-                <a:cs typeface="Arial" panose="020B0604020202020204" pitchFamily="34" charset="0"/>
-              </a:rPr>
-              <a:t>Internet gateway</a:t>
-            </a:r>
-          </a:p>
-        </p:txBody>
-      </p:sp>
-      <p:pic>
-        <p:nvPicPr>
-          <p:cNvPr id="118" name="Graphic 10">
-            <a:extLst>
-              <a:ext uri="{FF2B5EF4-FFF2-40B4-BE49-F238E27FC236}">
-                <a16:creationId xmlns:a16="http://schemas.microsoft.com/office/drawing/2014/main" id="{D7DFC4DA-4118-430D-BB7E-BAFFB66A1F7E}"/>
-              </a:ext>
-            </a:extLst>
-          </p:cNvPr>
-          <p:cNvPicPr>
-            <a:picLocks noChangeAspect="1" noChangeArrowheads="1"/>
-          </p:cNvPicPr>
-          <p:nvPr/>
-        </p:nvPicPr>
-        <p:blipFill>
-          <a:blip r:embed="rId19">
-            <a:extLst>
-              <a:ext uri="{28A0092B-C50C-407E-A947-70E740481C1C}">
-                <a14:useLocalDpi xmlns:a14="http://schemas.microsoft.com/office/drawing/2010/main" val="0"/>
-              </a:ext>
-            </a:extLst>
-          </a:blip>
-          <a:srcRect/>
-          <a:stretch>
-            <a:fillRect/>
-          </a:stretch>
-        </p:blipFill>
-        <p:spPr bwMode="auto">
-          <a:xfrm>
-            <a:off x="1388367" y="3067751"/>
-            <a:ext cx="411341" cy="411341"/>
-          </a:xfrm>
-          <a:prstGeom prst="rect">
-            <a:avLst/>
-          </a:prstGeom>
-          <a:noFill/>
-          <a:ln>
-            <a:noFill/>
-          </a:ln>
-          <a:extLst>
-            <a:ext uri="{909E8E84-426E-40DD-AFC4-6F175D3DCCD1}">
-              <a14:hiddenFill xmlns:a14="http://schemas.microsoft.com/office/drawing/2010/main">
-                <a:solidFill>
-                  <a:srgbClr val="FFFFFF"/>
-                </a:solidFill>
-              </a14:hiddenFill>
-            </a:ext>
-            <a:ext uri="{91240B29-F687-4F45-9708-019B960494DF}">
-              <a14:hiddenLine xmlns:a14="http://schemas.microsoft.com/office/drawing/2010/main" w="9525">
-                <a:solidFill>
-                  <a:srgbClr val="000000"/>
-                </a:solidFill>
-                <a:miter lim="800000"/>
-                <a:headEnd/>
-                <a:tailEnd/>
-              </a14:hiddenLine>
-            </a:ext>
-          </a:extLst>
-        </p:spPr>
-      </p:pic>
-      <p:sp>
-        <p:nvSpPr>
-          <p:cNvPr id="119" name="TextBox 17">
-            <a:extLst>
-              <a:ext uri="{FF2B5EF4-FFF2-40B4-BE49-F238E27FC236}">
-                <a16:creationId xmlns:a16="http://schemas.microsoft.com/office/drawing/2014/main" id="{65C7C115-2565-4A93-A582-98491151E1C3}"/>
-              </a:ext>
-            </a:extLst>
-          </p:cNvPr>
-          <p:cNvSpPr txBox="1">
-            <a:spLocks noChangeArrowheads="1"/>
-          </p:cNvSpPr>
-          <p:nvPr/>
-        </p:nvSpPr>
-        <p:spPr bwMode="auto">
-          <a:xfrm>
-            <a:off x="2704915" y="2882223"/>
-            <a:ext cx="1110914" cy="244682"/>
-          </a:xfrm>
-          <a:prstGeom prst="rect">
-            <a:avLst/>
-          </a:prstGeom>
-          <a:noFill/>
-          <a:ln>
-            <a:noFill/>
-          </a:ln>
-          <a:extLst>
-            <a:ext uri="{909E8E84-426E-40DD-AFC4-6F175D3DCCD1}">
-              <a14:hiddenFill xmlns:a14="http://schemas.microsoft.com/office/drawing/2010/main">
-                <a:solidFill>
-                  <a:srgbClr val="FFFFFF"/>
-                </a:solidFill>
-              </a14:hiddenFill>
-            </a:ext>
-            <a:ext uri="{91240B29-F687-4F45-9708-019B960494DF}">
-              <a14:hiddenLine xmlns:a14="http://schemas.microsoft.com/office/drawing/2010/main" w="9525">
-                <a:solidFill>
-                  <a:srgbClr val="000000"/>
-                </a:solidFill>
-                <a:miter lim="800000"/>
-                <a:headEnd/>
-                <a:tailEnd/>
-              </a14:hiddenLine>
-            </a:ext>
-          </a:extLst>
-        </p:spPr>
-        <p:txBody>
-          <a:bodyPr wrap="square">
-            <a:spAutoFit/>
-          </a:bodyPr>
-          <a:lstStyle>
-            <a:lvl1pPr>
-              <a:defRPr>
-                <a:solidFill>
-                  <a:schemeClr val="tx1"/>
-                </a:solidFill>
-                <a:latin typeface="Calibri" panose="020F0502020204030204" pitchFamily="34" charset="0"/>
-              </a:defRPr>
-            </a:lvl1pPr>
-            <a:lvl2pPr marL="742950" indent="-285750">
-              <a:defRPr>
-                <a:solidFill>
-                  <a:schemeClr val="tx1"/>
-                </a:solidFill>
-                <a:latin typeface="Calibri" panose="020F0502020204030204" pitchFamily="34" charset="0"/>
-              </a:defRPr>
-            </a:lvl2pPr>
-            <a:lvl3pPr marL="1143000" indent="-228600">
-              <a:defRPr>
-                <a:solidFill>
-                  <a:schemeClr val="tx1"/>
-                </a:solidFill>
-                <a:latin typeface="Calibri" panose="020F0502020204030204" pitchFamily="34" charset="0"/>
-              </a:defRPr>
-            </a:lvl3pPr>
-            <a:lvl4pPr marL="1600200" indent="-228600">
-              <a:defRPr>
-                <a:solidFill>
-                  <a:schemeClr val="tx1"/>
-                </a:solidFill>
-                <a:latin typeface="Calibri" panose="020F0502020204030204" pitchFamily="34" charset="0"/>
-              </a:defRPr>
-            </a:lvl4pPr>
-            <a:lvl5pPr marL="2057400" indent="-228600">
-              <a:defRPr>
-                <a:solidFill>
-                  <a:schemeClr val="tx1"/>
-                </a:solidFill>
-                <a:latin typeface="Calibri" panose="020F0502020204030204" pitchFamily="34" charset="0"/>
-              </a:defRPr>
-            </a:lvl5pPr>
-            <a:lvl6pPr marL="2514600" indent="-228600" eaLnBrk="0" fontAlgn="base" hangingPunct="0">
-              <a:spcBef>
-                <a:spcPct val="0"/>
-              </a:spcBef>
-              <a:spcAft>
-                <a:spcPct val="0"/>
-              </a:spcAft>
-              <a:defRPr>
-                <a:solidFill>
-                  <a:schemeClr val="tx1"/>
-                </a:solidFill>
-                <a:latin typeface="Calibri" panose="020F0502020204030204" pitchFamily="34" charset="0"/>
-              </a:defRPr>
-            </a:lvl6pPr>
-            <a:lvl7pPr marL="2971800" indent="-228600" eaLnBrk="0" fontAlgn="base" hangingPunct="0">
-              <a:spcBef>
-                <a:spcPct val="0"/>
-              </a:spcBef>
-              <a:spcAft>
-                <a:spcPct val="0"/>
-              </a:spcAft>
-              <a:defRPr>
-                <a:solidFill>
-                  <a:schemeClr val="tx1"/>
-                </a:solidFill>
-                <a:latin typeface="Calibri" panose="020F0502020204030204" pitchFamily="34" charset="0"/>
-              </a:defRPr>
-            </a:lvl7pPr>
-            <a:lvl8pPr marL="3429000" indent="-228600" eaLnBrk="0" fontAlgn="base" hangingPunct="0">
-              <a:spcBef>
-                <a:spcPct val="0"/>
-              </a:spcBef>
-              <a:spcAft>
-                <a:spcPct val="0"/>
-              </a:spcAft>
-              <a:defRPr>
-                <a:solidFill>
-                  <a:schemeClr val="tx1"/>
-                </a:solidFill>
-                <a:latin typeface="Calibri" panose="020F0502020204030204" pitchFamily="34" charset="0"/>
-              </a:defRPr>
-            </a:lvl8pPr>
-            <a:lvl9pPr marL="3886200" indent="-228600" eaLnBrk="0" fontAlgn="base" hangingPunct="0">
-              <a:spcBef>
-                <a:spcPct val="0"/>
-              </a:spcBef>
-              <a:spcAft>
-                <a:spcPct val="0"/>
-              </a:spcAft>
-              <a:defRPr>
-                <a:solidFill>
-                  <a:schemeClr val="tx1"/>
-                </a:solidFill>
-                <a:latin typeface="Calibri" panose="020F0502020204030204" pitchFamily="34" charset="0"/>
-              </a:defRPr>
-            </a:lvl9pPr>
-          </a:lstStyle>
-          <a:p>
-            <a:pPr algn="ctr" eaLnBrk="1" hangingPunct="1"/>
-            <a:r>
-              <a:rPr lang="en-US" altLang="en-US" sz="990" dirty="0">
-                <a:latin typeface="Arial" panose="020B0604020202020204" pitchFamily="34" charset="0"/>
-                <a:ea typeface="Amazon Ember" panose="020B0603020204020204" pitchFamily="34" charset="0"/>
-                <a:cs typeface="Arial" panose="020B0604020202020204" pitchFamily="34" charset="0"/>
-              </a:rPr>
-              <a:t>NAT gateway</a:t>
-            </a:r>
-          </a:p>
-        </p:txBody>
-      </p:sp>
-      <p:pic>
-        <p:nvPicPr>
-          <p:cNvPr id="120" name="Graphic 35">
-            <a:extLst>
-              <a:ext uri="{FF2B5EF4-FFF2-40B4-BE49-F238E27FC236}">
-                <a16:creationId xmlns:a16="http://schemas.microsoft.com/office/drawing/2014/main" id="{35707F03-66A1-464C-BB5E-105968A1C62C}"/>
-              </a:ext>
-            </a:extLst>
-          </p:cNvPr>
-          <p:cNvPicPr>
-            <a:picLocks noChangeAspect="1" noChangeArrowheads="1"/>
-          </p:cNvPicPr>
-          <p:nvPr/>
-        </p:nvPicPr>
-        <p:blipFill>
-          <a:blip r:embed="rId20">
-            <a:extLst>
-              <a:ext uri="{28A0092B-C50C-407E-A947-70E740481C1C}">
-                <a14:useLocalDpi xmlns:a14="http://schemas.microsoft.com/office/drawing/2010/main" val="0"/>
-              </a:ext>
-            </a:extLst>
-          </a:blip>
-          <a:srcRect/>
-          <a:stretch>
-            <a:fillRect/>
-          </a:stretch>
-        </p:blipFill>
-        <p:spPr bwMode="auto">
-          <a:xfrm>
-            <a:off x="3061425" y="2469454"/>
-            <a:ext cx="411341" cy="411341"/>
-          </a:xfrm>
-          <a:prstGeom prst="rect">
-            <a:avLst/>
-          </a:prstGeom>
-          <a:noFill/>
-          <a:ln>
-            <a:noFill/>
-          </a:ln>
-          <a:extLst>
-            <a:ext uri="{909E8E84-426E-40DD-AFC4-6F175D3DCCD1}">
-              <a14:hiddenFill xmlns:a14="http://schemas.microsoft.com/office/drawing/2010/main">
-                <a:solidFill>
-                  <a:srgbClr val="FFFFFF"/>
-                </a:solidFill>
-              </a14:hiddenFill>
-            </a:ext>
-            <a:ext uri="{91240B29-F687-4F45-9708-019B960494DF}">
-              <a14:hiddenLine xmlns:a14="http://schemas.microsoft.com/office/drawing/2010/main" w="9525">
-                <a:solidFill>
-                  <a:srgbClr val="000000"/>
-                </a:solidFill>
-                <a:miter lim="800000"/>
-                <a:headEnd/>
-                <a:tailEnd/>
-              </a14:hiddenLine>
-            </a:ext>
-          </a:extLst>
-        </p:spPr>
-      </p:pic>
-      <p:sp>
-        <p:nvSpPr>
-          <p:cNvPr id="56" name="Rectangle 55">
-            <a:extLst>
-              <a:ext uri="{FF2B5EF4-FFF2-40B4-BE49-F238E27FC236}">
-                <a16:creationId xmlns:a16="http://schemas.microsoft.com/office/drawing/2014/main" id="{8642105C-D5A8-489F-B804-4FE78DAF196A}"/>
+                <a16:creationId xmlns:a16="http://schemas.microsoft.com/office/drawing/2014/main" id="{D8A785DF-C61A-493F-9E10-3E37187B56F3}"/>
               </a:ext>
             </a:extLst>
           </p:cNvPr>
@@ -6140,8 +5871,8 @@
         </p:nvSpPr>
         <p:spPr>
           <a:xfrm>
-            <a:off x="1591480" y="707769"/>
-            <a:ext cx="7120419" cy="6090962"/>
+            <a:off x="4460244" y="1498442"/>
+            <a:ext cx="1728964" cy="3914242"/>
           </a:xfrm>
           <a:prstGeom prst="rect">
             <a:avLst/>
@@ -6149,7 +5880,7 @@
           <a:noFill/>
           <a:ln w="12700">
             <a:solidFill>
-              <a:srgbClr val="1E8900"/>
+              <a:srgbClr val="D86613"/>
             </a:solidFill>
           </a:ln>
         </p:spPr>
@@ -6170,7 +5901,7 @@
           </a:fontRef>
         </p:style>
         <p:txBody>
-          <a:bodyPr lIns="452476" tIns="82268"/>
+          <a:bodyPr lIns="453447" tIns="82268"/>
           <a:lstStyle/>
           <a:p>
             <a:pPr>
@@ -6178,60 +5909,23 @@
             </a:pPr>
             <a:r>
               <a:rPr lang="en-US" sz="1080" dirty="0">
-                <a:ln w="0"/>
-                <a:solidFill>
-                  <a:srgbClr val="1E8900"/>
+                <a:solidFill>
+                  <a:srgbClr val="D86613"/>
                 </a:solidFill>
                 <a:latin typeface="Arial" panose="020B0604020202020204" pitchFamily="34" charset="0"/>
                 <a:cs typeface="Arial" panose="020B0604020202020204" pitchFamily="34" charset="0"/>
               </a:rPr>
-              <a:t>VPC</a:t>
-            </a:r>
-          </a:p>
-        </p:txBody>
-      </p:sp>
-      <p:pic>
-        <p:nvPicPr>
-          <p:cNvPr id="57" name="Graphic 56">
+              <a:t>Elastic Kubernetes Service</a:t>
+            </a:r>
+          </a:p>
+        </p:txBody>
+      </p:sp>
+      <p:sp>
+        <p:nvSpPr>
+          <p:cNvPr id="65" name="Rectangle 64">
             <a:extLst>
               <a:ext uri="{FF2B5EF4-FFF2-40B4-BE49-F238E27FC236}">
-                <a16:creationId xmlns:a16="http://schemas.microsoft.com/office/drawing/2014/main" id="{AC3E97D7-A22E-4A46-A241-36201F3F9EA2}"/>
-              </a:ext>
-            </a:extLst>
-          </p:cNvPr>
-          <p:cNvPicPr>
-            <a:picLocks noChangeAspect="1"/>
-          </p:cNvPicPr>
-          <p:nvPr/>
-        </p:nvPicPr>
-        <p:blipFill>
-          <a:blip r:embed="rId21">
-            <a:extLst>
-              <a:ext uri="{96DAC541-7B7A-43D3-8B79-37D633B846F1}">
-                <asvg:svgBlip xmlns:asvg="http://schemas.microsoft.com/office/drawing/2016/SVG/main" r:embed="rId22"/>
-              </a:ext>
-            </a:extLst>
-          </a:blip>
-          <a:stretch>
-            <a:fillRect/>
-          </a:stretch>
-        </p:blipFill>
-        <p:spPr>
-          <a:xfrm>
-            <a:off x="1600060" y="713436"/>
-            <a:ext cx="342785" cy="342785"/>
-          </a:xfrm>
-          <a:prstGeom prst="rect">
-            <a:avLst/>
-          </a:prstGeom>
-        </p:spPr>
-      </p:pic>
-      <p:sp>
-        <p:nvSpPr>
-          <p:cNvPr id="58" name="Rectangle 57">
-            <a:extLst>
-              <a:ext uri="{FF2B5EF4-FFF2-40B4-BE49-F238E27FC236}">
-                <a16:creationId xmlns:a16="http://schemas.microsoft.com/office/drawing/2014/main" id="{D8A785DF-C61A-493F-9E10-3E37187B56F3}"/>
+                <a16:creationId xmlns:a16="http://schemas.microsoft.com/office/drawing/2014/main" id="{6AA6DF8F-4111-4AB2-B23B-A57E2A399160}"/>
               </a:ext>
             </a:extLst>
           </p:cNvPr>
@@ -6240,8 +5934,8 @@
         </p:nvSpPr>
         <p:spPr>
           <a:xfrm>
-            <a:off x="4460244" y="1673402"/>
-            <a:ext cx="1728964" cy="3384297"/>
+            <a:off x="6578830" y="1673404"/>
+            <a:ext cx="1700546" cy="3384296"/>
           </a:xfrm>
           <a:prstGeom prst="rect">
             <a:avLst/>
@@ -6249,7 +5943,7 @@
           <a:noFill/>
           <a:ln w="12700">
             <a:solidFill>
-              <a:srgbClr val="D86613"/>
+              <a:srgbClr val="3A47CB"/>
             </a:solidFill>
           </a:ln>
         </p:spPr>
@@ -6270,7 +5964,7 @@
           </a:fontRef>
         </p:style>
         <p:txBody>
-          <a:bodyPr lIns="453447" tIns="82268"/>
+          <a:bodyPr lIns="421058" tIns="82268"/>
           <a:lstStyle/>
           <a:p>
             <a:pPr>
@@ -6279,22 +5973,22 @@
             <a:r>
               <a:rPr lang="en-US" sz="1080" dirty="0">
                 <a:solidFill>
-                  <a:srgbClr val="D86613"/>
+                  <a:srgbClr val="3A47CB"/>
                 </a:solidFill>
                 <a:latin typeface="Arial" panose="020B0604020202020204" pitchFamily="34" charset="0"/>
                 <a:cs typeface="Arial" panose="020B0604020202020204" pitchFamily="34" charset="0"/>
               </a:rPr>
-              <a:t>Amazon Elastic Kubernetes Service</a:t>
-            </a:r>
-          </a:p>
-        </p:txBody>
-      </p:sp>
-      <p:sp>
-        <p:nvSpPr>
-          <p:cNvPr id="65" name="Rectangle 64">
+              <a:t>Amazon Relational Database</a:t>
+            </a:r>
+          </a:p>
+        </p:txBody>
+      </p:sp>
+      <p:sp>
+        <p:nvSpPr>
+          <p:cNvPr id="67" name="Rectangle 66">
             <a:extLst>
               <a:ext uri="{FF2B5EF4-FFF2-40B4-BE49-F238E27FC236}">
-                <a16:creationId xmlns:a16="http://schemas.microsoft.com/office/drawing/2014/main" id="{6AA6DF8F-4111-4AB2-B23B-A57E2A399160}"/>
+                <a16:creationId xmlns:a16="http://schemas.microsoft.com/office/drawing/2014/main" id="{0E1D7F9D-A45C-48A3-A638-8F94DEB32B91}"/>
               </a:ext>
             </a:extLst>
           </p:cNvPr>
@@ -6303,8 +5997,8 @@
         </p:nvSpPr>
         <p:spPr>
           <a:xfrm>
-            <a:off x="6578830" y="1673404"/>
-            <a:ext cx="1700546" cy="3384296"/>
+            <a:off x="8762405" y="707769"/>
+            <a:ext cx="1706480" cy="4115142"/>
           </a:xfrm>
           <a:prstGeom prst="rect">
             <a:avLst/>
@@ -6312,7 +6006,7 @@
           <a:noFill/>
           <a:ln w="12700">
             <a:solidFill>
-              <a:srgbClr val="3A47CB"/>
+              <a:srgbClr val="3F8624"/>
             </a:solidFill>
           </a:ln>
         </p:spPr>
@@ -6341,23 +6035,24 @@
             </a:pPr>
             <a:r>
               <a:rPr lang="en-US" sz="1080" dirty="0">
-                <a:solidFill>
-                  <a:srgbClr val="3A47CB"/>
+                <a:ln w="0"/>
+                <a:solidFill>
+                  <a:srgbClr val="3F8624"/>
                 </a:solidFill>
                 <a:latin typeface="Arial" panose="020B0604020202020204" pitchFamily="34" charset="0"/>
                 <a:cs typeface="Arial" panose="020B0604020202020204" pitchFamily="34" charset="0"/>
               </a:rPr>
-              <a:t>Amazon Relational Database</a:t>
-            </a:r>
-          </a:p>
-        </p:txBody>
-      </p:sp>
-      <p:sp>
-        <p:nvSpPr>
-          <p:cNvPr id="67" name="Rectangle 66">
+              <a:t>Amazon Simple Storage Service</a:t>
+            </a:r>
+          </a:p>
+        </p:txBody>
+      </p:sp>
+      <p:sp>
+        <p:nvSpPr>
+          <p:cNvPr id="86" name="Rectangle 85">
             <a:extLst>
               <a:ext uri="{FF2B5EF4-FFF2-40B4-BE49-F238E27FC236}">
-                <a16:creationId xmlns:a16="http://schemas.microsoft.com/office/drawing/2014/main" id="{0E1D7F9D-A45C-48A3-A638-8F94DEB32B91}"/>
+                <a16:creationId xmlns:a16="http://schemas.microsoft.com/office/drawing/2014/main" id="{C59CA55C-E14D-4E09-95B2-025C8DED25AC}"/>
               </a:ext>
             </a:extLst>
           </p:cNvPr>
@@ -6366,8 +6061,8 @@
         </p:nvSpPr>
         <p:spPr>
           <a:xfrm>
-            <a:off x="8762405" y="707769"/>
-            <a:ext cx="1706480" cy="4115142"/>
+            <a:off x="4467958" y="5437262"/>
+            <a:ext cx="1712855" cy="1021086"/>
           </a:xfrm>
           <a:prstGeom prst="rect">
             <a:avLst/>
@@ -6375,7 +6070,7 @@
           <a:noFill/>
           <a:ln w="12700">
             <a:solidFill>
-              <a:srgbClr val="3F8624"/>
+              <a:srgbClr val="D86613"/>
             </a:solidFill>
           </a:ln>
         </p:spPr>
@@ -6396,70 +6091,6 @@
           </a:fontRef>
         </p:style>
         <p:txBody>
-          <a:bodyPr lIns="421058" tIns="82268"/>
-          <a:lstStyle/>
-          <a:p>
-            <a:pPr>
-              <a:defRPr/>
-            </a:pPr>
-            <a:r>
-              <a:rPr lang="en-US" sz="1080" dirty="0">
-                <a:ln w="0"/>
-                <a:solidFill>
-                  <a:srgbClr val="3F8624"/>
-                </a:solidFill>
-                <a:latin typeface="Arial" panose="020B0604020202020204" pitchFamily="34" charset="0"/>
-                <a:cs typeface="Arial" panose="020B0604020202020204" pitchFamily="34" charset="0"/>
-              </a:rPr>
-              <a:t>Amazon Simple Storage Service</a:t>
-            </a:r>
-          </a:p>
-        </p:txBody>
-      </p:sp>
-      <p:sp>
-        <p:nvSpPr>
-          <p:cNvPr id="86" name="Rectangle 85">
-            <a:extLst>
-              <a:ext uri="{FF2B5EF4-FFF2-40B4-BE49-F238E27FC236}">
-                <a16:creationId xmlns:a16="http://schemas.microsoft.com/office/drawing/2014/main" id="{C59CA55C-E14D-4E09-95B2-025C8DED25AC}"/>
-              </a:ext>
-            </a:extLst>
-          </p:cNvPr>
-          <p:cNvSpPr/>
-          <p:nvPr/>
-        </p:nvSpPr>
-        <p:spPr>
-          <a:xfrm>
-            <a:off x="4467958" y="5282212"/>
-            <a:ext cx="1712855" cy="1176136"/>
-          </a:xfrm>
-          <a:prstGeom prst="rect">
-            <a:avLst/>
-          </a:prstGeom>
-          <a:noFill/>
-          <a:ln w="12700">
-            <a:solidFill>
-              <a:srgbClr val="D86613"/>
-            </a:solidFill>
-          </a:ln>
-        </p:spPr>
-        <p:style>
-          <a:lnRef idx="2">
-            <a:schemeClr val="accent1">
-              <a:shade val="50000"/>
-            </a:schemeClr>
-          </a:lnRef>
-          <a:fillRef idx="1">
-            <a:schemeClr val="accent1"/>
-          </a:fillRef>
-          <a:effectRef idx="0">
-            <a:schemeClr val="accent1"/>
-          </a:effectRef>
-          <a:fontRef idx="minor">
-            <a:schemeClr val="lt1"/>
-          </a:fontRef>
-        </p:style>
-        <p:txBody>
           <a:bodyPr lIns="388669" tIns="82268" anchor="b"/>
           <a:lstStyle/>
           <a:p>
@@ -6498,12 +6129,10 @@
         <p:spPr>
           <a:xfrm flipV="1">
             <a:off x="5513736" y="4163031"/>
-            <a:ext cx="3876802" cy="1420153"/>
-          </a:xfrm>
-          <a:prstGeom prst="bentConnector3">
-            <a:avLst>
-              <a:gd name="adj1" fmla="val 75922"/>
-            </a:avLst>
+            <a:ext cx="3876802" cy="1505563"/>
+          </a:xfrm>
+          <a:prstGeom prst="straightConnector1">
+            <a:avLst/>
           </a:prstGeom>
           <a:ln w="22225">
             <a:solidFill>
@@ -6593,7 +6222,7 @@
         </p:nvCxnSpPr>
         <p:spPr>
           <a:xfrm>
-            <a:off x="6082350" y="2786888"/>
+            <a:off x="6082350" y="2682380"/>
             <a:ext cx="1146948" cy="8845"/>
           </a:xfrm>
           <a:prstGeom prst="straightConnector1">
@@ -6633,20 +6262,17 @@
           </p:cNvPr>
           <p:cNvCxnSpPr>
             <a:cxnSpLocks/>
-            <a:stCxn id="33" idx="3"/>
             <a:endCxn id="21" idx="1"/>
           </p:cNvCxnSpPr>
           <p:nvPr/>
         </p:nvCxnSpPr>
         <p:spPr>
-          <a:xfrm flipV="1">
-            <a:off x="6082351" y="3715603"/>
-            <a:ext cx="1160540" cy="574215"/>
-          </a:xfrm>
-          <a:prstGeom prst="bentConnector3">
-            <a:avLst>
-              <a:gd name="adj1" fmla="val 50000"/>
-            </a:avLst>
+          <a:xfrm>
+            <a:off x="6099084" y="3706481"/>
+            <a:ext cx="1143807" cy="9122"/>
+          </a:xfrm>
+          <a:prstGeom prst="straightConnector1">
+            <a:avLst/>
           </a:prstGeom>
           <a:ln w="22225">
             <a:solidFill>
@@ -6682,19 +6308,17 @@
           </p:cNvPr>
           <p:cNvCxnSpPr>
             <a:cxnSpLocks/>
-            <a:endCxn id="21" idx="1"/>
+            <a:endCxn id="21" idx="0"/>
           </p:cNvCxnSpPr>
           <p:nvPr/>
         </p:nvCxnSpPr>
         <p:spPr>
           <a:xfrm>
-            <a:off x="6076661" y="3069871"/>
-            <a:ext cx="1166230" cy="645732"/>
-          </a:xfrm>
-          <a:prstGeom prst="bentConnector3">
-            <a:avLst>
-              <a:gd name="adj1" fmla="val 50000"/>
-            </a:avLst>
+            <a:off x="6099084" y="2816331"/>
+            <a:ext cx="1349478" cy="693601"/>
+          </a:xfrm>
+          <a:prstGeom prst="straightConnector1">
+            <a:avLst/>
           </a:prstGeom>
           <a:ln w="22225">
             <a:solidFill>
@@ -7790,60 +7414,11 @@
         </p:nvCxnSpPr>
         <p:spPr>
           <a:xfrm>
-            <a:off x="6082379" y="4513849"/>
-            <a:ext cx="3190402" cy="1618459"/>
-          </a:xfrm>
-          <a:prstGeom prst="bentConnector3">
-            <a:avLst>
-              <a:gd name="adj1" fmla="val 8569"/>
-            </a:avLst>
-          </a:prstGeom>
-          <a:ln w="22225">
-            <a:solidFill>
-              <a:srgbClr val="545B64"/>
-            </a:solidFill>
-            <a:headEnd type="none" w="med" len="sm"/>
-            <a:tailEnd type="arrow" w="med" len="sm"/>
-          </a:ln>
-        </p:spPr>
-        <p:style>
-          <a:lnRef idx="1">
-            <a:schemeClr val="accent1"/>
-          </a:lnRef>
-          <a:fillRef idx="0">
-            <a:schemeClr val="accent1"/>
-          </a:fillRef>
-          <a:effectRef idx="0">
-            <a:schemeClr val="accent1"/>
-          </a:effectRef>
-          <a:fontRef idx="minor">
-            <a:schemeClr val="tx1"/>
-          </a:fontRef>
-        </p:style>
-      </p:cxnSp>
-      <p:cxnSp>
-        <p:nvCxnSpPr>
-          <p:cNvPr id="84" name="Straight Arrow Connector 39">
-            <a:extLst>
-              <a:ext uri="{FF2B5EF4-FFF2-40B4-BE49-F238E27FC236}">
-                <a16:creationId xmlns:a16="http://schemas.microsoft.com/office/drawing/2014/main" id="{587912E3-CA74-4546-A5B5-20A7668127A7}"/>
-              </a:ext>
-            </a:extLst>
-          </p:cNvPr>
-          <p:cNvCxnSpPr>
-            <a:cxnSpLocks/>
-          </p:cNvCxnSpPr>
-          <p:nvPr/>
-        </p:nvCxnSpPr>
-        <p:spPr>
-          <a:xfrm>
-            <a:off x="6108255" y="3468281"/>
-            <a:ext cx="3165388" cy="2440251"/>
-          </a:xfrm>
-          <a:prstGeom prst="bentConnector3">
-            <a:avLst>
-              <a:gd name="adj1" fmla="val 11102"/>
-            </a:avLst>
+            <a:off x="6088976" y="3826728"/>
+            <a:ext cx="3211235" cy="2305580"/>
+          </a:xfrm>
+          <a:prstGeom prst="straightConnector1">
+            <a:avLst/>
           </a:prstGeom>
           <a:ln w="22225">
             <a:solidFill>
@@ -8349,6 +7924,694 @@
           </a:p>
         </p:txBody>
       </p:sp>
+      <p:sp>
+        <p:nvSpPr>
+          <p:cNvPr id="89" name="Rectangle 88">
+            <a:extLst>
+              <a:ext uri="{FF2B5EF4-FFF2-40B4-BE49-F238E27FC236}">
+                <a16:creationId xmlns:a16="http://schemas.microsoft.com/office/drawing/2014/main" id="{AAFCBBCD-5738-41FC-8B8C-3327D4C6AFDE}"/>
+              </a:ext>
+            </a:extLst>
+          </p:cNvPr>
+          <p:cNvSpPr/>
+          <p:nvPr/>
+        </p:nvSpPr>
+        <p:spPr>
+          <a:xfrm>
+            <a:off x="4589876" y="2006532"/>
+            <a:ext cx="1502583" cy="1057335"/>
+          </a:xfrm>
+          <a:prstGeom prst="rect">
+            <a:avLst/>
+          </a:prstGeom>
+          <a:noFill/>
+          <a:ln w="12700">
+            <a:solidFill>
+              <a:srgbClr val="D86613"/>
+            </a:solidFill>
+            <a:prstDash val="dash"/>
+          </a:ln>
+        </p:spPr>
+        <p:style>
+          <a:lnRef idx="2">
+            <a:schemeClr val="accent1">
+              <a:shade val="50000"/>
+            </a:schemeClr>
+          </a:lnRef>
+          <a:fillRef idx="1">
+            <a:schemeClr val="accent1"/>
+          </a:fillRef>
+          <a:effectRef idx="0">
+            <a:schemeClr val="accent1"/>
+          </a:effectRef>
+          <a:fontRef idx="minor">
+            <a:schemeClr val="lt1"/>
+          </a:fontRef>
+        </p:style>
+        <p:txBody>
+          <a:bodyPr tIns="82268"/>
+          <a:lstStyle/>
+          <a:p>
+            <a:pPr marL="360000">
+              <a:defRPr/>
+            </a:pPr>
+            <a:r>
+              <a:rPr lang="en-US" sz="1080" dirty="0">
+                <a:solidFill>
+                  <a:srgbClr val="D86613"/>
+                </a:solidFill>
+                <a:latin typeface="Arial" panose="020B0604020202020204" pitchFamily="34" charset="0"/>
+                <a:cs typeface="Arial" panose="020B0604020202020204" pitchFamily="34" charset="0"/>
+              </a:rPr>
+              <a:t>Auto Scaling group</a:t>
+            </a:r>
+          </a:p>
+        </p:txBody>
+      </p:sp>
+      <p:pic>
+        <p:nvPicPr>
+          <p:cNvPr id="90" name="Graphic 89">
+            <a:extLst>
+              <a:ext uri="{FF2B5EF4-FFF2-40B4-BE49-F238E27FC236}">
+                <a16:creationId xmlns:a16="http://schemas.microsoft.com/office/drawing/2014/main" id="{72B3ABFC-2EA0-45CF-BC6A-136184FE6C33}"/>
+              </a:ext>
+            </a:extLst>
+          </p:cNvPr>
+          <p:cNvPicPr>
+            <a:picLocks noChangeAspect="1"/>
+          </p:cNvPicPr>
+          <p:nvPr/>
+        </p:nvPicPr>
+        <p:blipFill>
+          <a:blip r:embed="rId11">
+            <a:extLst>
+              <a:ext uri="{96DAC541-7B7A-43D3-8B79-37D633B846F1}">
+                <asvg:svgBlip xmlns:asvg="http://schemas.microsoft.com/office/drawing/2016/SVG/main" r:embed="rId12"/>
+              </a:ext>
+            </a:extLst>
+          </a:blip>
+          <a:stretch>
+            <a:fillRect/>
+          </a:stretch>
+        </p:blipFill>
+        <p:spPr>
+          <a:xfrm>
+            <a:off x="4599984" y="2017279"/>
+            <a:ext cx="342785" cy="342785"/>
+          </a:xfrm>
+          <a:prstGeom prst="rect">
+            <a:avLst/>
+          </a:prstGeom>
+        </p:spPr>
+      </p:pic>
+      <p:pic>
+        <p:nvPicPr>
+          <p:cNvPr id="91" name="Graphic 62">
+            <a:extLst>
+              <a:ext uri="{FF2B5EF4-FFF2-40B4-BE49-F238E27FC236}">
+                <a16:creationId xmlns:a16="http://schemas.microsoft.com/office/drawing/2014/main" id="{D6420218-D39F-4A40-B638-B9B1E85A4D3A}"/>
+              </a:ext>
+            </a:extLst>
+          </p:cNvPr>
+          <p:cNvPicPr>
+            <a:picLocks noChangeAspect="1" noChangeArrowheads="1"/>
+          </p:cNvPicPr>
+          <p:nvPr/>
+        </p:nvPicPr>
+        <p:blipFill>
+          <a:blip r:embed="rId13">
+            <a:extLst>
+              <a:ext uri="{28A0092B-C50C-407E-A947-70E740481C1C}">
+                <a14:useLocalDpi xmlns:a14="http://schemas.microsoft.com/office/drawing/2010/main" val="0"/>
+              </a:ext>
+            </a:extLst>
+          </a:blip>
+          <a:srcRect/>
+          <a:stretch>
+            <a:fillRect/>
+          </a:stretch>
+        </p:blipFill>
+        <p:spPr bwMode="auto">
+          <a:xfrm>
+            <a:off x="5142769" y="2432849"/>
+            <a:ext cx="411341" cy="411341"/>
+          </a:xfrm>
+          <a:prstGeom prst="rect">
+            <a:avLst/>
+          </a:prstGeom>
+          <a:noFill/>
+          <a:ln>
+            <a:noFill/>
+          </a:ln>
+          <a:extLst>
+            <a:ext uri="{909E8E84-426E-40DD-AFC4-6F175D3DCCD1}">
+              <a14:hiddenFill xmlns:a14="http://schemas.microsoft.com/office/drawing/2010/main">
+                <a:solidFill>
+                  <a:srgbClr val="FFFFFF"/>
+                </a:solidFill>
+              </a14:hiddenFill>
+            </a:ext>
+            <a:ext uri="{91240B29-F687-4F45-9708-019B960494DF}">
+              <a14:hiddenLine xmlns:a14="http://schemas.microsoft.com/office/drawing/2010/main" w="9525">
+                <a:solidFill>
+                  <a:srgbClr val="000000"/>
+                </a:solidFill>
+                <a:miter lim="800000"/>
+                <a:headEnd/>
+                <a:tailEnd/>
+              </a14:hiddenLine>
+            </a:ext>
+          </a:extLst>
+        </p:spPr>
+      </p:pic>
+      <p:sp>
+        <p:nvSpPr>
+          <p:cNvPr id="92" name="TextBox 16">
+            <a:extLst>
+              <a:ext uri="{FF2B5EF4-FFF2-40B4-BE49-F238E27FC236}">
+                <a16:creationId xmlns:a16="http://schemas.microsoft.com/office/drawing/2014/main" id="{C4B34C0D-E76D-4537-A715-B2E7D4152B7F}"/>
+              </a:ext>
+            </a:extLst>
+          </p:cNvPr>
+          <p:cNvSpPr txBox="1">
+            <a:spLocks noChangeArrowheads="1"/>
+          </p:cNvSpPr>
+          <p:nvPr/>
+        </p:nvSpPr>
+        <p:spPr bwMode="auto">
+          <a:xfrm>
+            <a:off x="4842644" y="2819185"/>
+            <a:ext cx="1003672" cy="244682"/>
+          </a:xfrm>
+          <a:prstGeom prst="rect">
+            <a:avLst/>
+          </a:prstGeom>
+          <a:noFill/>
+          <a:ln>
+            <a:noFill/>
+          </a:ln>
+          <a:extLst>
+            <a:ext uri="{909E8E84-426E-40DD-AFC4-6F175D3DCCD1}">
+              <a14:hiddenFill xmlns:a14="http://schemas.microsoft.com/office/drawing/2010/main">
+                <a:solidFill>
+                  <a:srgbClr val="FFFFFF"/>
+                </a:solidFill>
+              </a14:hiddenFill>
+            </a:ext>
+            <a:ext uri="{91240B29-F687-4F45-9708-019B960494DF}">
+              <a14:hiddenLine xmlns:a14="http://schemas.microsoft.com/office/drawing/2010/main" w="9525">
+                <a:solidFill>
+                  <a:srgbClr val="000000"/>
+                </a:solidFill>
+                <a:miter lim="800000"/>
+                <a:headEnd/>
+                <a:tailEnd/>
+              </a14:hiddenLine>
+            </a:ext>
+          </a:extLst>
+        </p:spPr>
+        <p:txBody>
+          <a:bodyPr wrap="square" lIns="0" rIns="0">
+            <a:spAutoFit/>
+          </a:bodyPr>
+          <a:lstStyle>
+            <a:lvl1pPr>
+              <a:defRPr>
+                <a:solidFill>
+                  <a:schemeClr val="tx1"/>
+                </a:solidFill>
+                <a:latin typeface="Calibri" panose="020F0502020204030204" pitchFamily="34" charset="0"/>
+              </a:defRPr>
+            </a:lvl1pPr>
+            <a:lvl2pPr marL="742950" indent="-285750">
+              <a:defRPr>
+                <a:solidFill>
+                  <a:schemeClr val="tx1"/>
+                </a:solidFill>
+                <a:latin typeface="Calibri" panose="020F0502020204030204" pitchFamily="34" charset="0"/>
+              </a:defRPr>
+            </a:lvl2pPr>
+            <a:lvl3pPr marL="1143000" indent="-228600">
+              <a:defRPr>
+                <a:solidFill>
+                  <a:schemeClr val="tx1"/>
+                </a:solidFill>
+                <a:latin typeface="Calibri" panose="020F0502020204030204" pitchFamily="34" charset="0"/>
+              </a:defRPr>
+            </a:lvl3pPr>
+            <a:lvl4pPr marL="1600200" indent="-228600">
+              <a:defRPr>
+                <a:solidFill>
+                  <a:schemeClr val="tx1"/>
+                </a:solidFill>
+                <a:latin typeface="Calibri" panose="020F0502020204030204" pitchFamily="34" charset="0"/>
+              </a:defRPr>
+            </a:lvl4pPr>
+            <a:lvl5pPr marL="2057400" indent="-228600">
+              <a:defRPr>
+                <a:solidFill>
+                  <a:schemeClr val="tx1"/>
+                </a:solidFill>
+                <a:latin typeface="Calibri" panose="020F0502020204030204" pitchFamily="34" charset="0"/>
+              </a:defRPr>
+            </a:lvl5pPr>
+            <a:lvl6pPr marL="2514600" indent="-228600" eaLnBrk="0" fontAlgn="base" hangingPunct="0">
+              <a:spcBef>
+                <a:spcPct val="0"/>
+              </a:spcBef>
+              <a:spcAft>
+                <a:spcPct val="0"/>
+              </a:spcAft>
+              <a:defRPr>
+                <a:solidFill>
+                  <a:schemeClr val="tx1"/>
+                </a:solidFill>
+                <a:latin typeface="Calibri" panose="020F0502020204030204" pitchFamily="34" charset="0"/>
+              </a:defRPr>
+            </a:lvl6pPr>
+            <a:lvl7pPr marL="2971800" indent="-228600" eaLnBrk="0" fontAlgn="base" hangingPunct="0">
+              <a:spcBef>
+                <a:spcPct val="0"/>
+              </a:spcBef>
+              <a:spcAft>
+                <a:spcPct val="0"/>
+              </a:spcAft>
+              <a:defRPr>
+                <a:solidFill>
+                  <a:schemeClr val="tx1"/>
+                </a:solidFill>
+                <a:latin typeface="Calibri" panose="020F0502020204030204" pitchFamily="34" charset="0"/>
+              </a:defRPr>
+            </a:lvl7pPr>
+            <a:lvl8pPr marL="3429000" indent="-228600" eaLnBrk="0" fontAlgn="base" hangingPunct="0">
+              <a:spcBef>
+                <a:spcPct val="0"/>
+              </a:spcBef>
+              <a:spcAft>
+                <a:spcPct val="0"/>
+              </a:spcAft>
+              <a:defRPr>
+                <a:solidFill>
+                  <a:schemeClr val="tx1"/>
+                </a:solidFill>
+                <a:latin typeface="Calibri" panose="020F0502020204030204" pitchFamily="34" charset="0"/>
+              </a:defRPr>
+            </a:lvl8pPr>
+            <a:lvl9pPr marL="3886200" indent="-228600" eaLnBrk="0" fontAlgn="base" hangingPunct="0">
+              <a:spcBef>
+                <a:spcPct val="0"/>
+              </a:spcBef>
+              <a:spcAft>
+                <a:spcPct val="0"/>
+              </a:spcAft>
+              <a:defRPr>
+                <a:solidFill>
+                  <a:schemeClr val="tx1"/>
+                </a:solidFill>
+                <a:latin typeface="Calibri" panose="020F0502020204030204" pitchFamily="34" charset="0"/>
+              </a:defRPr>
+            </a:lvl9pPr>
+          </a:lstStyle>
+          <a:p>
+            <a:pPr algn="ctr" eaLnBrk="1" hangingPunct="1"/>
+            <a:r>
+              <a:rPr lang="en-US" altLang="en-US" sz="990" dirty="0">
+                <a:latin typeface="Arial" panose="020B0604020202020204" pitchFamily="34" charset="0"/>
+                <a:ea typeface="Amazon Ember" panose="020B0603020204020204" pitchFamily="34" charset="0"/>
+                <a:cs typeface="Arial" panose="020B0604020202020204" pitchFamily="34" charset="0"/>
+              </a:rPr>
+              <a:t>Service nodes</a:t>
+            </a:r>
+          </a:p>
+        </p:txBody>
+      </p:sp>
+      <p:sp>
+        <p:nvSpPr>
+          <p:cNvPr id="93" name="Rectangle 92">
+            <a:extLst>
+              <a:ext uri="{FF2B5EF4-FFF2-40B4-BE49-F238E27FC236}">
+                <a16:creationId xmlns:a16="http://schemas.microsoft.com/office/drawing/2014/main" id="{6C815FBF-0B11-4BFC-8D8F-B31D3777EF55}"/>
+              </a:ext>
+            </a:extLst>
+          </p:cNvPr>
+          <p:cNvSpPr/>
+          <p:nvPr/>
+        </p:nvSpPr>
+        <p:spPr>
+          <a:xfrm>
+            <a:off x="4588051" y="4288770"/>
+            <a:ext cx="1502583" cy="1057335"/>
+          </a:xfrm>
+          <a:prstGeom prst="rect">
+            <a:avLst/>
+          </a:prstGeom>
+          <a:noFill/>
+          <a:ln w="12700">
+            <a:solidFill>
+              <a:srgbClr val="D86613"/>
+            </a:solidFill>
+            <a:prstDash val="dash"/>
+          </a:ln>
+        </p:spPr>
+        <p:style>
+          <a:lnRef idx="2">
+            <a:schemeClr val="accent1">
+              <a:shade val="50000"/>
+            </a:schemeClr>
+          </a:lnRef>
+          <a:fillRef idx="1">
+            <a:schemeClr val="accent1"/>
+          </a:fillRef>
+          <a:effectRef idx="0">
+            <a:schemeClr val="accent1"/>
+          </a:effectRef>
+          <a:fontRef idx="minor">
+            <a:schemeClr val="lt1"/>
+          </a:fontRef>
+        </p:style>
+        <p:txBody>
+          <a:bodyPr tIns="82268"/>
+          <a:lstStyle/>
+          <a:p>
+            <a:pPr marL="360000">
+              <a:defRPr/>
+            </a:pPr>
+            <a:r>
+              <a:rPr lang="en-US" sz="1080" dirty="0">
+                <a:solidFill>
+                  <a:srgbClr val="D86613"/>
+                </a:solidFill>
+                <a:latin typeface="Arial" panose="020B0604020202020204" pitchFamily="34" charset="0"/>
+                <a:cs typeface="Arial" panose="020B0604020202020204" pitchFamily="34" charset="0"/>
+              </a:rPr>
+              <a:t>Auto Scaling group</a:t>
+            </a:r>
+          </a:p>
+        </p:txBody>
+      </p:sp>
+      <p:pic>
+        <p:nvPicPr>
+          <p:cNvPr id="94" name="Graphic 93">
+            <a:extLst>
+              <a:ext uri="{FF2B5EF4-FFF2-40B4-BE49-F238E27FC236}">
+                <a16:creationId xmlns:a16="http://schemas.microsoft.com/office/drawing/2014/main" id="{838D99B5-E9DA-4C99-95BF-0EFB7FAD882D}"/>
+              </a:ext>
+            </a:extLst>
+          </p:cNvPr>
+          <p:cNvPicPr>
+            <a:picLocks noChangeAspect="1"/>
+          </p:cNvPicPr>
+          <p:nvPr/>
+        </p:nvPicPr>
+        <p:blipFill>
+          <a:blip r:embed="rId11">
+            <a:extLst>
+              <a:ext uri="{96DAC541-7B7A-43D3-8B79-37D633B846F1}">
+                <asvg:svgBlip xmlns:asvg="http://schemas.microsoft.com/office/drawing/2016/SVG/main" r:embed="rId12"/>
+              </a:ext>
+            </a:extLst>
+          </a:blip>
+          <a:stretch>
+            <a:fillRect/>
+          </a:stretch>
+        </p:blipFill>
+        <p:spPr>
+          <a:xfrm>
+            <a:off x="4598159" y="4299517"/>
+            <a:ext cx="342785" cy="342785"/>
+          </a:xfrm>
+          <a:prstGeom prst="rect">
+            <a:avLst/>
+          </a:prstGeom>
+        </p:spPr>
+      </p:pic>
+      <p:pic>
+        <p:nvPicPr>
+          <p:cNvPr id="95" name="Graphic 62">
+            <a:extLst>
+              <a:ext uri="{FF2B5EF4-FFF2-40B4-BE49-F238E27FC236}">
+                <a16:creationId xmlns:a16="http://schemas.microsoft.com/office/drawing/2014/main" id="{2EFFC04E-532D-4AE2-A944-B9E56683B883}"/>
+              </a:ext>
+            </a:extLst>
+          </p:cNvPr>
+          <p:cNvPicPr>
+            <a:picLocks noChangeAspect="1" noChangeArrowheads="1"/>
+          </p:cNvPicPr>
+          <p:nvPr/>
+        </p:nvPicPr>
+        <p:blipFill>
+          <a:blip r:embed="rId13">
+            <a:extLst>
+              <a:ext uri="{28A0092B-C50C-407E-A947-70E740481C1C}">
+                <a14:useLocalDpi xmlns:a14="http://schemas.microsoft.com/office/drawing/2010/main" val="0"/>
+              </a:ext>
+            </a:extLst>
+          </a:blip>
+          <a:srcRect/>
+          <a:stretch>
+            <a:fillRect/>
+          </a:stretch>
+        </p:blipFill>
+        <p:spPr bwMode="auto">
+          <a:xfrm>
+            <a:off x="5140944" y="4715087"/>
+            <a:ext cx="411341" cy="411341"/>
+          </a:xfrm>
+          <a:prstGeom prst="rect">
+            <a:avLst/>
+          </a:prstGeom>
+          <a:noFill/>
+          <a:ln>
+            <a:noFill/>
+          </a:ln>
+          <a:extLst>
+            <a:ext uri="{909E8E84-426E-40DD-AFC4-6F175D3DCCD1}">
+              <a14:hiddenFill xmlns:a14="http://schemas.microsoft.com/office/drawing/2010/main">
+                <a:solidFill>
+                  <a:srgbClr val="FFFFFF"/>
+                </a:solidFill>
+              </a14:hiddenFill>
+            </a:ext>
+            <a:ext uri="{91240B29-F687-4F45-9708-019B960494DF}">
+              <a14:hiddenLine xmlns:a14="http://schemas.microsoft.com/office/drawing/2010/main" w="9525">
+                <a:solidFill>
+                  <a:srgbClr val="000000"/>
+                </a:solidFill>
+                <a:miter lim="800000"/>
+                <a:headEnd/>
+                <a:tailEnd/>
+              </a14:hiddenLine>
+            </a:ext>
+          </a:extLst>
+        </p:spPr>
+      </p:pic>
+      <p:sp>
+        <p:nvSpPr>
+          <p:cNvPr id="96" name="TextBox 16">
+            <a:extLst>
+              <a:ext uri="{FF2B5EF4-FFF2-40B4-BE49-F238E27FC236}">
+                <a16:creationId xmlns:a16="http://schemas.microsoft.com/office/drawing/2014/main" id="{C7320C86-2D8C-4336-872B-D197F542ED07}"/>
+              </a:ext>
+            </a:extLst>
+          </p:cNvPr>
+          <p:cNvSpPr txBox="1">
+            <a:spLocks noChangeArrowheads="1"/>
+          </p:cNvSpPr>
+          <p:nvPr/>
+        </p:nvSpPr>
+        <p:spPr bwMode="auto">
+          <a:xfrm>
+            <a:off x="4840819" y="5151663"/>
+            <a:ext cx="1003672" cy="244682"/>
+          </a:xfrm>
+          <a:prstGeom prst="rect">
+            <a:avLst/>
+          </a:prstGeom>
+          <a:noFill/>
+          <a:ln>
+            <a:noFill/>
+          </a:ln>
+          <a:extLst>
+            <a:ext uri="{909E8E84-426E-40DD-AFC4-6F175D3DCCD1}">
+              <a14:hiddenFill xmlns:a14="http://schemas.microsoft.com/office/drawing/2010/main">
+                <a:solidFill>
+                  <a:srgbClr val="FFFFFF"/>
+                </a:solidFill>
+              </a14:hiddenFill>
+            </a:ext>
+            <a:ext uri="{91240B29-F687-4F45-9708-019B960494DF}">
+              <a14:hiddenLine xmlns:a14="http://schemas.microsoft.com/office/drawing/2010/main" w="9525">
+                <a:solidFill>
+                  <a:srgbClr val="000000"/>
+                </a:solidFill>
+                <a:miter lim="800000"/>
+                <a:headEnd/>
+                <a:tailEnd/>
+              </a14:hiddenLine>
+            </a:ext>
+          </a:extLst>
+        </p:spPr>
+        <p:txBody>
+          <a:bodyPr wrap="square" lIns="0" rIns="0">
+            <a:spAutoFit/>
+          </a:bodyPr>
+          <a:lstStyle>
+            <a:lvl1pPr>
+              <a:defRPr>
+                <a:solidFill>
+                  <a:schemeClr val="tx1"/>
+                </a:solidFill>
+                <a:latin typeface="Calibri" panose="020F0502020204030204" pitchFamily="34" charset="0"/>
+              </a:defRPr>
+            </a:lvl1pPr>
+            <a:lvl2pPr marL="742950" indent="-285750">
+              <a:defRPr>
+                <a:solidFill>
+                  <a:schemeClr val="tx1"/>
+                </a:solidFill>
+                <a:latin typeface="Calibri" panose="020F0502020204030204" pitchFamily="34" charset="0"/>
+              </a:defRPr>
+            </a:lvl2pPr>
+            <a:lvl3pPr marL="1143000" indent="-228600">
+              <a:defRPr>
+                <a:solidFill>
+                  <a:schemeClr val="tx1"/>
+                </a:solidFill>
+                <a:latin typeface="Calibri" panose="020F0502020204030204" pitchFamily="34" charset="0"/>
+              </a:defRPr>
+            </a:lvl3pPr>
+            <a:lvl4pPr marL="1600200" indent="-228600">
+              <a:defRPr>
+                <a:solidFill>
+                  <a:schemeClr val="tx1"/>
+                </a:solidFill>
+                <a:latin typeface="Calibri" panose="020F0502020204030204" pitchFamily="34" charset="0"/>
+              </a:defRPr>
+            </a:lvl4pPr>
+            <a:lvl5pPr marL="2057400" indent="-228600">
+              <a:defRPr>
+                <a:solidFill>
+                  <a:schemeClr val="tx1"/>
+                </a:solidFill>
+                <a:latin typeface="Calibri" panose="020F0502020204030204" pitchFamily="34" charset="0"/>
+              </a:defRPr>
+            </a:lvl5pPr>
+            <a:lvl6pPr marL="2514600" indent="-228600" eaLnBrk="0" fontAlgn="base" hangingPunct="0">
+              <a:spcBef>
+                <a:spcPct val="0"/>
+              </a:spcBef>
+              <a:spcAft>
+                <a:spcPct val="0"/>
+              </a:spcAft>
+              <a:defRPr>
+                <a:solidFill>
+                  <a:schemeClr val="tx1"/>
+                </a:solidFill>
+                <a:latin typeface="Calibri" panose="020F0502020204030204" pitchFamily="34" charset="0"/>
+              </a:defRPr>
+            </a:lvl6pPr>
+            <a:lvl7pPr marL="2971800" indent="-228600" eaLnBrk="0" fontAlgn="base" hangingPunct="0">
+              <a:spcBef>
+                <a:spcPct val="0"/>
+              </a:spcBef>
+              <a:spcAft>
+                <a:spcPct val="0"/>
+              </a:spcAft>
+              <a:defRPr>
+                <a:solidFill>
+                  <a:schemeClr val="tx1"/>
+                </a:solidFill>
+                <a:latin typeface="Calibri" panose="020F0502020204030204" pitchFamily="34" charset="0"/>
+              </a:defRPr>
+            </a:lvl7pPr>
+            <a:lvl8pPr marL="3429000" indent="-228600" eaLnBrk="0" fontAlgn="base" hangingPunct="0">
+              <a:spcBef>
+                <a:spcPct val="0"/>
+              </a:spcBef>
+              <a:spcAft>
+                <a:spcPct val="0"/>
+              </a:spcAft>
+              <a:defRPr>
+                <a:solidFill>
+                  <a:schemeClr val="tx1"/>
+                </a:solidFill>
+                <a:latin typeface="Calibri" panose="020F0502020204030204" pitchFamily="34" charset="0"/>
+              </a:defRPr>
+            </a:lvl8pPr>
+            <a:lvl9pPr marL="3886200" indent="-228600" eaLnBrk="0" fontAlgn="base" hangingPunct="0">
+              <a:spcBef>
+                <a:spcPct val="0"/>
+              </a:spcBef>
+              <a:spcAft>
+                <a:spcPct val="0"/>
+              </a:spcAft>
+              <a:defRPr>
+                <a:solidFill>
+                  <a:schemeClr val="tx1"/>
+                </a:solidFill>
+                <a:latin typeface="Calibri" panose="020F0502020204030204" pitchFamily="34" charset="0"/>
+              </a:defRPr>
+            </a:lvl9pPr>
+          </a:lstStyle>
+          <a:p>
+            <a:pPr algn="ctr" eaLnBrk="1" hangingPunct="1"/>
+            <a:r>
+              <a:rPr lang="en-US" altLang="en-US" sz="990" dirty="0">
+                <a:latin typeface="Arial" panose="020B0604020202020204" pitchFamily="34" charset="0"/>
+                <a:ea typeface="Amazon Ember" panose="020B0603020204020204" pitchFamily="34" charset="0"/>
+                <a:cs typeface="Arial" panose="020B0604020202020204" pitchFamily="34" charset="0"/>
+              </a:rPr>
+              <a:t>GPU nodes</a:t>
+            </a:r>
+          </a:p>
+        </p:txBody>
+      </p:sp>
+      <p:cxnSp>
+        <p:nvCxnSpPr>
+          <p:cNvPr id="98" name="Straight Arrow Connector 39">
+            <a:extLst>
+              <a:ext uri="{FF2B5EF4-FFF2-40B4-BE49-F238E27FC236}">
+                <a16:creationId xmlns:a16="http://schemas.microsoft.com/office/drawing/2014/main" id="{D5B1A722-4DDA-4F8E-AAE0-046F758D90D6}"/>
+              </a:ext>
+            </a:extLst>
+          </p:cNvPr>
+          <p:cNvCxnSpPr>
+            <a:cxnSpLocks/>
+            <a:endCxn id="87" idx="0"/>
+          </p:cNvCxnSpPr>
+          <p:nvPr/>
+        </p:nvCxnSpPr>
+        <p:spPr>
+          <a:xfrm>
+            <a:off x="6105178" y="2972561"/>
+            <a:ext cx="3381994" cy="2807158"/>
+          </a:xfrm>
+          <a:prstGeom prst="straightConnector1">
+            <a:avLst/>
+          </a:prstGeom>
+          <a:ln w="22225">
+            <a:solidFill>
+              <a:srgbClr val="545B64"/>
+            </a:solidFill>
+            <a:headEnd type="none" w="med" len="sm"/>
+            <a:tailEnd type="arrow" w="med" len="sm"/>
+          </a:ln>
+        </p:spPr>
+        <p:style>
+          <a:lnRef idx="1">
+            <a:schemeClr val="accent1"/>
+          </a:lnRef>
+          <a:fillRef idx="0">
+            <a:schemeClr val="accent1"/>
+          </a:fillRef>
+          <a:effectRef idx="0">
+            <a:schemeClr val="accent1"/>
+          </a:effectRef>
+          <a:fontRef idx="minor">
+            <a:schemeClr val="tx1"/>
+          </a:fontRef>
+        </p:style>
+      </p:cxnSp>
     </p:spTree>
     <p:extLst>
       <p:ext uri="{BB962C8B-B14F-4D97-AF65-F5344CB8AC3E}">
